--- a/marketing/product-pricing/product-pricing.pptx
+++ b/marketing/product-pricing/product-pricing.pptx
@@ -1,20 +1,25 @@
 
 <file path=ppt/presentation.xml><?xml version="1.0" encoding="utf-8"?>
-<p:presentation xmlns:a="http://schemas.openxmlformats.org/drawingml/2006/main" xmlns:p="http://schemas.openxmlformats.org/presentationml/2006/main" xmlns:r="http://schemas.openxmlformats.org/officeDocument/2006/relationships" saveSubsetFonts="1">
+<p:presentation xmlns:a="http://schemas.openxmlformats.org/drawingml/2006/main" xmlns:p="http://schemas.openxmlformats.org/presentationml/2006/main" xmlns:r="http://schemas.openxmlformats.org/officeDocument/2006/relationships" autoCompressPictures="0" saveSubsetFonts="1">
   <p:sldMasterIdLst>
     <p:sldMasterId id="2147483648" r:id="rId1"/>
   </p:sldMasterIdLst>
   <p:sldIdLst>
     <p:sldId id="256" r:id="rId2"/>
     <p:sldId id="257" r:id="rId3"/>
+    <p:sldId id="258" r:id="rId4"/>
+    <p:sldId id="259" r:id="rId5"/>
+    <p:sldId id="260" r:id="rId6"/>
+    <p:sldId id="261" r:id="rId7"/>
+    <p:sldId id="262" r:id="rId8"/>
   </p:sldIdLst>
-  <p:sldSz cx="12192000" cy="6858000"/>
-  <p:notesSz cx="12192000" cy="6858000"/>
+  <p:sldSz cx="9144000" cy="5143500" type="screen16x9"/>
+  <p:notesSz cx="6858000" cy="9144000"/>
   <p:defaultTextStyle>
     <a:defPPr>
       <a:defRPr lang="en-US"/>
     </a:defPPr>
-    <a:lvl1pPr algn="l" defTabSz="914400" eaLnBrk="1" hangingPunct="1" latinLnBrk="0" marL="0" rtl="0">
+    <a:lvl1pPr algn="l" defTabSz="457200" eaLnBrk="1" hangingPunct="1" latinLnBrk="0" marL="0" rtl="0">
       <a:defRPr kern="1200" sz="1800">
         <a:solidFill>
           <a:schemeClr val="tx1"/>
@@ -24,7 +29,7 @@
         <a:cs typeface="+mn-cs"/>
       </a:defRPr>
     </a:lvl1pPr>
-    <a:lvl2pPr algn="l" defTabSz="914400" eaLnBrk="1" hangingPunct="1" latinLnBrk="0" marL="457200" rtl="0">
+    <a:lvl2pPr algn="l" defTabSz="457200" eaLnBrk="1" hangingPunct="1" latinLnBrk="0" marL="457200" rtl="0">
       <a:defRPr kern="1200" sz="1800">
         <a:solidFill>
           <a:schemeClr val="tx1"/>
@@ -34,7 +39,7 @@
         <a:cs typeface="+mn-cs"/>
       </a:defRPr>
     </a:lvl2pPr>
-    <a:lvl3pPr algn="l" defTabSz="914400" eaLnBrk="1" hangingPunct="1" latinLnBrk="0" marL="914400" rtl="0">
+    <a:lvl3pPr algn="l" defTabSz="457200" eaLnBrk="1" hangingPunct="1" latinLnBrk="0" marL="914400" rtl="0">
       <a:defRPr kern="1200" sz="1800">
         <a:solidFill>
           <a:schemeClr val="tx1"/>
@@ -44,7 +49,7 @@
         <a:cs typeface="+mn-cs"/>
       </a:defRPr>
     </a:lvl3pPr>
-    <a:lvl4pPr algn="l" defTabSz="914400" eaLnBrk="1" hangingPunct="1" latinLnBrk="0" marL="1371600" rtl="0">
+    <a:lvl4pPr algn="l" defTabSz="457200" eaLnBrk="1" hangingPunct="1" latinLnBrk="0" marL="1371600" rtl="0">
       <a:defRPr kern="1200" sz="1800">
         <a:solidFill>
           <a:schemeClr val="tx1"/>
@@ -54,7 +59,7 @@
         <a:cs typeface="+mn-cs"/>
       </a:defRPr>
     </a:lvl4pPr>
-    <a:lvl5pPr algn="l" defTabSz="914400" eaLnBrk="1" hangingPunct="1" latinLnBrk="0" marL="1828800" rtl="0">
+    <a:lvl5pPr algn="l" defTabSz="457200" eaLnBrk="1" hangingPunct="1" latinLnBrk="0" marL="1828800" rtl="0">
       <a:defRPr kern="1200" sz="1800">
         <a:solidFill>
           <a:schemeClr val="tx1"/>
@@ -64,7 +69,7 @@
         <a:cs typeface="+mn-cs"/>
       </a:defRPr>
     </a:lvl5pPr>
-    <a:lvl6pPr algn="l" defTabSz="914400" eaLnBrk="1" hangingPunct="1" latinLnBrk="0" marL="2286000" rtl="0">
+    <a:lvl6pPr algn="l" defTabSz="457200" eaLnBrk="1" hangingPunct="1" latinLnBrk="0" marL="2286000" rtl="0">
       <a:defRPr kern="1200" sz="1800">
         <a:solidFill>
           <a:schemeClr val="tx1"/>
@@ -74,7 +79,7 @@
         <a:cs typeface="+mn-cs"/>
       </a:defRPr>
     </a:lvl6pPr>
-    <a:lvl7pPr algn="l" defTabSz="914400" eaLnBrk="1" hangingPunct="1" latinLnBrk="0" marL="2743200" rtl="0">
+    <a:lvl7pPr algn="l" defTabSz="457200" eaLnBrk="1" hangingPunct="1" latinLnBrk="0" marL="2743200" rtl="0">
       <a:defRPr kern="1200" sz="1800">
         <a:solidFill>
           <a:schemeClr val="tx1"/>
@@ -84,7 +89,7 @@
         <a:cs typeface="+mn-cs"/>
       </a:defRPr>
     </a:lvl7pPr>
-    <a:lvl8pPr algn="l" defTabSz="914400" eaLnBrk="1" hangingPunct="1" latinLnBrk="0" marL="3200400" rtl="0">
+    <a:lvl8pPr algn="l" defTabSz="457200" eaLnBrk="1" hangingPunct="1" latinLnBrk="0" marL="3200400" rtl="0">
       <a:defRPr kern="1200" sz="1800">
         <a:solidFill>
           <a:schemeClr val="tx1"/>
@@ -94,7 +99,7 @@
         <a:cs typeface="+mn-cs"/>
       </a:defRPr>
     </a:lvl8pPr>
-    <a:lvl9pPr algn="l" defTabSz="914400" eaLnBrk="1" hangingPunct="1" latinLnBrk="0" marL="3657600" rtl="0">
+    <a:lvl9pPr algn="l" defTabSz="457200" eaLnBrk="1" hangingPunct="1" latinLnBrk="0" marL="3657600" rtl="0">
       <a:defRPr kern="1200" sz="1800">
         <a:solidFill>
           <a:schemeClr val="tx1"/>
@@ -108,12 +113,12 @@
   <p:extLst>
     <p:ext uri="{EFAFB233-063F-42B5-8137-9DF3F51BA10A}">
       <p15:sldGuideLst xmlns:p15="http://schemas.microsoft.com/office/powerpoint/2012/main">
-        <p15:guide id="1" orient="horz" pos="2880">
+        <p15:guide id="1" orient="horz" pos="1620" userDrawn="1">
           <p15:clr>
             <a:srgbClr val="A4A3A4"/>
           </p15:clr>
         </p15:guide>
-        <p15:guide id="2" pos="2160">
+        <p15:guide id="2" pos="2880" userDrawn="1">
           <p15:clr>
             <a:srgbClr val="A4A3A4"/>
           </p15:clr>
@@ -125,7 +130,7 @@
 </file>
 
 <file path=ppt/slideLayouts/slideLayout1.xml><?xml version="1.0" encoding="utf-8"?>
-<p:sldLayout xmlns:a="http://schemas.openxmlformats.org/drawingml/2006/main" xmlns:r="http://schemas.openxmlformats.org/officeDocument/2006/relationships" xmlns:p="http://schemas.openxmlformats.org/presentationml/2006/main" type="obj" preserve="1">
+<p:sldLayout xmlns:a="http://schemas.openxmlformats.org/drawingml/2006/main" xmlns:r="http://schemas.openxmlformats.org/officeDocument/2006/relationships" xmlns:p="http://schemas.openxmlformats.org/presentationml/2006/main" type="title" preserve="1">
   <p:cSld name="Title Slide">
     <p:spTree>
       <p:nvGrpSpPr>
@@ -143,7 +148,7 @@
       </p:grpSpPr>
       <p:sp>
         <p:nvSpPr>
-          <p:cNvPr id="2" name="Holder 2"/>
+          <p:cNvPr id="2" name="Title 1"/>
           <p:cNvSpPr>
             <a:spLocks noGrp="1"/>
           </p:cNvSpPr>
@@ -153,75 +158,42 @@
         </p:nvSpPr>
         <p:spPr>
           <a:xfrm>
-            <a:off x="914400" y="2125980"/>
-            <a:ext cx="10363200" cy="1440179"/>
+            <a:off x="685800" y="1597819"/>
+            <a:ext cx="7772400" cy="1102519"/>
           </a:xfrm>
-          <a:prstGeom prst="rect">
-            <a:avLst/>
-          </a:prstGeom>
         </p:spPr>
         <p:txBody>
-          <a:bodyPr wrap="square" lIns="0" tIns="0" rIns="0" bIns="0">
-            <a:spAutoFit/>
-          </a:bodyPr>
-          <a:lstStyle>
-            <a:lvl1pPr>
-              <a:defRPr/>
-            </a:lvl1pPr>
-          </a:lstStyle>
-          <a:p>
-            <a:endParaRPr/>
+          <a:bodyPr/>
+          <a:lstStyle/>
+          <a:p>
+            <a:r>
+              <a:rPr lang="en-US"/>
+              <a:t>Click to edit Master title style</a:t>
+            </a:r>
           </a:p>
         </p:txBody>
       </p:sp>
       <p:sp>
         <p:nvSpPr>
-          <p:cNvPr id="3" name="Holder 3"/>
+          <p:cNvPr id="3" name="Subtitle 2"/>
           <p:cNvSpPr>
             <a:spLocks noGrp="1"/>
           </p:cNvSpPr>
           <p:nvPr>
-            <p:ph type="subTitle" idx="4"/>
+            <p:ph type="subTitle" idx="1"/>
           </p:nvPr>
         </p:nvSpPr>
         <p:spPr>
           <a:xfrm>
-            <a:off x="1828800" y="3840480"/>
-            <a:ext cx="8534399" cy="1714500"/>
+            <a:off x="1371600" y="2914650"/>
+            <a:ext cx="6400800" cy="1314450"/>
           </a:xfrm>
-          <a:prstGeom prst="rect">
-            <a:avLst/>
-          </a:prstGeom>
         </p:spPr>
         <p:txBody>
-          <a:bodyPr wrap="square" lIns="0" tIns="0" rIns="0" bIns="0">
-            <a:spAutoFit/>
-          </a:bodyPr>
+          <a:bodyPr/>
           <a:lstStyle>
-            <a:lvl1pPr>
-              <a:defRPr/>
-            </a:lvl1pPr>
-          </a:lstStyle>
-          <a:p>
-            <a:endParaRPr/>
-          </a:p>
-        </p:txBody>
-      </p:sp>
-      <p:sp>
-        <p:nvSpPr>
-          <p:cNvPr id="4" name="Holder 4"/>
-          <p:cNvSpPr>
-            <a:spLocks noGrp="1"/>
-          </p:cNvSpPr>
-          <p:nvPr>
-            <p:ph type="ftr" sz="quarter" idx="5"/>
-          </p:nvPr>
-        </p:nvSpPr>
-        <p:spPr/>
-        <p:txBody>
-          <a:bodyPr lIns="0" tIns="0" rIns="0" bIns="0"/>
-          <a:lstStyle>
-            <a:lvl1pPr algn="ctr">
+            <a:lvl1pPr marL="0" indent="0" algn="ctr">
+              <a:buNone/>
               <a:defRPr>
                 <a:solidFill>
                   <a:schemeClr val="tx1">
@@ -230,27 +202,8 @@
                 </a:solidFill>
               </a:defRPr>
             </a:lvl1pPr>
-          </a:lstStyle>
-          <a:p>
-            <a:endParaRPr/>
-          </a:p>
-        </p:txBody>
-      </p:sp>
-      <p:sp>
-        <p:nvSpPr>
-          <p:cNvPr id="5" name="Holder 5"/>
-          <p:cNvSpPr>
-            <a:spLocks noGrp="1"/>
-          </p:cNvSpPr>
-          <p:nvPr>
-            <p:ph type="dt" sz="half" idx="6"/>
-          </p:nvPr>
-        </p:nvSpPr>
-        <p:spPr/>
-        <p:txBody>
-          <a:bodyPr lIns="0" tIns="0" rIns="0" bIns="0"/>
-          <a:lstStyle>
-            <a:lvl1pPr algn="l">
+            <a:lvl2pPr marL="342900" indent="0" algn="ctr">
+              <a:buNone/>
               <a:defRPr>
                 <a:solidFill>
                   <a:schemeClr val="tx1">
@@ -258,56 +211,157 @@
                   </a:schemeClr>
                 </a:solidFill>
               </a:defRPr>
-            </a:lvl1pPr>
+            </a:lvl2pPr>
+            <a:lvl3pPr marL="685800" indent="0" algn="ctr">
+              <a:buNone/>
+              <a:defRPr>
+                <a:solidFill>
+                  <a:schemeClr val="tx1">
+                    <a:tint val="75000"/>
+                  </a:schemeClr>
+                </a:solidFill>
+              </a:defRPr>
+            </a:lvl3pPr>
+            <a:lvl4pPr marL="1028700" indent="0" algn="ctr">
+              <a:buNone/>
+              <a:defRPr>
+                <a:solidFill>
+                  <a:schemeClr val="tx1">
+                    <a:tint val="75000"/>
+                  </a:schemeClr>
+                </a:solidFill>
+              </a:defRPr>
+            </a:lvl4pPr>
+            <a:lvl5pPr marL="1371600" indent="0" algn="ctr">
+              <a:buNone/>
+              <a:defRPr>
+                <a:solidFill>
+                  <a:schemeClr val="tx1">
+                    <a:tint val="75000"/>
+                  </a:schemeClr>
+                </a:solidFill>
+              </a:defRPr>
+            </a:lvl5pPr>
+            <a:lvl6pPr marL="1714500" indent="0" algn="ctr">
+              <a:buNone/>
+              <a:defRPr>
+                <a:solidFill>
+                  <a:schemeClr val="tx1">
+                    <a:tint val="75000"/>
+                  </a:schemeClr>
+                </a:solidFill>
+              </a:defRPr>
+            </a:lvl6pPr>
+            <a:lvl7pPr marL="2057400" indent="0" algn="ctr">
+              <a:buNone/>
+              <a:defRPr>
+                <a:solidFill>
+                  <a:schemeClr val="tx1">
+                    <a:tint val="75000"/>
+                  </a:schemeClr>
+                </a:solidFill>
+              </a:defRPr>
+            </a:lvl7pPr>
+            <a:lvl8pPr marL="2400300" indent="0" algn="ctr">
+              <a:buNone/>
+              <a:defRPr>
+                <a:solidFill>
+                  <a:schemeClr val="tx1">
+                    <a:tint val="75000"/>
+                  </a:schemeClr>
+                </a:solidFill>
+              </a:defRPr>
+            </a:lvl8pPr>
+            <a:lvl9pPr marL="2743200" indent="0" algn="ctr">
+              <a:buNone/>
+              <a:defRPr>
+                <a:solidFill>
+                  <a:schemeClr val="tx1">
+                    <a:tint val="75000"/>
+                  </a:schemeClr>
+                </a:solidFill>
+              </a:defRPr>
+            </a:lvl9pPr>
           </a:lstStyle>
           <a:p>
-            <a:fld id="{1D8BD707-D9CF-40AE-B4C6-C98DA3205C09}" type="datetimeFigureOut">
+            <a:r>
               <a:rPr lang="en-US"/>
-              <a:t>12/3/2022</a:t>
-            </a:fld>
-            <a:endParaRPr lang="en-US"/>
+              <a:t>Click to edit Master subtitle style</a:t>
+            </a:r>
           </a:p>
         </p:txBody>
       </p:sp>
       <p:sp>
         <p:nvSpPr>
-          <p:cNvPr id="6" name="Holder 6"/>
+          <p:cNvPr id="4" name="Date Placeholder 3"/>
           <p:cNvSpPr>
             <a:spLocks noGrp="1"/>
           </p:cNvSpPr>
           <p:nvPr>
-            <p:ph type="sldNum" sz="quarter" idx="7"/>
+            <p:ph type="dt" sz="half" idx="10"/>
           </p:nvPr>
         </p:nvSpPr>
         <p:spPr/>
         <p:txBody>
-          <a:bodyPr lIns="0" tIns="0" rIns="0" bIns="0"/>
-          <a:lstStyle>
-            <a:lvl1pPr>
-              <a:defRPr sz="1200" b="1" i="0">
-                <a:solidFill>
-                  <a:srgbClr val="FEFEFE"/>
-                </a:solidFill>
-                <a:latin typeface="Rubik"/>
-                <a:cs typeface="Rubik"/>
-              </a:defRPr>
-            </a:lvl1pPr>
-          </a:lstStyle>
-          <a:p>
-            <a:pPr marL="25400">
-              <a:lnSpc>
-                <a:spcPct val="100000"/>
-              </a:lnSpc>
-            </a:pPr>
-            <a:fld id="{81D60167-4931-47E6-BA6A-407CBD079E47}" type="slidenum">
-              <a:rPr dirty="0"/>
+          <a:bodyPr/>
+          <a:lstStyle/>
+          <a:p>
+            <a:fld id="{241EB5C9-1307-BA42-ABA2-0BC069CD8E7F}" type="datetimeFigureOut">
+              <a:rPr lang="en-US" smtClean="0"/>
+              <a:t>1/2/22</a:t>
+            </a:fld>
+            <a:endParaRPr lang="en-US"/>
+          </a:p>
+        </p:txBody>
+      </p:sp>
+      <p:sp>
+        <p:nvSpPr>
+          <p:cNvPr id="5" name="Footer Placeholder 4"/>
+          <p:cNvSpPr>
+            <a:spLocks noGrp="1"/>
+          </p:cNvSpPr>
+          <p:nvPr>
+            <p:ph type="ftr" sz="quarter" idx="11"/>
+          </p:nvPr>
+        </p:nvSpPr>
+        <p:spPr/>
+        <p:txBody>
+          <a:bodyPr/>
+          <a:lstStyle/>
+          <a:p>
+            <a:endParaRPr lang="en-US"/>
+          </a:p>
+        </p:txBody>
+      </p:sp>
+      <p:sp>
+        <p:nvSpPr>
+          <p:cNvPr id="6" name="Slide Number Placeholder 5"/>
+          <p:cNvSpPr>
+            <a:spLocks noGrp="1"/>
+          </p:cNvSpPr>
+          <p:nvPr>
+            <p:ph type="sldNum" sz="quarter" idx="12"/>
+          </p:nvPr>
+        </p:nvSpPr>
+        <p:spPr/>
+        <p:txBody>
+          <a:bodyPr/>
+          <a:lstStyle/>
+          <a:p>
+            <a:fld id="{C5EF2332-01BF-834F-8236-50238282D533}" type="slidenum">
+              <a:rPr lang="en-US" smtClean="0"/>
               <a:t>‹#›</a:t>
             </a:fld>
-            <a:endParaRPr dirty="0"/>
+            <a:endParaRPr lang="en-US"/>
           </a:p>
         </p:txBody>
       </p:sp>
     </p:spTree>
+    <p:extLst>
+      <p:ext uri="{BB962C8B-B14F-4D97-AF65-F5344CB8AC3E}">
+        <p14:creationId xmlns:p14="http://schemas.microsoft.com/office/powerpoint/2010/main" val="1444357513"/>
+      </p:ext>
+    </p:extLst>
   </p:cSld>
   <p:clrMapOvr>
     <a:masterClrMapping/>
@@ -680,7 +734,7 @@
       </p:grpSpPr>
       <p:sp>
         <p:nvSpPr>
-          <p:cNvPr id="2" name="Holder 2"/>
+          <p:cNvPr id="2" name="Title 1"/>
           <p:cNvSpPr>
             <a:spLocks noGrp="1"/>
           </p:cNvSpPr>
@@ -690,167 +744,142 @@
         </p:nvSpPr>
         <p:spPr/>
         <p:txBody>
-          <a:bodyPr lIns="0" tIns="0" rIns="0" bIns="0"/>
-          <a:lstStyle>
-            <a:lvl1pPr>
-              <a:defRPr sz="4800" b="1" i="0">
-                <a:solidFill>
-                  <a:srgbClr val="2E2261"/>
-                </a:solidFill>
-                <a:latin typeface="Rubik"/>
-                <a:cs typeface="Rubik"/>
-              </a:defRPr>
-            </a:lvl1pPr>
-          </a:lstStyle>
-          <a:p>
-            <a:endParaRPr/>
+          <a:bodyPr/>
+          <a:lstStyle/>
+          <a:p>
+            <a:r>
+              <a:rPr lang="en-US"/>
+              <a:t>Click to edit Master title style</a:t>
+            </a:r>
           </a:p>
         </p:txBody>
       </p:sp>
       <p:sp>
         <p:nvSpPr>
-          <p:cNvPr id="3" name="Holder 3"/>
+          <p:cNvPr id="3" name="Content Placeholder 2"/>
           <p:cNvSpPr>
             <a:spLocks noGrp="1"/>
           </p:cNvSpPr>
           <p:nvPr>
-            <p:ph type="body" idx="1"/>
+            <p:ph idx="1"/>
           </p:nvPr>
         </p:nvSpPr>
         <p:spPr/>
         <p:txBody>
-          <a:bodyPr lIns="0" tIns="0" rIns="0" bIns="0"/>
-          <a:lstStyle>
-            <a:lvl1pPr>
-              <a:defRPr/>
-            </a:lvl1pPr>
-          </a:lstStyle>
-          <a:p>
-            <a:endParaRPr/>
+          <a:bodyPr/>
+          <a:lstStyle/>
+          <a:p>
+            <a:pPr lvl="0"/>
+            <a:r>
+              <a:rPr lang="en-US"/>
+              <a:t>Click to edit Master text styles</a:t>
+            </a:r>
+          </a:p>
+          <a:p>
+            <a:pPr lvl="1"/>
+            <a:r>
+              <a:rPr lang="en-US"/>
+              <a:t>Second level</a:t>
+            </a:r>
+          </a:p>
+          <a:p>
+            <a:pPr lvl="2"/>
+            <a:r>
+              <a:rPr lang="en-US"/>
+              <a:t>Third level</a:t>
+            </a:r>
+          </a:p>
+          <a:p>
+            <a:pPr lvl="3"/>
+            <a:r>
+              <a:rPr lang="en-US"/>
+              <a:t>Fourth level</a:t>
+            </a:r>
+          </a:p>
+          <a:p>
+            <a:pPr lvl="4"/>
+            <a:r>
+              <a:rPr lang="en-US"/>
+              <a:t>Fifth level</a:t>
+            </a:r>
           </a:p>
         </p:txBody>
       </p:sp>
       <p:sp>
         <p:nvSpPr>
-          <p:cNvPr id="4" name="Holder 4"/>
+          <p:cNvPr id="4" name="Date Placeholder 3"/>
           <p:cNvSpPr>
             <a:spLocks noGrp="1"/>
           </p:cNvSpPr>
           <p:nvPr>
-            <p:ph type="ftr" sz="quarter" idx="5"/>
+            <p:ph type="dt" sz="half" idx="10"/>
           </p:nvPr>
         </p:nvSpPr>
         <p:spPr/>
         <p:txBody>
-          <a:bodyPr lIns="0" tIns="0" rIns="0" bIns="0"/>
-          <a:lstStyle>
-            <a:lvl1pPr algn="ctr">
-              <a:defRPr>
-                <a:solidFill>
-                  <a:schemeClr val="tx1">
-                    <a:tint val="75000"/>
-                  </a:schemeClr>
-                </a:solidFill>
-              </a:defRPr>
-            </a:lvl1pPr>
-          </a:lstStyle>
-          <a:p>
-            <a:endParaRPr/>
+          <a:bodyPr/>
+          <a:lstStyle/>
+          <a:p>
+            <a:fld id="{241EB5C9-1307-BA42-ABA2-0BC069CD8E7F}" type="datetimeFigureOut">
+              <a:rPr lang="en-US" smtClean="0"/>
+              <a:t>1/2/22</a:t>
+            </a:fld>
+            <a:endParaRPr lang="en-US"/>
           </a:p>
         </p:txBody>
       </p:sp>
       <p:sp>
         <p:nvSpPr>
-          <p:cNvPr id="5" name="Holder 5"/>
+          <p:cNvPr id="5" name="Footer Placeholder 4"/>
           <p:cNvSpPr>
             <a:spLocks noGrp="1"/>
           </p:cNvSpPr>
           <p:nvPr>
-            <p:ph type="dt" sz="half" idx="6"/>
+            <p:ph type="ftr" sz="quarter" idx="11"/>
           </p:nvPr>
         </p:nvSpPr>
         <p:spPr/>
         <p:txBody>
-          <a:bodyPr lIns="0" tIns="0" rIns="0" bIns="0"/>
-          <a:lstStyle>
-            <a:lvl1pPr algn="l">
-              <a:defRPr>
-                <a:solidFill>
-                  <a:schemeClr val="tx1">
-                    <a:tint val="75000"/>
-                  </a:schemeClr>
-                </a:solidFill>
-              </a:defRPr>
-            </a:lvl1pPr>
-          </a:lstStyle>
-          <a:p>
-            <a:fld id="{1D8BD707-D9CF-40AE-B4C6-C98DA3205C09}" type="datetimeFigureOut">
-              <a:rPr lang="en-US"/>
-              <a:t>12/3/2022</a:t>
-            </a:fld>
+          <a:bodyPr/>
+          <a:lstStyle/>
+          <a:p>
             <a:endParaRPr lang="en-US"/>
           </a:p>
         </p:txBody>
       </p:sp>
       <p:sp>
         <p:nvSpPr>
-          <p:cNvPr id="6" name="Holder 6"/>
+          <p:cNvPr id="6" name="Slide Number Placeholder 5"/>
           <p:cNvSpPr>
             <a:spLocks noGrp="1"/>
           </p:cNvSpPr>
           <p:nvPr>
-            <p:ph type="sldNum" sz="quarter" idx="7"/>
+            <p:ph type="sldNum" sz="quarter" idx="12"/>
           </p:nvPr>
         </p:nvSpPr>
         <p:spPr/>
         <p:txBody>
-          <a:bodyPr lIns="0" tIns="0" rIns="0" bIns="0"/>
-          <a:lstStyle>
-            <a:lvl1pPr>
-              <a:defRPr sz="1200" b="1" i="0">
-                <a:solidFill>
-                  <a:srgbClr val="FEFEFE"/>
-                </a:solidFill>
-                <a:latin typeface="Rubik"/>
-                <a:cs typeface="Rubik"/>
-              </a:defRPr>
-            </a:lvl1pPr>
-          </a:lstStyle>
-          <a:p>
-            <a:pPr marL="25400">
-              <a:lnSpc>
-                <a:spcPct val="100000"/>
-              </a:lnSpc>
-            </a:pPr>
-            <a:fld id="{81D60167-4931-47E6-BA6A-407CBD079E47}" type="slidenum">
-              <a:rPr dirty="0"/>
+          <a:bodyPr/>
+          <a:lstStyle/>
+          <a:p>
+            <a:fld id="{C5EF2332-01BF-834F-8236-50238282D533}" type="slidenum">
+              <a:rPr lang="en-US" smtClean="0"/>
               <a:t>‹#›</a:t>
             </a:fld>
-            <a:endParaRPr dirty="0"/>
+            <a:endParaRPr lang="en-US"/>
           </a:p>
         </p:txBody>
       </p:sp>
     </p:spTree>
+    <p:extLst>
+      <p:ext uri="{BB962C8B-B14F-4D97-AF65-F5344CB8AC3E}">
+        <p14:creationId xmlns:p14="http://schemas.microsoft.com/office/powerpoint/2010/main" val="338346009"/>
+      </p:ext>
+    </p:extLst>
   </p:cSld>
   <p:clrMapOvr>
     <a:masterClrMapping/>
   </p:clrMapOvr>
-  <p:extLst>
-    <p:ext uri="{DCECCB84-F9BA-43D5-87BE-67443E8EF086}">
-      <p15:sldGuideLst xmlns:p15="http://schemas.microsoft.com/office/powerpoint/2012/main">
-        <p15:guide id="1" orient="horz" pos="2160" userDrawn="1">
-          <p15:clr>
-            <a:srgbClr val="FBAE40"/>
-          </p15:clr>
-        </p15:guide>
-        <p15:guide id="2" pos="3840" userDrawn="1">
-          <p15:clr>
-            <a:srgbClr val="FBAE40"/>
-          </p15:clr>
-        </p15:guide>
-      </p15:sldGuideLst>
-    </p:ext>
-  </p:extLst>
 </p:sldLayout>
 </file>
 
@@ -1100,8 +1129,8 @@
 </file>
 
 <file path=ppt/slideLayouts/slideLayout4.xml><?xml version="1.0" encoding="utf-8"?>
-<p:sldLayout xmlns:a="http://schemas.openxmlformats.org/drawingml/2006/main" xmlns:r="http://schemas.openxmlformats.org/officeDocument/2006/relationships" xmlns:p="http://schemas.openxmlformats.org/presentationml/2006/main" type="obj" preserve="1">
-  <p:cSld name="Title Only">
+<p:sldLayout xmlns:a="http://schemas.openxmlformats.org/drawingml/2006/main" xmlns:r="http://schemas.openxmlformats.org/officeDocument/2006/relationships" xmlns:p="http://schemas.openxmlformats.org/presentationml/2006/main" type="twoObj" preserve="1">
+  <p:cSld name="Two Content">
     <p:spTree>
       <p:nvGrpSpPr>
         <p:cNvPr id="1" name=""/>
@@ -1118,7 +1147,7 @@
       </p:grpSpPr>
       <p:sp>
         <p:nvSpPr>
-          <p:cNvPr id="2" name="Holder 2"/>
+          <p:cNvPr id="2" name="Title 1"/>
           <p:cNvSpPr>
             <a:spLocks noGrp="1"/>
           </p:cNvSpPr>
@@ -1128,124 +1157,255 @@
         </p:nvSpPr>
         <p:spPr/>
         <p:txBody>
-          <a:bodyPr lIns="0" tIns="0" rIns="0" bIns="0"/>
-          <a:lstStyle>
-            <a:lvl1pPr>
-              <a:defRPr sz="4800" b="1" i="0">
-                <a:solidFill>
-                  <a:srgbClr val="2E2261"/>
-                </a:solidFill>
-                <a:latin typeface="Rubik"/>
-                <a:cs typeface="Rubik"/>
-              </a:defRPr>
-            </a:lvl1pPr>
-          </a:lstStyle>
-          <a:p>
-            <a:endParaRPr/>
+          <a:bodyPr/>
+          <a:lstStyle/>
+          <a:p>
+            <a:r>
+              <a:rPr lang="en-US"/>
+              <a:t>Click to edit Master title style</a:t>
+            </a:r>
           </a:p>
         </p:txBody>
       </p:sp>
       <p:sp>
         <p:nvSpPr>
-          <p:cNvPr id="3" name="Holder 3"/>
+          <p:cNvPr id="3" name="Content Placeholder 2"/>
           <p:cNvSpPr>
             <a:spLocks noGrp="1"/>
           </p:cNvSpPr>
           <p:nvPr>
-            <p:ph type="ftr" sz="quarter" idx="5"/>
+            <p:ph sz="half" idx="1"/>
+          </p:nvPr>
+        </p:nvSpPr>
+        <p:spPr>
+          <a:xfrm>
+            <a:off x="457200" y="1200151"/>
+            <a:ext cx="4038600" cy="3394472"/>
+          </a:xfrm>
+        </p:spPr>
+        <p:txBody>
+          <a:bodyPr/>
+          <a:lstStyle>
+            <a:lvl1pPr>
+              <a:defRPr sz="2100"/>
+            </a:lvl1pPr>
+            <a:lvl2pPr>
+              <a:defRPr sz="1800"/>
+            </a:lvl2pPr>
+            <a:lvl3pPr>
+              <a:defRPr sz="1500"/>
+            </a:lvl3pPr>
+            <a:lvl4pPr>
+              <a:defRPr sz="1350"/>
+            </a:lvl4pPr>
+            <a:lvl5pPr>
+              <a:defRPr sz="1350"/>
+            </a:lvl5pPr>
+            <a:lvl6pPr>
+              <a:defRPr sz="1350"/>
+            </a:lvl6pPr>
+            <a:lvl7pPr>
+              <a:defRPr sz="1350"/>
+            </a:lvl7pPr>
+            <a:lvl8pPr>
+              <a:defRPr sz="1350"/>
+            </a:lvl8pPr>
+            <a:lvl9pPr>
+              <a:defRPr sz="1350"/>
+            </a:lvl9pPr>
+          </a:lstStyle>
+          <a:p>
+            <a:pPr lvl="0"/>
+            <a:r>
+              <a:rPr lang="en-US"/>
+              <a:t>Click to edit Master text styles</a:t>
+            </a:r>
+          </a:p>
+          <a:p>
+            <a:pPr lvl="1"/>
+            <a:r>
+              <a:rPr lang="en-US"/>
+              <a:t>Second level</a:t>
+            </a:r>
+          </a:p>
+          <a:p>
+            <a:pPr lvl="2"/>
+            <a:r>
+              <a:rPr lang="en-US"/>
+              <a:t>Third level</a:t>
+            </a:r>
+          </a:p>
+          <a:p>
+            <a:pPr lvl="3"/>
+            <a:r>
+              <a:rPr lang="en-US"/>
+              <a:t>Fourth level</a:t>
+            </a:r>
+          </a:p>
+          <a:p>
+            <a:pPr lvl="4"/>
+            <a:r>
+              <a:rPr lang="en-US"/>
+              <a:t>Fifth level</a:t>
+            </a:r>
+          </a:p>
+        </p:txBody>
+      </p:sp>
+      <p:sp>
+        <p:nvSpPr>
+          <p:cNvPr id="4" name="Content Placeholder 3"/>
+          <p:cNvSpPr>
+            <a:spLocks noGrp="1"/>
+          </p:cNvSpPr>
+          <p:nvPr>
+            <p:ph sz="half" idx="2"/>
+          </p:nvPr>
+        </p:nvSpPr>
+        <p:spPr>
+          <a:xfrm>
+            <a:off x="4648200" y="1200151"/>
+            <a:ext cx="4038600" cy="3394472"/>
+          </a:xfrm>
+        </p:spPr>
+        <p:txBody>
+          <a:bodyPr/>
+          <a:lstStyle>
+            <a:lvl1pPr>
+              <a:defRPr sz="2100"/>
+            </a:lvl1pPr>
+            <a:lvl2pPr>
+              <a:defRPr sz="1800"/>
+            </a:lvl2pPr>
+            <a:lvl3pPr>
+              <a:defRPr sz="1500"/>
+            </a:lvl3pPr>
+            <a:lvl4pPr>
+              <a:defRPr sz="1350"/>
+            </a:lvl4pPr>
+            <a:lvl5pPr>
+              <a:defRPr sz="1350"/>
+            </a:lvl5pPr>
+            <a:lvl6pPr>
+              <a:defRPr sz="1350"/>
+            </a:lvl6pPr>
+            <a:lvl7pPr>
+              <a:defRPr sz="1350"/>
+            </a:lvl7pPr>
+            <a:lvl8pPr>
+              <a:defRPr sz="1350"/>
+            </a:lvl8pPr>
+            <a:lvl9pPr>
+              <a:defRPr sz="1350"/>
+            </a:lvl9pPr>
+          </a:lstStyle>
+          <a:p>
+            <a:pPr lvl="0"/>
+            <a:r>
+              <a:rPr lang="en-US"/>
+              <a:t>Click to edit Master text styles</a:t>
+            </a:r>
+          </a:p>
+          <a:p>
+            <a:pPr lvl="1"/>
+            <a:r>
+              <a:rPr lang="en-US"/>
+              <a:t>Second level</a:t>
+            </a:r>
+          </a:p>
+          <a:p>
+            <a:pPr lvl="2"/>
+            <a:r>
+              <a:rPr lang="en-US"/>
+              <a:t>Third level</a:t>
+            </a:r>
+          </a:p>
+          <a:p>
+            <a:pPr lvl="3"/>
+            <a:r>
+              <a:rPr lang="en-US"/>
+              <a:t>Fourth level</a:t>
+            </a:r>
+          </a:p>
+          <a:p>
+            <a:pPr lvl="4"/>
+            <a:r>
+              <a:rPr lang="en-US"/>
+              <a:t>Fifth level</a:t>
+            </a:r>
+          </a:p>
+        </p:txBody>
+      </p:sp>
+      <p:sp>
+        <p:nvSpPr>
+          <p:cNvPr id="5" name="Date Placeholder 4"/>
+          <p:cNvSpPr>
+            <a:spLocks noGrp="1"/>
+          </p:cNvSpPr>
+          <p:nvPr>
+            <p:ph type="dt" sz="half" idx="10"/>
           </p:nvPr>
         </p:nvSpPr>
         <p:spPr/>
         <p:txBody>
-          <a:bodyPr lIns="0" tIns="0" rIns="0" bIns="0"/>
-          <a:lstStyle>
-            <a:lvl1pPr algn="ctr">
-              <a:defRPr>
-                <a:solidFill>
-                  <a:schemeClr val="tx1">
-                    <a:tint val="75000"/>
-                  </a:schemeClr>
-                </a:solidFill>
-              </a:defRPr>
-            </a:lvl1pPr>
-          </a:lstStyle>
-          <a:p>
-            <a:endParaRPr/>
+          <a:bodyPr/>
+          <a:lstStyle/>
+          <a:p>
+            <a:fld id="{241EB5C9-1307-BA42-ABA2-0BC069CD8E7F}" type="datetimeFigureOut">
+              <a:rPr lang="en-US" smtClean="0"/>
+              <a:t>1/2/22</a:t>
+            </a:fld>
+            <a:endParaRPr lang="en-US"/>
           </a:p>
         </p:txBody>
       </p:sp>
       <p:sp>
         <p:nvSpPr>
-          <p:cNvPr id="4" name="Holder 4"/>
+          <p:cNvPr id="6" name="Footer Placeholder 5"/>
           <p:cNvSpPr>
             <a:spLocks noGrp="1"/>
           </p:cNvSpPr>
           <p:nvPr>
-            <p:ph type="dt" sz="half" idx="6"/>
+            <p:ph type="ftr" sz="quarter" idx="11"/>
           </p:nvPr>
         </p:nvSpPr>
         <p:spPr/>
         <p:txBody>
-          <a:bodyPr lIns="0" tIns="0" rIns="0" bIns="0"/>
-          <a:lstStyle>
-            <a:lvl1pPr algn="l">
-              <a:defRPr>
-                <a:solidFill>
-                  <a:schemeClr val="tx1">
-                    <a:tint val="75000"/>
-                  </a:schemeClr>
-                </a:solidFill>
-              </a:defRPr>
-            </a:lvl1pPr>
-          </a:lstStyle>
-          <a:p>
-            <a:fld id="{1D8BD707-D9CF-40AE-B4C6-C98DA3205C09}" type="datetimeFigureOut">
-              <a:rPr lang="en-US"/>
-              <a:t>12/3/2022</a:t>
-            </a:fld>
+          <a:bodyPr/>
+          <a:lstStyle/>
+          <a:p>
             <a:endParaRPr lang="en-US"/>
           </a:p>
         </p:txBody>
       </p:sp>
       <p:sp>
         <p:nvSpPr>
-          <p:cNvPr id="5" name="Holder 5"/>
+          <p:cNvPr id="7" name="Slide Number Placeholder 6"/>
           <p:cNvSpPr>
             <a:spLocks noGrp="1"/>
           </p:cNvSpPr>
           <p:nvPr>
-            <p:ph type="sldNum" sz="quarter" idx="7"/>
+            <p:ph type="sldNum" sz="quarter" idx="12"/>
           </p:nvPr>
         </p:nvSpPr>
         <p:spPr/>
         <p:txBody>
-          <a:bodyPr lIns="0" tIns="0" rIns="0" bIns="0"/>
-          <a:lstStyle>
-            <a:lvl1pPr>
-              <a:defRPr sz="1200" b="1" i="0">
-                <a:solidFill>
-                  <a:srgbClr val="FEFEFE"/>
-                </a:solidFill>
-                <a:latin typeface="Rubik"/>
-                <a:cs typeface="Rubik"/>
-              </a:defRPr>
-            </a:lvl1pPr>
-          </a:lstStyle>
-          <a:p>
-            <a:pPr marL="25400">
-              <a:lnSpc>
-                <a:spcPct val="100000"/>
-              </a:lnSpc>
-            </a:pPr>
-            <a:fld id="{81D60167-4931-47E6-BA6A-407CBD079E47}" type="slidenum">
-              <a:rPr dirty="0"/>
+          <a:bodyPr/>
+          <a:lstStyle/>
+          <a:p>
+            <a:fld id="{C5EF2332-01BF-834F-8236-50238282D533}" type="slidenum">
+              <a:rPr lang="en-US" smtClean="0"/>
               <a:t>‹#›</a:t>
             </a:fld>
-            <a:endParaRPr dirty="0"/>
+            <a:endParaRPr lang="en-US"/>
           </a:p>
         </p:txBody>
       </p:sp>
     </p:spTree>
+    <p:extLst>
+      <p:ext uri="{BB962C8B-B14F-4D97-AF65-F5344CB8AC3E}">
+        <p14:creationId xmlns:p14="http://schemas.microsoft.com/office/powerpoint/2010/main" val="2619886245"/>
+      </p:ext>
+    </p:extLst>
   </p:cSld>
   <p:clrMapOvr>
     <a:masterClrMapping/>
@@ -2415,12 +2575,9 @@
 <p:sldMaster xmlns:a="http://schemas.openxmlformats.org/drawingml/2006/main" xmlns:p="http://schemas.openxmlformats.org/presentationml/2006/main" xmlns:r="http://schemas.openxmlformats.org/officeDocument/2006/relationships">
   <p:cSld>
     <p:bg>
-      <p:bgPr>
-        <a:solidFill>
-          <a:schemeClr val="bg1"/>
-        </a:solidFill>
-        <a:effectLst/>
-      </p:bgPr>
+      <p:bgRef idx="1001">
+        <a:schemeClr val="bg1"/>
+      </p:bgRef>
     </p:bg>
     <p:spTree>
       <p:nvGrpSpPr>
@@ -2438,57 +2595,7 @@
       </p:grpSpPr>
       <p:sp>
         <p:nvSpPr>
-          <p:cNvPr id="16" name="bk object 16"/>
-          <p:cNvSpPr/>
-          <p:nvPr/>
-        </p:nvSpPr>
-        <p:spPr>
-          <a:xfrm>
-            <a:off x="0" y="0"/>
-            <a:ext cx="12192000" cy="6858000"/>
-          </a:xfrm>
-          <a:custGeom>
-            <a:avLst/>
-            <a:gdLst/>
-            <a:ahLst/>
-            <a:cxnLst/>
-            <a:rect b="b" l="l" r="r" t="t"/>
-            <a:pathLst>
-              <a:path h="6858000" w="12192000">
-                <a:moveTo>
-                  <a:pt x="12191695" y="0"/>
-                </a:moveTo>
-                <a:lnTo>
-                  <a:pt x="0" y="0"/>
-                </a:lnTo>
-                <a:lnTo>
-                  <a:pt x="0" y="6858000"/>
-                </a:lnTo>
-                <a:lnTo>
-                  <a:pt x="12191695" y="6858000"/>
-                </a:lnTo>
-                <a:lnTo>
-                  <a:pt x="12191695" y="0"/>
-                </a:lnTo>
-                <a:close/>
-              </a:path>
-            </a:pathLst>
-          </a:custGeom>
-          <a:solidFill>
-            <a:srgbClr val="FEFEFE"/>
-          </a:solidFill>
-        </p:spPr>
-        <p:txBody>
-          <a:bodyPr bIns="0" lIns="0" rIns="0" rtlCol="0" tIns="0" wrap="square"/>
-          <a:lstStyle/>
-          <a:p>
-            <a:endParaRPr/>
-          </a:p>
-        </p:txBody>
-      </p:sp>
-      <p:sp>
-        <p:nvSpPr>
-          <p:cNvPr id="2" name="Holder 2"/>
+          <p:cNvPr id="2" name="Title Placeholder 1"/>
           <p:cNvSpPr>
             <a:spLocks noGrp="1"/>
           </p:cNvSpPr>
@@ -2498,36 +2605,29 @@
         </p:nvSpPr>
         <p:spPr>
           <a:xfrm>
-            <a:off x="432306" y="537338"/>
-            <a:ext cx="11327386" cy="635000"/>
+            <a:off x="457200" y="205979"/>
+            <a:ext cx="8229600" cy="857250"/>
           </a:xfrm>
           <a:prstGeom prst="rect">
             <a:avLst/>
           </a:prstGeom>
         </p:spPr>
         <p:txBody>
-          <a:bodyPr bIns="0" lIns="0" rIns="0" tIns="0" wrap="square">
-            <a:spAutoFit/>
+          <a:bodyPr anchor="ctr" bIns="45720" lIns="91440" rIns="91440" rtlCol="0" tIns="45720" vert="horz">
+            <a:normAutofit/>
           </a:bodyPr>
-          <a:lstStyle>
-            <a:lvl1pPr>
-              <a:defRPr b="1" i="0" sz="4800">
-                <a:solidFill>
-                  <a:srgbClr val="2E2261"/>
-                </a:solidFill>
-                <a:latin typeface="Rubik"/>
-                <a:cs typeface="Rubik"/>
-              </a:defRPr>
-            </a:lvl1pPr>
-          </a:lstStyle>
-          <a:p>
-            <a:endParaRPr/>
+          <a:lstStyle/>
+          <a:p>
+            <a:r>
+              <a:rPr lang="en-US"/>
+              <a:t>Click to edit Master title style</a:t>
+            </a:r>
           </a:p>
         </p:txBody>
       </p:sp>
       <p:sp>
         <p:nvSpPr>
-          <p:cNvPr id="3" name="Holder 3"/>
+          <p:cNvPr id="3" name="Text Placeholder 2"/>
           <p:cNvSpPr>
             <a:spLocks noGrp="1"/>
           </p:cNvSpPr>
@@ -2537,53 +2637,79 @@
         </p:nvSpPr>
         <p:spPr>
           <a:xfrm>
-            <a:off x="609600" y="1577340"/>
-            <a:ext cx="10972799" cy="4526280"/>
+            <a:off x="457200" y="1200151"/>
+            <a:ext cx="8229600" cy="3394472"/>
           </a:xfrm>
           <a:prstGeom prst="rect">
             <a:avLst/>
           </a:prstGeom>
         </p:spPr>
         <p:txBody>
-          <a:bodyPr bIns="0" lIns="0" rIns="0" tIns="0" wrap="square">
-            <a:spAutoFit/>
+          <a:bodyPr bIns="45720" lIns="91440" rIns="91440" rtlCol="0" tIns="45720" vert="horz">
+            <a:normAutofit/>
           </a:bodyPr>
-          <a:lstStyle>
-            <a:lvl1pPr>
-              <a:defRPr/>
-            </a:lvl1pPr>
-          </a:lstStyle>
-          <a:p>
-            <a:endParaRPr/>
+          <a:lstStyle/>
+          <a:p>
+            <a:pPr lvl="0"/>
+            <a:r>
+              <a:rPr lang="en-US"/>
+              <a:t>Click to edit Master text styles</a:t>
+            </a:r>
+          </a:p>
+          <a:p>
+            <a:pPr lvl="1"/>
+            <a:r>
+              <a:rPr lang="en-US"/>
+              <a:t>Second level</a:t>
+            </a:r>
+          </a:p>
+          <a:p>
+            <a:pPr lvl="2"/>
+            <a:r>
+              <a:rPr lang="en-US"/>
+              <a:t>Third level</a:t>
+            </a:r>
+          </a:p>
+          <a:p>
+            <a:pPr lvl="3"/>
+            <a:r>
+              <a:rPr lang="en-US"/>
+              <a:t>Fourth level</a:t>
+            </a:r>
+          </a:p>
+          <a:p>
+            <a:pPr lvl="4"/>
+            <a:r>
+              <a:rPr lang="en-US"/>
+              <a:t>Fifth level</a:t>
+            </a:r>
           </a:p>
         </p:txBody>
       </p:sp>
       <p:sp>
         <p:nvSpPr>
-          <p:cNvPr id="4" name="Holder 4"/>
+          <p:cNvPr id="4" name="Date Placeholder 3"/>
           <p:cNvSpPr>
             <a:spLocks noGrp="1"/>
           </p:cNvSpPr>
           <p:nvPr>
-            <p:ph idx="5" sz="quarter" type="ftr"/>
+            <p:ph idx="2" sz="half" type="dt"/>
           </p:nvPr>
         </p:nvSpPr>
         <p:spPr>
           <a:xfrm>
-            <a:off x="4145280" y="6377940"/>
-            <a:ext cx="3901439" cy="342900"/>
+            <a:off x="457200" y="4767263"/>
+            <a:ext cx="2133600" cy="273844"/>
           </a:xfrm>
           <a:prstGeom prst="rect">
             <a:avLst/>
           </a:prstGeom>
         </p:spPr>
         <p:txBody>
-          <a:bodyPr bIns="0" lIns="0" rIns="0" tIns="0" wrap="square">
-            <a:spAutoFit/>
-          </a:bodyPr>
+          <a:bodyPr anchor="ctr" bIns="45720" lIns="91440" rIns="91440" rtlCol="0" tIns="45720" vert="horz"/>
           <a:lstStyle>
-            <a:lvl1pPr algn="ctr">
-              <a:defRPr>
+            <a:lvl1pPr algn="l">
+              <a:defRPr sz="900">
                 <a:solidFill>
                   <a:schemeClr val="tx1">
                     <a:tint val="75000"/>
@@ -2593,36 +2719,38 @@
             </a:lvl1pPr>
           </a:lstStyle>
           <a:p>
-            <a:endParaRPr/>
+            <a:fld id="{241EB5C9-1307-BA42-ABA2-0BC069CD8E7F}" type="datetimeFigureOut">
+              <a:rPr lang="en-US" smtClean="0"/>
+              <a:t>1/2/22</a:t>
+            </a:fld>
+            <a:endParaRPr lang="en-US"/>
           </a:p>
         </p:txBody>
       </p:sp>
       <p:sp>
         <p:nvSpPr>
-          <p:cNvPr id="5" name="Holder 5"/>
+          <p:cNvPr id="5" name="Footer Placeholder 4"/>
           <p:cNvSpPr>
             <a:spLocks noGrp="1"/>
           </p:cNvSpPr>
           <p:nvPr>
-            <p:ph idx="6" sz="half" type="dt"/>
+            <p:ph idx="3" sz="quarter" type="ftr"/>
           </p:nvPr>
         </p:nvSpPr>
         <p:spPr>
           <a:xfrm>
-            <a:off x="609600" y="6377940"/>
-            <a:ext cx="2804160" cy="342900"/>
+            <a:off x="3124200" y="4767263"/>
+            <a:ext cx="2895600" cy="273844"/>
           </a:xfrm>
           <a:prstGeom prst="rect">
             <a:avLst/>
           </a:prstGeom>
         </p:spPr>
         <p:txBody>
-          <a:bodyPr bIns="0" lIns="0" rIns="0" tIns="0" wrap="square">
-            <a:spAutoFit/>
-          </a:bodyPr>
+          <a:bodyPr anchor="ctr" bIns="45720" lIns="91440" rIns="91440" rtlCol="0" tIns="45720" vert="horz"/>
           <a:lstStyle>
-            <a:lvl1pPr algn="l">
-              <a:defRPr>
+            <a:lvl1pPr algn="ctr">
+              <a:defRPr sz="900">
                 <a:solidFill>
                   <a:schemeClr val="tx1">
                     <a:tint val="75000"/>
@@ -2632,113 +2760,83 @@
             </a:lvl1pPr>
           </a:lstStyle>
           <a:p>
-            <a:fld id="{1D8BD707-D9CF-40AE-B4C6-C98DA3205C09}" type="datetimeFigureOut">
-              <a:rPr lang="en-US"/>
-              <a:t>12/3/2022</a:t>
-            </a:fld>
             <a:endParaRPr lang="en-US"/>
           </a:p>
         </p:txBody>
       </p:sp>
       <p:sp>
         <p:nvSpPr>
-          <p:cNvPr id="6" name="Holder 6"/>
+          <p:cNvPr id="6" name="Slide Number Placeholder 5"/>
           <p:cNvSpPr>
             <a:spLocks noGrp="1"/>
           </p:cNvSpPr>
           <p:nvPr>
-            <p:ph idx="7" sz="quarter" type="sldNum"/>
+            <p:ph idx="4" sz="quarter" type="sldNum"/>
           </p:nvPr>
         </p:nvSpPr>
         <p:spPr>
           <a:xfrm>
-            <a:off x="280013" y="6403285"/>
-            <a:ext cx="233045" cy="177800"/>
+            <a:off x="6553200" y="4767263"/>
+            <a:ext cx="2133600" cy="273844"/>
           </a:xfrm>
           <a:prstGeom prst="rect">
             <a:avLst/>
           </a:prstGeom>
         </p:spPr>
         <p:txBody>
-          <a:bodyPr bIns="0" lIns="0" rIns="0" tIns="0" wrap="square">
-            <a:spAutoFit/>
-          </a:bodyPr>
+          <a:bodyPr anchor="ctr" bIns="45720" lIns="91440" rIns="91440" rtlCol="0" tIns="45720" vert="horz"/>
           <a:lstStyle>
-            <a:lvl1pPr>
-              <a:defRPr b="1" i="0" sz="1200">
+            <a:lvl1pPr algn="r">
+              <a:defRPr sz="900">
                 <a:solidFill>
-                  <a:srgbClr val="FEFEFE"/>
+                  <a:schemeClr val="tx1">
+                    <a:tint val="75000"/>
+                  </a:schemeClr>
                 </a:solidFill>
-                <a:latin typeface="Rubik"/>
-                <a:cs typeface="Rubik"/>
               </a:defRPr>
             </a:lvl1pPr>
           </a:lstStyle>
           <a:p>
-            <a:pPr marL="25400">
-              <a:lnSpc>
-                <a:spcPct val="100000"/>
-              </a:lnSpc>
-            </a:pPr>
-            <a:fld id="{81D60167-4931-47E6-BA6A-407CBD079E47}" type="slidenum">
-              <a:rPr dirty="0"/>
+            <a:fld id="{C5EF2332-01BF-834F-8236-50238282D533}" type="slidenum">
+              <a:rPr lang="en-US" smtClean="0"/>
               <a:t>‹#›</a:t>
             </a:fld>
-            <a:endParaRPr dirty="0"/>
+            <a:endParaRPr lang="en-US"/>
           </a:p>
         </p:txBody>
       </p:sp>
-      <p:pic>
-        <p:nvPicPr>
-          <p:cNvPr id="8" name="Obrázok 7">
-            <a:extLst>
-              <a:ext uri="{FF2B5EF4-FFF2-40B4-BE49-F238E27FC236}">
-                <a16:creationId xmlns:a16="http://schemas.microsoft.com/office/drawing/2014/main" id="{8AE2875A-D836-F65D-6E65-E8853C034332}"/>
-              </a:ext>
-            </a:extLst>
-          </p:cNvPr>
-          <p:cNvPicPr>
-            <a:picLocks noChangeAspect="1"/>
-          </p:cNvPicPr>
-          <p:nvPr userDrawn="1"/>
-        </p:nvPicPr>
-        <p:blipFill>
-          <a:blip cstate="print" r:embed="rId7">
-            <a:extLst>
-              <a:ext uri="{28A0092B-C50C-407E-A947-70E740481C1C}">
-                <a14:useLocalDpi xmlns:a14="http://schemas.microsoft.com/office/drawing/2010/main" val="0"/>
-              </a:ext>
-            </a:extLst>
-          </a:blip>
-          <a:stretch>
-            <a:fillRect/>
-          </a:stretch>
-        </p:blipFill>
-        <p:spPr>
-          <a:xfrm>
-            <a:off x="11312532" y="155034"/>
-            <a:ext cx="730415" cy="754380"/>
-          </a:xfrm>
-          <a:prstGeom prst="rect">
-            <a:avLst/>
-          </a:prstGeom>
-        </p:spPr>
-      </p:pic>
     </p:spTree>
+    <p:extLst>
+      <p:ext uri="{BB962C8B-B14F-4D97-AF65-F5344CB8AC3E}">
+        <p14:creationId xmlns:p14="http://schemas.microsoft.com/office/powerpoint/2010/main" val="3676200875"/>
+      </p:ext>
+    </p:extLst>
   </p:cSld>
   <p:clrMap accent1="accent1" accent2="accent2" accent3="accent3" accent4="accent4" accent5="accent5" accent6="accent6" bg1="lt1" bg2="lt2" folHlink="folHlink" hlink="hlink" tx1="dk1" tx2="dk2"/>
   <p:sldLayoutIdLst>
-    <p:sldLayoutId id="2147483661" r:id="rId1"/>
-    <p:sldLayoutId id="2147483662" r:id="rId2"/>
-    <p:sldLayoutId id="2147483663" r:id="rId3"/>
-    <p:sldLayoutId id="2147483664" r:id="rId4"/>
-    <p:sldLayoutId id="2147483665" r:id="rId5"/>
-    <p:sldLayoutId id="2147483666" r:id="rId8"/>
+    <p:sldLayoutId id="2147483649" r:id="rId1"/>
+    <p:sldLayoutId id="2147483650" r:id="rId2"/>
+    <p:sldLayoutId id="2147483651" r:id="rId3"/>
+    <p:sldLayoutId id="2147483652" r:id="rId4"/>
+    <p:sldLayoutId id="2147483653" r:id="rId5"/>
+    <p:sldLayoutId id="2147483654" r:id="rId6"/>
+    <p:sldLayoutId id="2147483655" r:id="rId7"/>
+    <p:sldLayoutId id="2147483656" r:id="rId8"/>
+    <p:sldLayoutId id="2147483657" r:id="rId9"/>
+    <p:sldLayoutId id="2147483658" r:id="rId10"/>
+    <p:sldLayoutId id="2147483659" r:id="rId11"/>
   </p:sldLayoutIdLst>
   <p:txStyles>
     <p:titleStyle>
-      <a:lvl1pPr>
-        <a:defRPr>
+      <a:lvl1pPr algn="ctr" defTabSz="342900" eaLnBrk="1" hangingPunct="1" latinLnBrk="0" rtl="0">
+        <a:spcBef>
+          <a:spcPct val="0"/>
+        </a:spcBef>
+        <a:buNone/>
+        <a:defRPr kern="1200" sz="3300">
+          <a:solidFill>
+            <a:schemeClr val="tx1"/>
+          </a:solidFill>
           <a:latin typeface="+mj-lt"/>
           <a:ea typeface="+mj-ea"/>
           <a:cs typeface="+mj-cs"/>
@@ -2746,64 +2844,136 @@
       </a:lvl1pPr>
     </p:titleStyle>
     <p:bodyStyle>
-      <a:lvl1pPr marL="0">
-        <a:defRPr>
+      <a:lvl1pPr algn="l" defTabSz="342900" eaLnBrk="1" hangingPunct="1" indent="-342900" latinLnBrk="0" marL="342900" rtl="0">
+        <a:spcBef>
+          <a:spcPct val="20000"/>
+        </a:spcBef>
+        <a:buFont typeface="Arial"/>
+        <a:buChar char="•"/>
+        <a:defRPr kern="1200" sz="2400">
+          <a:solidFill>
+            <a:schemeClr val="tx1"/>
+          </a:solidFill>
           <a:latin typeface="+mn-lt"/>
           <a:ea typeface="+mn-ea"/>
           <a:cs typeface="+mn-cs"/>
         </a:defRPr>
       </a:lvl1pPr>
-      <a:lvl2pPr marL="457200">
-        <a:defRPr>
+      <a:lvl2pPr algn="l" defTabSz="342900" eaLnBrk="1" hangingPunct="1" indent="-342900" latinLnBrk="0" marL="685800" rtl="0">
+        <a:spcBef>
+          <a:spcPct val="20000"/>
+        </a:spcBef>
+        <a:buFont typeface="Arial"/>
+        <a:buChar char="–"/>
+        <a:defRPr kern="1200" sz="2100">
+          <a:solidFill>
+            <a:schemeClr val="tx1"/>
+          </a:solidFill>
           <a:latin typeface="+mn-lt"/>
           <a:ea typeface="+mn-ea"/>
           <a:cs typeface="+mn-cs"/>
         </a:defRPr>
       </a:lvl2pPr>
-      <a:lvl3pPr marL="914400">
-        <a:defRPr>
+      <a:lvl3pPr algn="l" defTabSz="342900" eaLnBrk="1" hangingPunct="1" indent="-342900" latinLnBrk="0" marL="1028700" rtl="0">
+        <a:spcBef>
+          <a:spcPct val="20000"/>
+        </a:spcBef>
+        <a:buFont typeface="Arial"/>
+        <a:buChar char="•"/>
+        <a:defRPr kern="1200" sz="1800">
+          <a:solidFill>
+            <a:schemeClr val="tx1"/>
+          </a:solidFill>
           <a:latin typeface="+mn-lt"/>
           <a:ea typeface="+mn-ea"/>
           <a:cs typeface="+mn-cs"/>
         </a:defRPr>
       </a:lvl3pPr>
-      <a:lvl4pPr marL="1371600">
-        <a:defRPr>
+      <a:lvl4pPr algn="l" defTabSz="342900" eaLnBrk="1" hangingPunct="1" indent="-342900" latinLnBrk="0" marL="1371600" rtl="0">
+        <a:spcBef>
+          <a:spcPct val="20000"/>
+        </a:spcBef>
+        <a:buFont typeface="Arial"/>
+        <a:buChar char="–"/>
+        <a:defRPr kern="1200" sz="1500">
+          <a:solidFill>
+            <a:schemeClr val="tx1"/>
+          </a:solidFill>
           <a:latin typeface="+mn-lt"/>
           <a:ea typeface="+mn-ea"/>
           <a:cs typeface="+mn-cs"/>
         </a:defRPr>
       </a:lvl4pPr>
-      <a:lvl5pPr marL="1828800">
-        <a:defRPr>
+      <a:lvl5pPr algn="l" defTabSz="342900" eaLnBrk="1" hangingPunct="1" indent="-342900" latinLnBrk="0" marL="1714500" rtl="0">
+        <a:spcBef>
+          <a:spcPct val="20000"/>
+        </a:spcBef>
+        <a:buFont typeface="Arial"/>
+        <a:buChar char="»"/>
+        <a:defRPr kern="1200" sz="1500">
+          <a:solidFill>
+            <a:schemeClr val="tx1"/>
+          </a:solidFill>
           <a:latin typeface="+mn-lt"/>
           <a:ea typeface="+mn-ea"/>
           <a:cs typeface="+mn-cs"/>
         </a:defRPr>
       </a:lvl5pPr>
-      <a:lvl6pPr marL="2286000">
-        <a:defRPr>
+      <a:lvl6pPr algn="l" defTabSz="342900" eaLnBrk="1" hangingPunct="1" indent="-342900" latinLnBrk="0" marL="2057400" rtl="0">
+        <a:spcBef>
+          <a:spcPct val="20000"/>
+        </a:spcBef>
+        <a:buFont typeface="Arial"/>
+        <a:buChar char="•"/>
+        <a:defRPr kern="1200" sz="1500">
+          <a:solidFill>
+            <a:schemeClr val="tx1"/>
+          </a:solidFill>
           <a:latin typeface="+mn-lt"/>
           <a:ea typeface="+mn-ea"/>
           <a:cs typeface="+mn-cs"/>
         </a:defRPr>
       </a:lvl6pPr>
-      <a:lvl7pPr marL="2743200">
-        <a:defRPr>
+      <a:lvl7pPr algn="l" defTabSz="342900" eaLnBrk="1" hangingPunct="1" indent="-342900" latinLnBrk="0" marL="2400300" rtl="0">
+        <a:spcBef>
+          <a:spcPct val="20000"/>
+        </a:spcBef>
+        <a:buFont typeface="Arial"/>
+        <a:buChar char="•"/>
+        <a:defRPr kern="1200" sz="1500">
+          <a:solidFill>
+            <a:schemeClr val="tx1"/>
+          </a:solidFill>
           <a:latin typeface="+mn-lt"/>
           <a:ea typeface="+mn-ea"/>
           <a:cs typeface="+mn-cs"/>
         </a:defRPr>
       </a:lvl7pPr>
-      <a:lvl8pPr marL="3200400">
-        <a:defRPr>
+      <a:lvl8pPr algn="l" defTabSz="342900" eaLnBrk="1" hangingPunct="1" indent="-342900" latinLnBrk="0" marL="2743200" rtl="0">
+        <a:spcBef>
+          <a:spcPct val="20000"/>
+        </a:spcBef>
+        <a:buFont typeface="Arial"/>
+        <a:buChar char="•"/>
+        <a:defRPr kern="1200" sz="1500">
+          <a:solidFill>
+            <a:schemeClr val="tx1"/>
+          </a:solidFill>
           <a:latin typeface="+mn-lt"/>
           <a:ea typeface="+mn-ea"/>
           <a:cs typeface="+mn-cs"/>
         </a:defRPr>
       </a:lvl8pPr>
-      <a:lvl9pPr marL="3657600">
-        <a:defRPr>
+      <a:lvl9pPr algn="l" defTabSz="342900" eaLnBrk="1" hangingPunct="1" indent="-342900" latinLnBrk="0" marL="3086100" rtl="0">
+        <a:spcBef>
+          <a:spcPct val="20000"/>
+        </a:spcBef>
+        <a:buFont typeface="Arial"/>
+        <a:buChar char="•"/>
+        <a:defRPr kern="1200" sz="1500">
+          <a:solidFill>
+            <a:schemeClr val="tx1"/>
+          </a:solidFill>
           <a:latin typeface="+mn-lt"/>
           <a:ea typeface="+mn-ea"/>
           <a:cs typeface="+mn-cs"/>
@@ -2811,64 +2981,94 @@
       </a:lvl9pPr>
     </p:bodyStyle>
     <p:otherStyle>
-      <a:lvl1pPr marL="0">
-        <a:defRPr>
+      <a:defPPr>
+        <a:defRPr lang="en-US"/>
+      </a:defPPr>
+      <a:lvl1pPr algn="l" defTabSz="342900" eaLnBrk="1" hangingPunct="1" latinLnBrk="0" marL="0" rtl="0">
+        <a:defRPr kern="1200" sz="1350">
+          <a:solidFill>
+            <a:schemeClr val="tx1"/>
+          </a:solidFill>
           <a:latin typeface="+mn-lt"/>
           <a:ea typeface="+mn-ea"/>
           <a:cs typeface="+mn-cs"/>
         </a:defRPr>
       </a:lvl1pPr>
-      <a:lvl2pPr marL="457200">
-        <a:defRPr>
+      <a:lvl2pPr algn="l" defTabSz="342900" eaLnBrk="1" hangingPunct="1" latinLnBrk="0" marL="342900" rtl="0">
+        <a:defRPr kern="1200" sz="1350">
+          <a:solidFill>
+            <a:schemeClr val="tx1"/>
+          </a:solidFill>
           <a:latin typeface="+mn-lt"/>
           <a:ea typeface="+mn-ea"/>
           <a:cs typeface="+mn-cs"/>
         </a:defRPr>
       </a:lvl2pPr>
-      <a:lvl3pPr marL="914400">
-        <a:defRPr>
+      <a:lvl3pPr algn="l" defTabSz="342900" eaLnBrk="1" hangingPunct="1" latinLnBrk="0" marL="685800" rtl="0">
+        <a:defRPr kern="1200" sz="1350">
+          <a:solidFill>
+            <a:schemeClr val="tx1"/>
+          </a:solidFill>
           <a:latin typeface="+mn-lt"/>
           <a:ea typeface="+mn-ea"/>
           <a:cs typeface="+mn-cs"/>
         </a:defRPr>
       </a:lvl3pPr>
-      <a:lvl4pPr marL="1371600">
-        <a:defRPr>
+      <a:lvl4pPr algn="l" defTabSz="342900" eaLnBrk="1" hangingPunct="1" latinLnBrk="0" marL="1028700" rtl="0">
+        <a:defRPr kern="1200" sz="1350">
+          <a:solidFill>
+            <a:schemeClr val="tx1"/>
+          </a:solidFill>
           <a:latin typeface="+mn-lt"/>
           <a:ea typeface="+mn-ea"/>
           <a:cs typeface="+mn-cs"/>
         </a:defRPr>
       </a:lvl4pPr>
-      <a:lvl5pPr marL="1828800">
-        <a:defRPr>
+      <a:lvl5pPr algn="l" defTabSz="342900" eaLnBrk="1" hangingPunct="1" latinLnBrk="0" marL="1371600" rtl="0">
+        <a:defRPr kern="1200" sz="1350">
+          <a:solidFill>
+            <a:schemeClr val="tx1"/>
+          </a:solidFill>
           <a:latin typeface="+mn-lt"/>
           <a:ea typeface="+mn-ea"/>
           <a:cs typeface="+mn-cs"/>
         </a:defRPr>
       </a:lvl5pPr>
-      <a:lvl6pPr marL="2286000">
-        <a:defRPr>
+      <a:lvl6pPr algn="l" defTabSz="342900" eaLnBrk="1" hangingPunct="1" latinLnBrk="0" marL="1714500" rtl="0">
+        <a:defRPr kern="1200" sz="1350">
+          <a:solidFill>
+            <a:schemeClr val="tx1"/>
+          </a:solidFill>
           <a:latin typeface="+mn-lt"/>
           <a:ea typeface="+mn-ea"/>
           <a:cs typeface="+mn-cs"/>
         </a:defRPr>
       </a:lvl6pPr>
-      <a:lvl7pPr marL="2743200">
-        <a:defRPr>
+      <a:lvl7pPr algn="l" defTabSz="342900" eaLnBrk="1" hangingPunct="1" latinLnBrk="0" marL="2057400" rtl="0">
+        <a:defRPr kern="1200" sz="1350">
+          <a:solidFill>
+            <a:schemeClr val="tx1"/>
+          </a:solidFill>
           <a:latin typeface="+mn-lt"/>
           <a:ea typeface="+mn-ea"/>
           <a:cs typeface="+mn-cs"/>
         </a:defRPr>
       </a:lvl7pPr>
-      <a:lvl8pPr marL="3200400">
-        <a:defRPr>
+      <a:lvl8pPr algn="l" defTabSz="342900" eaLnBrk="1" hangingPunct="1" latinLnBrk="0" marL="2400300" rtl="0">
+        <a:defRPr kern="1200" sz="1350">
+          <a:solidFill>
+            <a:schemeClr val="tx1"/>
+          </a:solidFill>
           <a:latin typeface="+mn-lt"/>
           <a:ea typeface="+mn-ea"/>
           <a:cs typeface="+mn-cs"/>
         </a:defRPr>
       </a:lvl8pPr>
-      <a:lvl9pPr marL="3657600">
-        <a:defRPr>
+      <a:lvl9pPr algn="l" defTabSz="342900" eaLnBrk="1" hangingPunct="1" latinLnBrk="0" marL="2743200" rtl="0">
+        <a:defRPr kern="1200" sz="1350">
+          <a:solidFill>
+            <a:schemeClr val="tx1"/>
+          </a:solidFill>
           <a:latin typeface="+mn-lt"/>
           <a:ea typeface="+mn-ea"/>
           <a:cs typeface="+mn-cs"/>
@@ -2876,22 +3076,6 @@
       </a:lvl9pPr>
     </p:otherStyle>
   </p:txStyles>
-  <p:extLst>
-    <p:ext uri="{27BBF7A9-308A-43DC-89C8-2F10F3537804}">
-      <p15:sldGuideLst xmlns:p15="http://schemas.microsoft.com/office/powerpoint/2012/main">
-        <p15:guide id="1" orient="horz" pos="2160" userDrawn="1">
-          <p15:clr>
-            <a:srgbClr val="F26B43"/>
-          </p15:clr>
-        </p15:guide>
-        <p15:guide id="2" pos="3840" userDrawn="1">
-          <p15:clr>
-            <a:srgbClr val="F26B43"/>
-          </p15:clr>
-        </p15:guide>
-      </p15:sldGuideLst>
-    </p:ext>
-  </p:extLst>
 </p:sldMaster>
 </file>
 
@@ -2914,7 +3098,7 @@
       </p:grpSpPr>
       <p:sp>
         <p:nvSpPr>
-          <p:cNvPr id="2" name="Holder 2"/>
+          <p:cNvPr id="2" name="Title 1"/>
           <p:cNvSpPr>
             <a:spLocks noGrp="1"/>
           </p:cNvSpPr>
@@ -2924,12 +3108,9 @@
         </p:nvSpPr>
         <p:spPr>
           <a:xfrm>
-            <a:off x="914400" y="2125980"/>
-            <a:ext cx="10363200" cy="1440179"/>
+            <a:off x="685800" y="1597819"/>
+            <a:ext cx="7772400" cy="1102519"/>
           </a:xfrm>
-          <a:prstGeom prst="rect">
-            <a:avLst/>
-          </a:prstGeom>
         </p:spPr>
         <p:txBody>
           <a:bodyPr/>
@@ -2940,29 +3121,26 @@
             </a:pPr>
             <a:r>
               <a:rPr/>
-              <a:t>Untitled</a:t>
+              <a:t>Product pricing</a:t>
             </a:r>
           </a:p>
         </p:txBody>
       </p:sp>
       <p:sp>
         <p:nvSpPr>
-          <p:cNvPr id="3" name="Holder 3"/>
+          <p:cNvPr id="3" name="Subtitle 2"/>
           <p:cNvSpPr>
             <a:spLocks noGrp="1"/>
           </p:cNvSpPr>
           <p:nvPr>
-            <p:ph idx="4" type="subTitle"/>
+            <p:ph idx="1" type="subTitle"/>
           </p:nvPr>
         </p:nvSpPr>
         <p:spPr>
           <a:xfrm>
-            <a:off x="1828800" y="3840480"/>
-            <a:ext cx="8534399" cy="1714500"/>
+            <a:off x="1371600" y="2914650"/>
+            <a:ext cx="6400800" cy="1314450"/>
           </a:xfrm>
-          <a:prstGeom prst="rect">
-            <a:avLst/>
-          </a:prstGeom>
         </p:spPr>
         <p:txBody>
           <a:bodyPr/>
@@ -2982,12 +3160,12 @@
       </p:sp>
       <p:sp>
         <p:nvSpPr>
-          <p:cNvPr id="5" name="Holder 5"/>
+          <p:cNvPr id="4" name="Date Placeholder 3"/>
           <p:cNvSpPr>
             <a:spLocks noGrp="1"/>
           </p:cNvSpPr>
           <p:nvPr>
-            <p:ph idx="6" sz="half" type="dt"/>
+            <p:ph idx="10" sz="half" type="dt"/>
           </p:nvPr>
         </p:nvSpPr>
         <p:spPr/>
@@ -3000,7 +3178,7 @@
             </a:pPr>
             <a:r>
               <a:rPr/>
-              <a:t>2022-12-03</a:t>
+              <a:t>2022-12-05</a:t>
             </a:r>
           </a:p>
         </p:txBody>
@@ -3037,12 +3215,7 @@
             <p:ph type="title"/>
           </p:nvPr>
         </p:nvSpPr>
-        <p:spPr>
-          <a:xfrm>
-            <a:off x="722313" y="3305176"/>
-            <a:ext cx="7772400" cy="1021556"/>
-          </a:xfrm>
-        </p:spPr>
+        <p:spPr/>
         <p:txBody>
           <a:bodyPr/>
           <a:lstStyle/>
@@ -3052,7 +3225,5911 @@
             </a:pPr>
             <a:r>
               <a:rPr/>
-              <a:t>Test pg</a:t>
+              <a:t>Cars table</a:t>
+            </a:r>
+          </a:p>
+        </p:txBody>
+      </p:sp>
+      <p:sp>
+        <p:nvSpPr>
+          <p:cNvPr id="3" name="Content Placeholder 2"/>
+          <p:cNvSpPr>
+            <a:spLocks noGrp="1"/>
+          </p:cNvSpPr>
+          <p:nvPr>
+            <p:ph idx="1"/>
+          </p:nvPr>
+        </p:nvSpPr>
+        <p:spPr/>
+        <p:txBody>
+          <a:bodyPr/>
+          <a:lstStyle/>
+          <a:p>
+            <a:pPr lvl="0" indent="0">
+              <a:buNone/>
+            </a:pPr>
+            <a:r>
+              <a:rPr>
+                <a:latin typeface="Courier"/>
+              </a:rPr>
+              <a:t>## [1] "sdddddd"</a:t>
+            </a:r>
+          </a:p>
+          <a:p>
+            <a:pPr lvl="0" indent="0" marL="0">
+              <a:buNone/>
+            </a:pPr>
+            <a:r>
+              <a:rPr/>
+              <a:t>Heading 1</a:t>
+            </a:r>
+          </a:p>
+          <a:p>
+            <a:pPr lvl="0"/>
+            <a:r>
+              <a:rPr/>
+              <a:t>LARGE TEXT</a:t>
+            </a:r>
+          </a:p>
+          <a:p>
+            <a:pPr lvl="0"/>
+            <a:r>
+              <a:rPr/>
+              <a:t>dfdfdf</a:t>
+            </a:r>
+          </a:p>
+          <a:p>
+            <a:pPr lvl="0"/>
+            <a:r>
+              <a:rPr/>
+              <a:t>fdf</a:t>
+            </a:r>
+          </a:p>
+        </p:txBody>
+      </p:sp>
+    </p:spTree>
+  </p:cSld>
+</p:sld>
+</file>
+
+<file path=ppt/slides/slide3.xml><?xml version="1.0" encoding="utf-8"?>
+<p:sld xmlns:a="http://schemas.openxmlformats.org/drawingml/2006/main" xmlns:r="http://schemas.openxmlformats.org/officeDocument/2006/relationships" xmlns:p="http://schemas.openxmlformats.org/presentationml/2006/main">
+  <p:cSld>
+    <p:spTree>
+      <p:nvGrpSpPr>
+        <p:cNvPr id="1" name=""/>
+        <p:cNvGrpSpPr/>
+        <p:nvPr/>
+      </p:nvGrpSpPr>
+      <p:grpSpPr>
+        <a:xfrm>
+          <a:off x="0" y="0"/>
+          <a:ext cx="0" cy="0"/>
+          <a:chOff x="0" y="0"/>
+          <a:chExt cx="0" cy="0"/>
+        </a:xfrm>
+      </p:grpSpPr>
+      <p:sp>
+        <p:nvSpPr>
+          <p:cNvPr id="2" name="Title 1"/>
+          <p:cNvSpPr>
+            <a:spLocks noGrp="1"/>
+          </p:cNvSpPr>
+          <p:nvPr>
+            <p:ph type="title"/>
+          </p:nvPr>
+        </p:nvSpPr>
+        <p:spPr/>
+        <p:txBody>
+          <a:bodyPr/>
+          <a:lstStyle/>
+          <a:p>
+            <a:pPr lvl="0" indent="0" marL="0">
+              <a:buNone/>
+            </a:pPr>
+            <a:r>
+              <a:rPr/>
+              <a:t>Table 2</a:t>
+            </a:r>
+          </a:p>
+        </p:txBody>
+      </p:sp>
+      <p:graphicFrame>
+        <p:nvGraphicFramePr>
+          <p:cNvPr id="831543397" name=""/>
+          <p:cNvGraphicFramePr>
+            <a:graphicFrameLocks noGrp="true"/>
+          </p:cNvGraphicFramePr>
+          <p:nvPr/>
+        </p:nvGraphicFramePr>
+        <p:xfrm rot="0">
+          <a:off x="914400" y="1828800"/>
+          <a:ext cx="9144000" cy="5486400"/>
+        </p:xfrm>
+        <a:graphic>
+          <a:graphicData uri="http://schemas.openxmlformats.org/drawingml/2006/table">
+            <a:tbl>
+              <a:tblPr/>
+              <a:tblGrid>
+                <a:gridCol w="685800"/>
+                <a:gridCol w="685800"/>
+              </a:tblGrid>
+              <a:tr h="228600">
+                <a:tc>
+                  <a:txBody>
+                    <a:bodyPr/>
+                    <a:lstStyle/>
+                    <a:p>
+                      <a:pPr algn="r" marL="63500" marR="63500">
+                        <a:lnSpc>
+                          <a:spcPct val="100000"/>
+                        </a:lnSpc>
+                        <a:spcBef>
+                          <a:spcPts val="500"/>
+                        </a:spcBef>
+                        <a:spcAft>
+                          <a:spcPts val="500"/>
+                        </a:spcAft>
+                        <a:buNone/>
+                      </a:pPr>
+                      <a:r>
+                        <a:rPr cap="none" sz="1100" i="0" b="0" u="none">
+                          <a:solidFill>
+                            <a:srgbClr val="000000">
+                              <a:alpha val="100000"/>
+                            </a:srgbClr>
+                          </a:solidFill>
+                          <a:latin typeface="Arial"/>
+                          <a:cs typeface="Arial"/>
+                          <a:ea typeface="Arial"/>
+                          <a:sym typeface="Arial"/>
+                        </a:rPr>
+                        <a:t>speed</a:t>
+                      </a:r>
+                    </a:p>
+                  </a:txBody>
+                  <a:tcPr anchor="ctr" marB="63500" marT="63500" marR="0" marL="0">
+                    <a:lnL algn="ctr" cmpd="sng" cap="flat" w="0">
+                      <a:noFill/>
+                      <a:prstDash val="solid"/>
+                    </a:lnL>
+                    <a:lnR algn="ctr" cmpd="sng" cap="flat" w="0">
+                      <a:noFill/>
+                      <a:prstDash val="solid"/>
+                    </a:lnR>
+                    <a:lnT algn="ctr" cmpd="sng" cap="flat" w="25400">
+                      <a:solidFill>
+                        <a:srgbClr val="666666">
+                          <a:alpha val="100000"/>
+                        </a:srgbClr>
+                      </a:solidFill>
+                      <a:prstDash val="solid"/>
+                    </a:lnT>
+                    <a:lnB algn="ctr" cmpd="sng" cap="flat" w="25400">
+                      <a:solidFill>
+                        <a:srgbClr val="666666">
+                          <a:alpha val="100000"/>
+                        </a:srgbClr>
+                      </a:solidFill>
+                      <a:prstDash val="solid"/>
+                    </a:lnB>
+                    <a:solidFill>
+                      <a:srgbClr val="FFFFFF">
+                        <a:alpha val="0"/>
+                      </a:srgbClr>
+                    </a:solidFill>
+                  </a:tcPr>
+                </a:tc>
+                <a:tc>
+                  <a:txBody>
+                    <a:bodyPr/>
+                    <a:lstStyle/>
+                    <a:p>
+                      <a:pPr algn="r" marL="63500" marR="63500">
+                        <a:lnSpc>
+                          <a:spcPct val="100000"/>
+                        </a:lnSpc>
+                        <a:spcBef>
+                          <a:spcPts val="500"/>
+                        </a:spcBef>
+                        <a:spcAft>
+                          <a:spcPts val="500"/>
+                        </a:spcAft>
+                        <a:buNone/>
+                      </a:pPr>
+                      <a:r>
+                        <a:rPr cap="none" sz="1100" i="0" b="0" u="none">
+                          <a:solidFill>
+                            <a:srgbClr val="000000">
+                              <a:alpha val="100000"/>
+                            </a:srgbClr>
+                          </a:solidFill>
+                          <a:latin typeface="Arial"/>
+                          <a:cs typeface="Arial"/>
+                          <a:ea typeface="Arial"/>
+                          <a:sym typeface="Arial"/>
+                        </a:rPr>
+                        <a:t>dist</a:t>
+                      </a:r>
+                    </a:p>
+                  </a:txBody>
+                  <a:tcPr anchor="ctr" marB="63500" marT="63500" marR="0" marL="0">
+                    <a:lnL algn="ctr" cmpd="sng" cap="flat" w="0">
+                      <a:noFill/>
+                      <a:prstDash val="solid"/>
+                    </a:lnL>
+                    <a:lnR algn="ctr" cmpd="sng" cap="flat" w="0">
+                      <a:noFill/>
+                      <a:prstDash val="solid"/>
+                    </a:lnR>
+                    <a:lnT algn="ctr" cmpd="sng" cap="flat" w="25400">
+                      <a:solidFill>
+                        <a:srgbClr val="666666">
+                          <a:alpha val="100000"/>
+                        </a:srgbClr>
+                      </a:solidFill>
+                      <a:prstDash val="solid"/>
+                    </a:lnT>
+                    <a:lnB algn="ctr" cmpd="sng" cap="flat" w="25400">
+                      <a:solidFill>
+                        <a:srgbClr val="666666">
+                          <a:alpha val="100000"/>
+                        </a:srgbClr>
+                      </a:solidFill>
+                      <a:prstDash val="solid"/>
+                    </a:lnB>
+                    <a:solidFill>
+                      <a:srgbClr val="FFFFFF">
+                        <a:alpha val="0"/>
+                      </a:srgbClr>
+                    </a:solidFill>
+                  </a:tcPr>
+                </a:tc>
+              </a:tr>
+              <a:tr h="228600">
+                <a:tc>
+                  <a:txBody>
+                    <a:bodyPr/>
+                    <a:lstStyle/>
+                    <a:p>
+                      <a:pPr algn="r" marL="63500" marR="63500">
+                        <a:lnSpc>
+                          <a:spcPct val="100000"/>
+                        </a:lnSpc>
+                        <a:spcBef>
+                          <a:spcPts val="500"/>
+                        </a:spcBef>
+                        <a:spcAft>
+                          <a:spcPts val="500"/>
+                        </a:spcAft>
+                        <a:buNone/>
+                      </a:pPr>
+                      <a:r>
+                        <a:rPr cap="none" sz="1100" i="0" b="0" u="none">
+                          <a:solidFill>
+                            <a:srgbClr val="000000">
+                              <a:alpha val="100000"/>
+                            </a:srgbClr>
+                          </a:solidFill>
+                          <a:latin typeface="Arial"/>
+                          <a:cs typeface="Arial"/>
+                          <a:ea typeface="Arial"/>
+                          <a:sym typeface="Arial"/>
+                        </a:rPr>
+                        <a:t>4</a:t>
+                      </a:r>
+                    </a:p>
+                  </a:txBody>
+                  <a:tcPr anchor="ctr" marB="63500" marT="63500" marR="0" marL="0">
+                    <a:lnL algn="ctr" cmpd="sng" cap="flat" w="0">
+                      <a:noFill/>
+                      <a:prstDash val="solid"/>
+                    </a:lnL>
+                    <a:lnR algn="ctr" cmpd="sng" cap="flat" w="0">
+                      <a:noFill/>
+                      <a:prstDash val="solid"/>
+                    </a:lnR>
+                    <a:lnT algn="ctr" cmpd="sng" cap="flat" w="0">
+                      <a:noFill/>
+                      <a:prstDash val="solid"/>
+                    </a:lnT>
+                    <a:lnB algn="ctr" cmpd="sng" cap="flat" w="0">
+                      <a:noFill/>
+                      <a:prstDash val="solid"/>
+                    </a:lnB>
+                    <a:solidFill>
+                      <a:srgbClr val="FFFFFF">
+                        <a:alpha val="0"/>
+                      </a:srgbClr>
+                    </a:solidFill>
+                  </a:tcPr>
+                </a:tc>
+                <a:tc>
+                  <a:txBody>
+                    <a:bodyPr/>
+                    <a:lstStyle/>
+                    <a:p>
+                      <a:pPr algn="r" marL="63500" marR="63500">
+                        <a:lnSpc>
+                          <a:spcPct val="100000"/>
+                        </a:lnSpc>
+                        <a:spcBef>
+                          <a:spcPts val="500"/>
+                        </a:spcBef>
+                        <a:spcAft>
+                          <a:spcPts val="500"/>
+                        </a:spcAft>
+                        <a:buNone/>
+                      </a:pPr>
+                      <a:r>
+                        <a:rPr cap="none" sz="1100" i="0" b="0" u="none">
+                          <a:solidFill>
+                            <a:srgbClr val="000000">
+                              <a:alpha val="100000"/>
+                            </a:srgbClr>
+                          </a:solidFill>
+                          <a:latin typeface="Arial"/>
+                          <a:cs typeface="Arial"/>
+                          <a:ea typeface="Arial"/>
+                          <a:sym typeface="Arial"/>
+                        </a:rPr>
+                        <a:t>2</a:t>
+                      </a:r>
+                    </a:p>
+                  </a:txBody>
+                  <a:tcPr anchor="ctr" marB="63500" marT="63500" marR="0" marL="0">
+                    <a:lnL algn="ctr" cmpd="sng" cap="flat" w="0">
+                      <a:noFill/>
+                      <a:prstDash val="solid"/>
+                    </a:lnL>
+                    <a:lnR algn="ctr" cmpd="sng" cap="flat" w="0">
+                      <a:noFill/>
+                      <a:prstDash val="solid"/>
+                    </a:lnR>
+                    <a:lnT algn="ctr" cmpd="sng" cap="flat" w="0">
+                      <a:noFill/>
+                      <a:prstDash val="solid"/>
+                    </a:lnT>
+                    <a:lnB algn="ctr" cmpd="sng" cap="flat" w="0">
+                      <a:noFill/>
+                      <a:prstDash val="solid"/>
+                    </a:lnB>
+                    <a:solidFill>
+                      <a:srgbClr val="FFFFFF">
+                        <a:alpha val="0"/>
+                      </a:srgbClr>
+                    </a:solidFill>
+                  </a:tcPr>
+                </a:tc>
+              </a:tr>
+              <a:tr h="228600">
+                <a:tc>
+                  <a:txBody>
+                    <a:bodyPr/>
+                    <a:lstStyle/>
+                    <a:p>
+                      <a:pPr algn="r" marL="63500" marR="63500">
+                        <a:lnSpc>
+                          <a:spcPct val="100000"/>
+                        </a:lnSpc>
+                        <a:spcBef>
+                          <a:spcPts val="500"/>
+                        </a:spcBef>
+                        <a:spcAft>
+                          <a:spcPts val="500"/>
+                        </a:spcAft>
+                        <a:buNone/>
+                      </a:pPr>
+                      <a:r>
+                        <a:rPr cap="none" sz="1100" i="0" b="0" u="none">
+                          <a:solidFill>
+                            <a:srgbClr val="000000">
+                              <a:alpha val="100000"/>
+                            </a:srgbClr>
+                          </a:solidFill>
+                          <a:latin typeface="Arial"/>
+                          <a:cs typeface="Arial"/>
+                          <a:ea typeface="Arial"/>
+                          <a:sym typeface="Arial"/>
+                        </a:rPr>
+                        <a:t>4</a:t>
+                      </a:r>
+                    </a:p>
+                  </a:txBody>
+                  <a:tcPr anchor="ctr" marB="63500" marT="63500" marR="0" marL="0">
+                    <a:lnL algn="ctr" cmpd="sng" cap="flat" w="0">
+                      <a:noFill/>
+                      <a:prstDash val="solid"/>
+                    </a:lnL>
+                    <a:lnR algn="ctr" cmpd="sng" cap="flat" w="0">
+                      <a:noFill/>
+                      <a:prstDash val="solid"/>
+                    </a:lnR>
+                    <a:lnT algn="ctr" cmpd="sng" cap="flat" w="0">
+                      <a:noFill/>
+                      <a:prstDash val="solid"/>
+                    </a:lnT>
+                    <a:lnB algn="ctr" cmpd="sng" cap="flat" w="0">
+                      <a:noFill/>
+                      <a:prstDash val="solid"/>
+                    </a:lnB>
+                    <a:solidFill>
+                      <a:srgbClr val="FFFFFF">
+                        <a:alpha val="0"/>
+                      </a:srgbClr>
+                    </a:solidFill>
+                  </a:tcPr>
+                </a:tc>
+                <a:tc>
+                  <a:txBody>
+                    <a:bodyPr/>
+                    <a:lstStyle/>
+                    <a:p>
+                      <a:pPr algn="r" marL="63500" marR="63500">
+                        <a:lnSpc>
+                          <a:spcPct val="100000"/>
+                        </a:lnSpc>
+                        <a:spcBef>
+                          <a:spcPts val="500"/>
+                        </a:spcBef>
+                        <a:spcAft>
+                          <a:spcPts val="500"/>
+                        </a:spcAft>
+                        <a:buNone/>
+                      </a:pPr>
+                      <a:r>
+                        <a:rPr cap="none" sz="1100" i="0" b="0" u="none">
+                          <a:solidFill>
+                            <a:srgbClr val="000000">
+                              <a:alpha val="100000"/>
+                            </a:srgbClr>
+                          </a:solidFill>
+                          <a:latin typeface="Arial"/>
+                          <a:cs typeface="Arial"/>
+                          <a:ea typeface="Arial"/>
+                          <a:sym typeface="Arial"/>
+                        </a:rPr>
+                        <a:t>10</a:t>
+                      </a:r>
+                    </a:p>
+                  </a:txBody>
+                  <a:tcPr anchor="ctr" marB="63500" marT="63500" marR="0" marL="0">
+                    <a:lnL algn="ctr" cmpd="sng" cap="flat" w="0">
+                      <a:noFill/>
+                      <a:prstDash val="solid"/>
+                    </a:lnL>
+                    <a:lnR algn="ctr" cmpd="sng" cap="flat" w="0">
+                      <a:noFill/>
+                      <a:prstDash val="solid"/>
+                    </a:lnR>
+                    <a:lnT algn="ctr" cmpd="sng" cap="flat" w="0">
+                      <a:noFill/>
+                      <a:prstDash val="solid"/>
+                    </a:lnT>
+                    <a:lnB algn="ctr" cmpd="sng" cap="flat" w="0">
+                      <a:noFill/>
+                      <a:prstDash val="solid"/>
+                    </a:lnB>
+                    <a:solidFill>
+                      <a:srgbClr val="FFFFFF">
+                        <a:alpha val="0"/>
+                      </a:srgbClr>
+                    </a:solidFill>
+                  </a:tcPr>
+                </a:tc>
+              </a:tr>
+              <a:tr h="228600">
+                <a:tc>
+                  <a:txBody>
+                    <a:bodyPr/>
+                    <a:lstStyle/>
+                    <a:p>
+                      <a:pPr algn="r" marL="63500" marR="63500">
+                        <a:lnSpc>
+                          <a:spcPct val="100000"/>
+                        </a:lnSpc>
+                        <a:spcBef>
+                          <a:spcPts val="500"/>
+                        </a:spcBef>
+                        <a:spcAft>
+                          <a:spcPts val="500"/>
+                        </a:spcAft>
+                        <a:buNone/>
+                      </a:pPr>
+                      <a:r>
+                        <a:rPr cap="none" sz="1100" i="0" b="0" u="none">
+                          <a:solidFill>
+                            <a:srgbClr val="000000">
+                              <a:alpha val="100000"/>
+                            </a:srgbClr>
+                          </a:solidFill>
+                          <a:latin typeface="Arial"/>
+                          <a:cs typeface="Arial"/>
+                          <a:ea typeface="Arial"/>
+                          <a:sym typeface="Arial"/>
+                        </a:rPr>
+                        <a:t>7</a:t>
+                      </a:r>
+                    </a:p>
+                  </a:txBody>
+                  <a:tcPr anchor="ctr" marB="63500" marT="63500" marR="0" marL="0">
+                    <a:lnL algn="ctr" cmpd="sng" cap="flat" w="0">
+                      <a:noFill/>
+                      <a:prstDash val="solid"/>
+                    </a:lnL>
+                    <a:lnR algn="ctr" cmpd="sng" cap="flat" w="0">
+                      <a:noFill/>
+                      <a:prstDash val="solid"/>
+                    </a:lnR>
+                    <a:lnT algn="ctr" cmpd="sng" cap="flat" w="0">
+                      <a:noFill/>
+                      <a:prstDash val="solid"/>
+                    </a:lnT>
+                    <a:lnB algn="ctr" cmpd="sng" cap="flat" w="0">
+                      <a:noFill/>
+                      <a:prstDash val="solid"/>
+                    </a:lnB>
+                    <a:solidFill>
+                      <a:srgbClr val="FFFFFF">
+                        <a:alpha val="0"/>
+                      </a:srgbClr>
+                    </a:solidFill>
+                  </a:tcPr>
+                </a:tc>
+                <a:tc>
+                  <a:txBody>
+                    <a:bodyPr/>
+                    <a:lstStyle/>
+                    <a:p>
+                      <a:pPr algn="r" marL="63500" marR="63500">
+                        <a:lnSpc>
+                          <a:spcPct val="100000"/>
+                        </a:lnSpc>
+                        <a:spcBef>
+                          <a:spcPts val="500"/>
+                        </a:spcBef>
+                        <a:spcAft>
+                          <a:spcPts val="500"/>
+                        </a:spcAft>
+                        <a:buNone/>
+                      </a:pPr>
+                      <a:r>
+                        <a:rPr cap="none" sz="1100" i="0" b="0" u="none">
+                          <a:solidFill>
+                            <a:srgbClr val="000000">
+                              <a:alpha val="100000"/>
+                            </a:srgbClr>
+                          </a:solidFill>
+                          <a:latin typeface="Arial"/>
+                          <a:cs typeface="Arial"/>
+                          <a:ea typeface="Arial"/>
+                          <a:sym typeface="Arial"/>
+                        </a:rPr>
+                        <a:t>4</a:t>
+                      </a:r>
+                    </a:p>
+                  </a:txBody>
+                  <a:tcPr anchor="ctr" marB="63500" marT="63500" marR="0" marL="0">
+                    <a:lnL algn="ctr" cmpd="sng" cap="flat" w="0">
+                      <a:noFill/>
+                      <a:prstDash val="solid"/>
+                    </a:lnL>
+                    <a:lnR algn="ctr" cmpd="sng" cap="flat" w="0">
+                      <a:noFill/>
+                      <a:prstDash val="solid"/>
+                    </a:lnR>
+                    <a:lnT algn="ctr" cmpd="sng" cap="flat" w="0">
+                      <a:noFill/>
+                      <a:prstDash val="solid"/>
+                    </a:lnT>
+                    <a:lnB algn="ctr" cmpd="sng" cap="flat" w="0">
+                      <a:noFill/>
+                      <a:prstDash val="solid"/>
+                    </a:lnB>
+                    <a:solidFill>
+                      <a:srgbClr val="FFFFFF">
+                        <a:alpha val="0"/>
+                      </a:srgbClr>
+                    </a:solidFill>
+                  </a:tcPr>
+                </a:tc>
+              </a:tr>
+              <a:tr h="228600">
+                <a:tc>
+                  <a:txBody>
+                    <a:bodyPr/>
+                    <a:lstStyle/>
+                    <a:p>
+                      <a:pPr algn="r" marL="63500" marR="63500">
+                        <a:lnSpc>
+                          <a:spcPct val="100000"/>
+                        </a:lnSpc>
+                        <a:spcBef>
+                          <a:spcPts val="500"/>
+                        </a:spcBef>
+                        <a:spcAft>
+                          <a:spcPts val="500"/>
+                        </a:spcAft>
+                        <a:buNone/>
+                      </a:pPr>
+                      <a:r>
+                        <a:rPr cap="none" sz="1100" i="0" b="0" u="none">
+                          <a:solidFill>
+                            <a:srgbClr val="000000">
+                              <a:alpha val="100000"/>
+                            </a:srgbClr>
+                          </a:solidFill>
+                          <a:latin typeface="Arial"/>
+                          <a:cs typeface="Arial"/>
+                          <a:ea typeface="Arial"/>
+                          <a:sym typeface="Arial"/>
+                        </a:rPr>
+                        <a:t>7</a:t>
+                      </a:r>
+                    </a:p>
+                  </a:txBody>
+                  <a:tcPr anchor="ctr" marB="63500" marT="63500" marR="0" marL="0">
+                    <a:lnL algn="ctr" cmpd="sng" cap="flat" w="0">
+                      <a:noFill/>
+                      <a:prstDash val="solid"/>
+                    </a:lnL>
+                    <a:lnR algn="ctr" cmpd="sng" cap="flat" w="0">
+                      <a:noFill/>
+                      <a:prstDash val="solid"/>
+                    </a:lnR>
+                    <a:lnT algn="ctr" cmpd="sng" cap="flat" w="0">
+                      <a:noFill/>
+                      <a:prstDash val="solid"/>
+                    </a:lnT>
+                    <a:lnB algn="ctr" cmpd="sng" cap="flat" w="0">
+                      <a:noFill/>
+                      <a:prstDash val="solid"/>
+                    </a:lnB>
+                    <a:solidFill>
+                      <a:srgbClr val="FFFFFF">
+                        <a:alpha val="0"/>
+                      </a:srgbClr>
+                    </a:solidFill>
+                  </a:tcPr>
+                </a:tc>
+                <a:tc>
+                  <a:txBody>
+                    <a:bodyPr/>
+                    <a:lstStyle/>
+                    <a:p>
+                      <a:pPr algn="r" marL="63500" marR="63500">
+                        <a:lnSpc>
+                          <a:spcPct val="100000"/>
+                        </a:lnSpc>
+                        <a:spcBef>
+                          <a:spcPts val="500"/>
+                        </a:spcBef>
+                        <a:spcAft>
+                          <a:spcPts val="500"/>
+                        </a:spcAft>
+                        <a:buNone/>
+                      </a:pPr>
+                      <a:r>
+                        <a:rPr cap="none" sz="1100" i="0" b="0" u="none">
+                          <a:solidFill>
+                            <a:srgbClr val="000000">
+                              <a:alpha val="100000"/>
+                            </a:srgbClr>
+                          </a:solidFill>
+                          <a:latin typeface="Arial"/>
+                          <a:cs typeface="Arial"/>
+                          <a:ea typeface="Arial"/>
+                          <a:sym typeface="Arial"/>
+                        </a:rPr>
+                        <a:t>22</a:t>
+                      </a:r>
+                    </a:p>
+                  </a:txBody>
+                  <a:tcPr anchor="ctr" marB="63500" marT="63500" marR="0" marL="0">
+                    <a:lnL algn="ctr" cmpd="sng" cap="flat" w="0">
+                      <a:noFill/>
+                      <a:prstDash val="solid"/>
+                    </a:lnL>
+                    <a:lnR algn="ctr" cmpd="sng" cap="flat" w="0">
+                      <a:noFill/>
+                      <a:prstDash val="solid"/>
+                    </a:lnR>
+                    <a:lnT algn="ctr" cmpd="sng" cap="flat" w="0">
+                      <a:noFill/>
+                      <a:prstDash val="solid"/>
+                    </a:lnT>
+                    <a:lnB algn="ctr" cmpd="sng" cap="flat" w="0">
+                      <a:noFill/>
+                      <a:prstDash val="solid"/>
+                    </a:lnB>
+                    <a:solidFill>
+                      <a:srgbClr val="FFFFFF">
+                        <a:alpha val="0"/>
+                      </a:srgbClr>
+                    </a:solidFill>
+                  </a:tcPr>
+                </a:tc>
+              </a:tr>
+              <a:tr h="228600">
+                <a:tc>
+                  <a:txBody>
+                    <a:bodyPr/>
+                    <a:lstStyle/>
+                    <a:p>
+                      <a:pPr algn="r" marL="63500" marR="63500">
+                        <a:lnSpc>
+                          <a:spcPct val="100000"/>
+                        </a:lnSpc>
+                        <a:spcBef>
+                          <a:spcPts val="500"/>
+                        </a:spcBef>
+                        <a:spcAft>
+                          <a:spcPts val="500"/>
+                        </a:spcAft>
+                        <a:buNone/>
+                      </a:pPr>
+                      <a:r>
+                        <a:rPr cap="none" sz="1100" i="0" b="0" u="none">
+                          <a:solidFill>
+                            <a:srgbClr val="000000">
+                              <a:alpha val="100000"/>
+                            </a:srgbClr>
+                          </a:solidFill>
+                          <a:latin typeface="Arial"/>
+                          <a:cs typeface="Arial"/>
+                          <a:ea typeface="Arial"/>
+                          <a:sym typeface="Arial"/>
+                        </a:rPr>
+                        <a:t>8</a:t>
+                      </a:r>
+                    </a:p>
+                  </a:txBody>
+                  <a:tcPr anchor="ctr" marB="63500" marT="63500" marR="0" marL="0">
+                    <a:lnL algn="ctr" cmpd="sng" cap="flat" w="0">
+                      <a:noFill/>
+                      <a:prstDash val="solid"/>
+                    </a:lnL>
+                    <a:lnR algn="ctr" cmpd="sng" cap="flat" w="0">
+                      <a:noFill/>
+                      <a:prstDash val="solid"/>
+                    </a:lnR>
+                    <a:lnT algn="ctr" cmpd="sng" cap="flat" w="0">
+                      <a:noFill/>
+                      <a:prstDash val="solid"/>
+                    </a:lnT>
+                    <a:lnB algn="ctr" cmpd="sng" cap="flat" w="0">
+                      <a:noFill/>
+                      <a:prstDash val="solid"/>
+                    </a:lnB>
+                    <a:solidFill>
+                      <a:srgbClr val="FFFFFF">
+                        <a:alpha val="0"/>
+                      </a:srgbClr>
+                    </a:solidFill>
+                  </a:tcPr>
+                </a:tc>
+                <a:tc>
+                  <a:txBody>
+                    <a:bodyPr/>
+                    <a:lstStyle/>
+                    <a:p>
+                      <a:pPr algn="r" marL="63500" marR="63500">
+                        <a:lnSpc>
+                          <a:spcPct val="100000"/>
+                        </a:lnSpc>
+                        <a:spcBef>
+                          <a:spcPts val="500"/>
+                        </a:spcBef>
+                        <a:spcAft>
+                          <a:spcPts val="500"/>
+                        </a:spcAft>
+                        <a:buNone/>
+                      </a:pPr>
+                      <a:r>
+                        <a:rPr cap="none" sz="1100" i="0" b="0" u="none">
+                          <a:solidFill>
+                            <a:srgbClr val="000000">
+                              <a:alpha val="100000"/>
+                            </a:srgbClr>
+                          </a:solidFill>
+                          <a:latin typeface="Arial"/>
+                          <a:cs typeface="Arial"/>
+                          <a:ea typeface="Arial"/>
+                          <a:sym typeface="Arial"/>
+                        </a:rPr>
+                        <a:t>16</a:t>
+                      </a:r>
+                    </a:p>
+                  </a:txBody>
+                  <a:tcPr anchor="ctr" marB="63500" marT="63500" marR="0" marL="0">
+                    <a:lnL algn="ctr" cmpd="sng" cap="flat" w="0">
+                      <a:noFill/>
+                      <a:prstDash val="solid"/>
+                    </a:lnL>
+                    <a:lnR algn="ctr" cmpd="sng" cap="flat" w="0">
+                      <a:noFill/>
+                      <a:prstDash val="solid"/>
+                    </a:lnR>
+                    <a:lnT algn="ctr" cmpd="sng" cap="flat" w="0">
+                      <a:noFill/>
+                      <a:prstDash val="solid"/>
+                    </a:lnT>
+                    <a:lnB algn="ctr" cmpd="sng" cap="flat" w="0">
+                      <a:noFill/>
+                      <a:prstDash val="solid"/>
+                    </a:lnB>
+                    <a:solidFill>
+                      <a:srgbClr val="FFFFFF">
+                        <a:alpha val="0"/>
+                      </a:srgbClr>
+                    </a:solidFill>
+                  </a:tcPr>
+                </a:tc>
+              </a:tr>
+              <a:tr h="228600">
+                <a:tc>
+                  <a:txBody>
+                    <a:bodyPr/>
+                    <a:lstStyle/>
+                    <a:p>
+                      <a:pPr algn="r" marL="63500" marR="63500">
+                        <a:lnSpc>
+                          <a:spcPct val="100000"/>
+                        </a:lnSpc>
+                        <a:spcBef>
+                          <a:spcPts val="500"/>
+                        </a:spcBef>
+                        <a:spcAft>
+                          <a:spcPts val="500"/>
+                        </a:spcAft>
+                        <a:buNone/>
+                      </a:pPr>
+                      <a:r>
+                        <a:rPr cap="none" sz="1100" i="0" b="0" u="none">
+                          <a:solidFill>
+                            <a:srgbClr val="000000">
+                              <a:alpha val="100000"/>
+                            </a:srgbClr>
+                          </a:solidFill>
+                          <a:latin typeface="Arial"/>
+                          <a:cs typeface="Arial"/>
+                          <a:ea typeface="Arial"/>
+                          <a:sym typeface="Arial"/>
+                        </a:rPr>
+                        <a:t>9</a:t>
+                      </a:r>
+                    </a:p>
+                  </a:txBody>
+                  <a:tcPr anchor="ctr" marB="63500" marT="63500" marR="0" marL="0">
+                    <a:lnL algn="ctr" cmpd="sng" cap="flat" w="0">
+                      <a:noFill/>
+                      <a:prstDash val="solid"/>
+                    </a:lnL>
+                    <a:lnR algn="ctr" cmpd="sng" cap="flat" w="0">
+                      <a:noFill/>
+                      <a:prstDash val="solid"/>
+                    </a:lnR>
+                    <a:lnT algn="ctr" cmpd="sng" cap="flat" w="0">
+                      <a:noFill/>
+                      <a:prstDash val="solid"/>
+                    </a:lnT>
+                    <a:lnB algn="ctr" cmpd="sng" cap="flat" w="25400">
+                      <a:solidFill>
+                        <a:srgbClr val="666666">
+                          <a:alpha val="100000"/>
+                        </a:srgbClr>
+                      </a:solidFill>
+                      <a:prstDash val="solid"/>
+                    </a:lnB>
+                    <a:solidFill>
+                      <a:srgbClr val="FFFFFF">
+                        <a:alpha val="0"/>
+                      </a:srgbClr>
+                    </a:solidFill>
+                  </a:tcPr>
+                </a:tc>
+                <a:tc>
+                  <a:txBody>
+                    <a:bodyPr/>
+                    <a:lstStyle/>
+                    <a:p>
+                      <a:pPr algn="r" marL="63500" marR="63500">
+                        <a:lnSpc>
+                          <a:spcPct val="100000"/>
+                        </a:lnSpc>
+                        <a:spcBef>
+                          <a:spcPts val="500"/>
+                        </a:spcBef>
+                        <a:spcAft>
+                          <a:spcPts val="500"/>
+                        </a:spcAft>
+                        <a:buNone/>
+                      </a:pPr>
+                      <a:r>
+                        <a:rPr cap="none" sz="1100" i="0" b="0" u="none">
+                          <a:solidFill>
+                            <a:srgbClr val="000000">
+                              <a:alpha val="100000"/>
+                            </a:srgbClr>
+                          </a:solidFill>
+                          <a:latin typeface="Arial"/>
+                          <a:cs typeface="Arial"/>
+                          <a:ea typeface="Arial"/>
+                          <a:sym typeface="Arial"/>
+                        </a:rPr>
+                        <a:t>10</a:t>
+                      </a:r>
+                    </a:p>
+                  </a:txBody>
+                  <a:tcPr anchor="ctr" marB="63500" marT="63500" marR="0" marL="0">
+                    <a:lnL algn="ctr" cmpd="sng" cap="flat" w="0">
+                      <a:noFill/>
+                      <a:prstDash val="solid"/>
+                    </a:lnL>
+                    <a:lnR algn="ctr" cmpd="sng" cap="flat" w="0">
+                      <a:noFill/>
+                      <a:prstDash val="solid"/>
+                    </a:lnR>
+                    <a:lnT algn="ctr" cmpd="sng" cap="flat" w="0">
+                      <a:noFill/>
+                      <a:prstDash val="solid"/>
+                    </a:lnT>
+                    <a:lnB algn="ctr" cmpd="sng" cap="flat" w="25400">
+                      <a:solidFill>
+                        <a:srgbClr val="666666">
+                          <a:alpha val="100000"/>
+                        </a:srgbClr>
+                      </a:solidFill>
+                      <a:prstDash val="solid"/>
+                    </a:lnB>
+                    <a:solidFill>
+                      <a:srgbClr val="FFFFFF">
+                        <a:alpha val="0"/>
+                      </a:srgbClr>
+                    </a:solidFill>
+                  </a:tcPr>
+                </a:tc>
+              </a:tr>
+            </a:tbl>
+          </a:graphicData>
+        </a:graphic>
+      </p:graphicFrame>
+    </p:spTree>
+  </p:cSld>
+</p:sld>
+</file>
+
+<file path=ppt/slides/slide4.xml><?xml version="1.0" encoding="utf-8"?>
+<p:sld xmlns:a="http://schemas.openxmlformats.org/drawingml/2006/main" xmlns:r="http://schemas.openxmlformats.org/officeDocument/2006/relationships" xmlns:p="http://schemas.openxmlformats.org/presentationml/2006/main">
+  <p:cSld>
+    <p:spTree>
+      <p:nvGrpSpPr>
+        <p:cNvPr id="1" name=""/>
+        <p:cNvGrpSpPr/>
+        <p:nvPr/>
+      </p:nvGrpSpPr>
+      <p:grpSpPr>
+        <a:xfrm>
+          <a:off x="0" y="0"/>
+          <a:ext cx="0" cy="0"/>
+          <a:chOff x="0" y="0"/>
+          <a:chExt cx="0" cy="0"/>
+        </a:xfrm>
+      </p:grpSpPr>
+      <p:sp>
+        <p:nvSpPr>
+          <p:cNvPr id="2" name="Title 1"/>
+          <p:cNvSpPr>
+            <a:spLocks noGrp="1"/>
+          </p:cNvSpPr>
+          <p:nvPr>
+            <p:ph type="title"/>
+          </p:nvPr>
+        </p:nvSpPr>
+        <p:spPr/>
+        <p:txBody>
+          <a:bodyPr/>
+          <a:lstStyle/>
+          <a:p>
+            <a:pPr lvl="0" indent="0" marL="0">
+              <a:buNone/>
+            </a:pPr>
+            <a:r>
+              <a:rPr/>
+              <a:t>Test 3</a:t>
+            </a:r>
+          </a:p>
+        </p:txBody>
+      </p:sp>
+      <p:sp>
+        <p:nvSpPr>
+          <p:cNvPr id="3" name="Content Placeholder 2"/>
+          <p:cNvSpPr>
+            <a:spLocks noGrp="1"/>
+          </p:cNvSpPr>
+          <p:nvPr>
+            <p:ph idx="1"/>
+          </p:nvPr>
+        </p:nvSpPr>
+        <p:spPr/>
+        <p:txBody>
+          <a:bodyPr/>
+          <a:lstStyle/>
+          <a:p>
+            <a:pPr lvl="0" indent="0" marL="0">
+              <a:buNone/>
+            </a:pPr>
+            <a:r>
+              <a:rPr/>
+              <a:t>some text here - some - text</a:t>
+            </a:r>
+          </a:p>
+        </p:txBody>
+      </p:sp>
+      <p:graphicFrame>
+        <p:nvGraphicFramePr>
+          <p:cNvPr id="725585269" name=""/>
+          <p:cNvGraphicFramePr>
+            <a:graphicFrameLocks noGrp="true"/>
+          </p:cNvGraphicFramePr>
+          <p:nvPr/>
+        </p:nvGraphicFramePr>
+        <p:xfrm rot="0">
+          <a:off x="914400" y="1828800"/>
+          <a:ext cx="9144000" cy="5486400"/>
+        </p:xfrm>
+        <a:graphic>
+          <a:graphicData uri="http://schemas.openxmlformats.org/drawingml/2006/table">
+            <a:tbl>
+              <a:tblPr/>
+              <a:tblGrid>
+                <a:gridCol w="685800"/>
+                <a:gridCol w="685800"/>
+              </a:tblGrid>
+              <a:tr h="228600">
+                <a:tc>
+                  <a:txBody>
+                    <a:bodyPr/>
+                    <a:lstStyle/>
+                    <a:p>
+                      <a:pPr algn="r" marL="63500" marR="63500">
+                        <a:lnSpc>
+                          <a:spcPct val="100000"/>
+                        </a:lnSpc>
+                        <a:spcBef>
+                          <a:spcPts val="500"/>
+                        </a:spcBef>
+                        <a:spcAft>
+                          <a:spcPts val="500"/>
+                        </a:spcAft>
+                        <a:buNone/>
+                      </a:pPr>
+                      <a:r>
+                        <a:rPr cap="none" sz="1100" i="0" b="0" u="none">
+                          <a:solidFill>
+                            <a:srgbClr val="000000">
+                              <a:alpha val="100000"/>
+                            </a:srgbClr>
+                          </a:solidFill>
+                          <a:latin typeface="Arial"/>
+                          <a:cs typeface="Arial"/>
+                          <a:ea typeface="Arial"/>
+                          <a:sym typeface="Arial"/>
+                        </a:rPr>
+                        <a:t>speed</a:t>
+                      </a:r>
+                    </a:p>
+                  </a:txBody>
+                  <a:tcPr anchor="ctr" marB="63500" marT="63500" marR="0" marL="0">
+                    <a:lnL algn="ctr" cmpd="sng" cap="flat" w="0">
+                      <a:noFill/>
+                      <a:prstDash val="solid"/>
+                    </a:lnL>
+                    <a:lnR algn="ctr" cmpd="sng" cap="flat" w="0">
+                      <a:noFill/>
+                      <a:prstDash val="solid"/>
+                    </a:lnR>
+                    <a:lnT algn="ctr" cmpd="sng" cap="flat" w="25400">
+                      <a:solidFill>
+                        <a:srgbClr val="666666">
+                          <a:alpha val="100000"/>
+                        </a:srgbClr>
+                      </a:solidFill>
+                      <a:prstDash val="solid"/>
+                    </a:lnT>
+                    <a:lnB algn="ctr" cmpd="sng" cap="flat" w="25400">
+                      <a:solidFill>
+                        <a:srgbClr val="666666">
+                          <a:alpha val="100000"/>
+                        </a:srgbClr>
+                      </a:solidFill>
+                      <a:prstDash val="solid"/>
+                    </a:lnB>
+                    <a:solidFill>
+                      <a:srgbClr val="FFFFFF">
+                        <a:alpha val="0"/>
+                      </a:srgbClr>
+                    </a:solidFill>
+                  </a:tcPr>
+                </a:tc>
+                <a:tc>
+                  <a:txBody>
+                    <a:bodyPr/>
+                    <a:lstStyle/>
+                    <a:p>
+                      <a:pPr algn="r" marL="63500" marR="63500">
+                        <a:lnSpc>
+                          <a:spcPct val="100000"/>
+                        </a:lnSpc>
+                        <a:spcBef>
+                          <a:spcPts val="500"/>
+                        </a:spcBef>
+                        <a:spcAft>
+                          <a:spcPts val="500"/>
+                        </a:spcAft>
+                        <a:buNone/>
+                      </a:pPr>
+                      <a:r>
+                        <a:rPr cap="none" sz="1100" i="0" b="0" u="none">
+                          <a:solidFill>
+                            <a:srgbClr val="000000">
+                              <a:alpha val="100000"/>
+                            </a:srgbClr>
+                          </a:solidFill>
+                          <a:latin typeface="Arial"/>
+                          <a:cs typeface="Arial"/>
+                          <a:ea typeface="Arial"/>
+                          <a:sym typeface="Arial"/>
+                        </a:rPr>
+                        <a:t>dist</a:t>
+                      </a:r>
+                    </a:p>
+                  </a:txBody>
+                  <a:tcPr anchor="ctr" marB="63500" marT="63500" marR="0" marL="0">
+                    <a:lnL algn="ctr" cmpd="sng" cap="flat" w="0">
+                      <a:noFill/>
+                      <a:prstDash val="solid"/>
+                    </a:lnL>
+                    <a:lnR algn="ctr" cmpd="sng" cap="flat" w="0">
+                      <a:noFill/>
+                      <a:prstDash val="solid"/>
+                    </a:lnR>
+                    <a:lnT algn="ctr" cmpd="sng" cap="flat" w="25400">
+                      <a:solidFill>
+                        <a:srgbClr val="666666">
+                          <a:alpha val="100000"/>
+                        </a:srgbClr>
+                      </a:solidFill>
+                      <a:prstDash val="solid"/>
+                    </a:lnT>
+                    <a:lnB algn="ctr" cmpd="sng" cap="flat" w="25400">
+                      <a:solidFill>
+                        <a:srgbClr val="666666">
+                          <a:alpha val="100000"/>
+                        </a:srgbClr>
+                      </a:solidFill>
+                      <a:prstDash val="solid"/>
+                    </a:lnB>
+                    <a:solidFill>
+                      <a:srgbClr val="FFFFFF">
+                        <a:alpha val="0"/>
+                      </a:srgbClr>
+                    </a:solidFill>
+                  </a:tcPr>
+                </a:tc>
+              </a:tr>
+              <a:tr h="228600">
+                <a:tc>
+                  <a:txBody>
+                    <a:bodyPr/>
+                    <a:lstStyle/>
+                    <a:p>
+                      <a:pPr algn="r" marL="63500" marR="63500">
+                        <a:lnSpc>
+                          <a:spcPct val="100000"/>
+                        </a:lnSpc>
+                        <a:spcBef>
+                          <a:spcPts val="500"/>
+                        </a:spcBef>
+                        <a:spcAft>
+                          <a:spcPts val="500"/>
+                        </a:spcAft>
+                        <a:buNone/>
+                      </a:pPr>
+                      <a:r>
+                        <a:rPr cap="none" sz="1100" i="0" b="0" u="none">
+                          <a:solidFill>
+                            <a:srgbClr val="000000">
+                              <a:alpha val="100000"/>
+                            </a:srgbClr>
+                          </a:solidFill>
+                          <a:latin typeface="Arial"/>
+                          <a:cs typeface="Arial"/>
+                          <a:ea typeface="Arial"/>
+                          <a:sym typeface="Arial"/>
+                        </a:rPr>
+                        <a:t>4</a:t>
+                      </a:r>
+                    </a:p>
+                  </a:txBody>
+                  <a:tcPr anchor="ctr" marB="63500" marT="63500" marR="0" marL="0">
+                    <a:lnL algn="ctr" cmpd="sng" cap="flat" w="0">
+                      <a:noFill/>
+                      <a:prstDash val="solid"/>
+                    </a:lnL>
+                    <a:lnR algn="ctr" cmpd="sng" cap="flat" w="0">
+                      <a:noFill/>
+                      <a:prstDash val="solid"/>
+                    </a:lnR>
+                    <a:lnT algn="ctr" cmpd="sng" cap="flat" w="0">
+                      <a:noFill/>
+                      <a:prstDash val="solid"/>
+                    </a:lnT>
+                    <a:lnB algn="ctr" cmpd="sng" cap="flat" w="0">
+                      <a:noFill/>
+                      <a:prstDash val="solid"/>
+                    </a:lnB>
+                    <a:solidFill>
+                      <a:srgbClr val="FFFFFF">
+                        <a:alpha val="0"/>
+                      </a:srgbClr>
+                    </a:solidFill>
+                  </a:tcPr>
+                </a:tc>
+                <a:tc>
+                  <a:txBody>
+                    <a:bodyPr/>
+                    <a:lstStyle/>
+                    <a:p>
+                      <a:pPr algn="r" marL="63500" marR="63500">
+                        <a:lnSpc>
+                          <a:spcPct val="100000"/>
+                        </a:lnSpc>
+                        <a:spcBef>
+                          <a:spcPts val="500"/>
+                        </a:spcBef>
+                        <a:spcAft>
+                          <a:spcPts val="500"/>
+                        </a:spcAft>
+                        <a:buNone/>
+                      </a:pPr>
+                      <a:r>
+                        <a:rPr cap="none" sz="1100" i="0" b="0" u="none">
+                          <a:solidFill>
+                            <a:srgbClr val="000000">
+                              <a:alpha val="100000"/>
+                            </a:srgbClr>
+                          </a:solidFill>
+                          <a:latin typeface="Arial"/>
+                          <a:cs typeface="Arial"/>
+                          <a:ea typeface="Arial"/>
+                          <a:sym typeface="Arial"/>
+                        </a:rPr>
+                        <a:t>2</a:t>
+                      </a:r>
+                    </a:p>
+                  </a:txBody>
+                  <a:tcPr anchor="ctr" marB="63500" marT="63500" marR="0" marL="0">
+                    <a:lnL algn="ctr" cmpd="sng" cap="flat" w="0">
+                      <a:noFill/>
+                      <a:prstDash val="solid"/>
+                    </a:lnL>
+                    <a:lnR algn="ctr" cmpd="sng" cap="flat" w="0">
+                      <a:noFill/>
+                      <a:prstDash val="solid"/>
+                    </a:lnR>
+                    <a:lnT algn="ctr" cmpd="sng" cap="flat" w="0">
+                      <a:noFill/>
+                      <a:prstDash val="solid"/>
+                    </a:lnT>
+                    <a:lnB algn="ctr" cmpd="sng" cap="flat" w="0">
+                      <a:noFill/>
+                      <a:prstDash val="solid"/>
+                    </a:lnB>
+                    <a:solidFill>
+                      <a:srgbClr val="FFFFFF">
+                        <a:alpha val="0"/>
+                      </a:srgbClr>
+                    </a:solidFill>
+                  </a:tcPr>
+                </a:tc>
+              </a:tr>
+              <a:tr h="228600">
+                <a:tc>
+                  <a:txBody>
+                    <a:bodyPr/>
+                    <a:lstStyle/>
+                    <a:p>
+                      <a:pPr algn="r" marL="63500" marR="63500">
+                        <a:lnSpc>
+                          <a:spcPct val="100000"/>
+                        </a:lnSpc>
+                        <a:spcBef>
+                          <a:spcPts val="500"/>
+                        </a:spcBef>
+                        <a:spcAft>
+                          <a:spcPts val="500"/>
+                        </a:spcAft>
+                        <a:buNone/>
+                      </a:pPr>
+                      <a:r>
+                        <a:rPr cap="none" sz="1100" i="0" b="0" u="none">
+                          <a:solidFill>
+                            <a:srgbClr val="000000">
+                              <a:alpha val="100000"/>
+                            </a:srgbClr>
+                          </a:solidFill>
+                          <a:latin typeface="Arial"/>
+                          <a:cs typeface="Arial"/>
+                          <a:ea typeface="Arial"/>
+                          <a:sym typeface="Arial"/>
+                        </a:rPr>
+                        <a:t>4</a:t>
+                      </a:r>
+                    </a:p>
+                  </a:txBody>
+                  <a:tcPr anchor="ctr" marB="63500" marT="63500" marR="0" marL="0">
+                    <a:lnL algn="ctr" cmpd="sng" cap="flat" w="0">
+                      <a:noFill/>
+                      <a:prstDash val="solid"/>
+                    </a:lnL>
+                    <a:lnR algn="ctr" cmpd="sng" cap="flat" w="0">
+                      <a:noFill/>
+                      <a:prstDash val="solid"/>
+                    </a:lnR>
+                    <a:lnT algn="ctr" cmpd="sng" cap="flat" w="0">
+                      <a:noFill/>
+                      <a:prstDash val="solid"/>
+                    </a:lnT>
+                    <a:lnB algn="ctr" cmpd="sng" cap="flat" w="0">
+                      <a:noFill/>
+                      <a:prstDash val="solid"/>
+                    </a:lnB>
+                    <a:solidFill>
+                      <a:srgbClr val="FFFFFF">
+                        <a:alpha val="0"/>
+                      </a:srgbClr>
+                    </a:solidFill>
+                  </a:tcPr>
+                </a:tc>
+                <a:tc>
+                  <a:txBody>
+                    <a:bodyPr/>
+                    <a:lstStyle/>
+                    <a:p>
+                      <a:pPr algn="r" marL="63500" marR="63500">
+                        <a:lnSpc>
+                          <a:spcPct val="100000"/>
+                        </a:lnSpc>
+                        <a:spcBef>
+                          <a:spcPts val="500"/>
+                        </a:spcBef>
+                        <a:spcAft>
+                          <a:spcPts val="500"/>
+                        </a:spcAft>
+                        <a:buNone/>
+                      </a:pPr>
+                      <a:r>
+                        <a:rPr cap="none" sz="1100" i="0" b="0" u="none">
+                          <a:solidFill>
+                            <a:srgbClr val="000000">
+                              <a:alpha val="100000"/>
+                            </a:srgbClr>
+                          </a:solidFill>
+                          <a:latin typeface="Arial"/>
+                          <a:cs typeface="Arial"/>
+                          <a:ea typeface="Arial"/>
+                          <a:sym typeface="Arial"/>
+                        </a:rPr>
+                        <a:t>10</a:t>
+                      </a:r>
+                    </a:p>
+                  </a:txBody>
+                  <a:tcPr anchor="ctr" marB="63500" marT="63500" marR="0" marL="0">
+                    <a:lnL algn="ctr" cmpd="sng" cap="flat" w="0">
+                      <a:noFill/>
+                      <a:prstDash val="solid"/>
+                    </a:lnL>
+                    <a:lnR algn="ctr" cmpd="sng" cap="flat" w="0">
+                      <a:noFill/>
+                      <a:prstDash val="solid"/>
+                    </a:lnR>
+                    <a:lnT algn="ctr" cmpd="sng" cap="flat" w="0">
+                      <a:noFill/>
+                      <a:prstDash val="solid"/>
+                    </a:lnT>
+                    <a:lnB algn="ctr" cmpd="sng" cap="flat" w="0">
+                      <a:noFill/>
+                      <a:prstDash val="solid"/>
+                    </a:lnB>
+                    <a:solidFill>
+                      <a:srgbClr val="FFFFFF">
+                        <a:alpha val="0"/>
+                      </a:srgbClr>
+                    </a:solidFill>
+                  </a:tcPr>
+                </a:tc>
+              </a:tr>
+              <a:tr h="228600">
+                <a:tc>
+                  <a:txBody>
+                    <a:bodyPr/>
+                    <a:lstStyle/>
+                    <a:p>
+                      <a:pPr algn="r" marL="63500" marR="63500">
+                        <a:lnSpc>
+                          <a:spcPct val="100000"/>
+                        </a:lnSpc>
+                        <a:spcBef>
+                          <a:spcPts val="500"/>
+                        </a:spcBef>
+                        <a:spcAft>
+                          <a:spcPts val="500"/>
+                        </a:spcAft>
+                        <a:buNone/>
+                      </a:pPr>
+                      <a:r>
+                        <a:rPr cap="none" sz="1100" i="0" b="0" u="none">
+                          <a:solidFill>
+                            <a:srgbClr val="000000">
+                              <a:alpha val="100000"/>
+                            </a:srgbClr>
+                          </a:solidFill>
+                          <a:latin typeface="Arial"/>
+                          <a:cs typeface="Arial"/>
+                          <a:ea typeface="Arial"/>
+                          <a:sym typeface="Arial"/>
+                        </a:rPr>
+                        <a:t>7</a:t>
+                      </a:r>
+                    </a:p>
+                  </a:txBody>
+                  <a:tcPr anchor="ctr" marB="63500" marT="63500" marR="0" marL="0">
+                    <a:lnL algn="ctr" cmpd="sng" cap="flat" w="0">
+                      <a:noFill/>
+                      <a:prstDash val="solid"/>
+                    </a:lnL>
+                    <a:lnR algn="ctr" cmpd="sng" cap="flat" w="0">
+                      <a:noFill/>
+                      <a:prstDash val="solid"/>
+                    </a:lnR>
+                    <a:lnT algn="ctr" cmpd="sng" cap="flat" w="0">
+                      <a:noFill/>
+                      <a:prstDash val="solid"/>
+                    </a:lnT>
+                    <a:lnB algn="ctr" cmpd="sng" cap="flat" w="0">
+                      <a:noFill/>
+                      <a:prstDash val="solid"/>
+                    </a:lnB>
+                    <a:solidFill>
+                      <a:srgbClr val="FFFFFF">
+                        <a:alpha val="0"/>
+                      </a:srgbClr>
+                    </a:solidFill>
+                  </a:tcPr>
+                </a:tc>
+                <a:tc>
+                  <a:txBody>
+                    <a:bodyPr/>
+                    <a:lstStyle/>
+                    <a:p>
+                      <a:pPr algn="r" marL="63500" marR="63500">
+                        <a:lnSpc>
+                          <a:spcPct val="100000"/>
+                        </a:lnSpc>
+                        <a:spcBef>
+                          <a:spcPts val="500"/>
+                        </a:spcBef>
+                        <a:spcAft>
+                          <a:spcPts val="500"/>
+                        </a:spcAft>
+                        <a:buNone/>
+                      </a:pPr>
+                      <a:r>
+                        <a:rPr cap="none" sz="1100" i="0" b="0" u="none">
+                          <a:solidFill>
+                            <a:srgbClr val="000000">
+                              <a:alpha val="100000"/>
+                            </a:srgbClr>
+                          </a:solidFill>
+                          <a:latin typeface="Arial"/>
+                          <a:cs typeface="Arial"/>
+                          <a:ea typeface="Arial"/>
+                          <a:sym typeface="Arial"/>
+                        </a:rPr>
+                        <a:t>4</a:t>
+                      </a:r>
+                    </a:p>
+                  </a:txBody>
+                  <a:tcPr anchor="ctr" marB="63500" marT="63500" marR="0" marL="0">
+                    <a:lnL algn="ctr" cmpd="sng" cap="flat" w="0">
+                      <a:noFill/>
+                      <a:prstDash val="solid"/>
+                    </a:lnL>
+                    <a:lnR algn="ctr" cmpd="sng" cap="flat" w="0">
+                      <a:noFill/>
+                      <a:prstDash val="solid"/>
+                    </a:lnR>
+                    <a:lnT algn="ctr" cmpd="sng" cap="flat" w="0">
+                      <a:noFill/>
+                      <a:prstDash val="solid"/>
+                    </a:lnT>
+                    <a:lnB algn="ctr" cmpd="sng" cap="flat" w="0">
+                      <a:noFill/>
+                      <a:prstDash val="solid"/>
+                    </a:lnB>
+                    <a:solidFill>
+                      <a:srgbClr val="FFFFFF">
+                        <a:alpha val="0"/>
+                      </a:srgbClr>
+                    </a:solidFill>
+                  </a:tcPr>
+                </a:tc>
+              </a:tr>
+              <a:tr h="228600">
+                <a:tc>
+                  <a:txBody>
+                    <a:bodyPr/>
+                    <a:lstStyle/>
+                    <a:p>
+                      <a:pPr algn="r" marL="63500" marR="63500">
+                        <a:lnSpc>
+                          <a:spcPct val="100000"/>
+                        </a:lnSpc>
+                        <a:spcBef>
+                          <a:spcPts val="500"/>
+                        </a:spcBef>
+                        <a:spcAft>
+                          <a:spcPts val="500"/>
+                        </a:spcAft>
+                        <a:buNone/>
+                      </a:pPr>
+                      <a:r>
+                        <a:rPr cap="none" sz="1100" i="0" b="0" u="none">
+                          <a:solidFill>
+                            <a:srgbClr val="000000">
+                              <a:alpha val="100000"/>
+                            </a:srgbClr>
+                          </a:solidFill>
+                          <a:latin typeface="Arial"/>
+                          <a:cs typeface="Arial"/>
+                          <a:ea typeface="Arial"/>
+                          <a:sym typeface="Arial"/>
+                        </a:rPr>
+                        <a:t>7</a:t>
+                      </a:r>
+                    </a:p>
+                  </a:txBody>
+                  <a:tcPr anchor="ctr" marB="63500" marT="63500" marR="0" marL="0">
+                    <a:lnL algn="ctr" cmpd="sng" cap="flat" w="0">
+                      <a:noFill/>
+                      <a:prstDash val="solid"/>
+                    </a:lnL>
+                    <a:lnR algn="ctr" cmpd="sng" cap="flat" w="0">
+                      <a:noFill/>
+                      <a:prstDash val="solid"/>
+                    </a:lnR>
+                    <a:lnT algn="ctr" cmpd="sng" cap="flat" w="0">
+                      <a:noFill/>
+                      <a:prstDash val="solid"/>
+                    </a:lnT>
+                    <a:lnB algn="ctr" cmpd="sng" cap="flat" w="0">
+                      <a:noFill/>
+                      <a:prstDash val="solid"/>
+                    </a:lnB>
+                    <a:solidFill>
+                      <a:srgbClr val="FFFFFF">
+                        <a:alpha val="0"/>
+                      </a:srgbClr>
+                    </a:solidFill>
+                  </a:tcPr>
+                </a:tc>
+                <a:tc>
+                  <a:txBody>
+                    <a:bodyPr/>
+                    <a:lstStyle/>
+                    <a:p>
+                      <a:pPr algn="r" marL="63500" marR="63500">
+                        <a:lnSpc>
+                          <a:spcPct val="100000"/>
+                        </a:lnSpc>
+                        <a:spcBef>
+                          <a:spcPts val="500"/>
+                        </a:spcBef>
+                        <a:spcAft>
+                          <a:spcPts val="500"/>
+                        </a:spcAft>
+                        <a:buNone/>
+                      </a:pPr>
+                      <a:r>
+                        <a:rPr cap="none" sz="1100" i="0" b="0" u="none">
+                          <a:solidFill>
+                            <a:srgbClr val="000000">
+                              <a:alpha val="100000"/>
+                            </a:srgbClr>
+                          </a:solidFill>
+                          <a:latin typeface="Arial"/>
+                          <a:cs typeface="Arial"/>
+                          <a:ea typeface="Arial"/>
+                          <a:sym typeface="Arial"/>
+                        </a:rPr>
+                        <a:t>22</a:t>
+                      </a:r>
+                    </a:p>
+                  </a:txBody>
+                  <a:tcPr anchor="ctr" marB="63500" marT="63500" marR="0" marL="0">
+                    <a:lnL algn="ctr" cmpd="sng" cap="flat" w="0">
+                      <a:noFill/>
+                      <a:prstDash val="solid"/>
+                    </a:lnL>
+                    <a:lnR algn="ctr" cmpd="sng" cap="flat" w="0">
+                      <a:noFill/>
+                      <a:prstDash val="solid"/>
+                    </a:lnR>
+                    <a:lnT algn="ctr" cmpd="sng" cap="flat" w="0">
+                      <a:noFill/>
+                      <a:prstDash val="solid"/>
+                    </a:lnT>
+                    <a:lnB algn="ctr" cmpd="sng" cap="flat" w="0">
+                      <a:noFill/>
+                      <a:prstDash val="solid"/>
+                    </a:lnB>
+                    <a:solidFill>
+                      <a:srgbClr val="FFFFFF">
+                        <a:alpha val="0"/>
+                      </a:srgbClr>
+                    </a:solidFill>
+                  </a:tcPr>
+                </a:tc>
+              </a:tr>
+              <a:tr h="228600">
+                <a:tc>
+                  <a:txBody>
+                    <a:bodyPr/>
+                    <a:lstStyle/>
+                    <a:p>
+                      <a:pPr algn="r" marL="63500" marR="63500">
+                        <a:lnSpc>
+                          <a:spcPct val="100000"/>
+                        </a:lnSpc>
+                        <a:spcBef>
+                          <a:spcPts val="500"/>
+                        </a:spcBef>
+                        <a:spcAft>
+                          <a:spcPts val="500"/>
+                        </a:spcAft>
+                        <a:buNone/>
+                      </a:pPr>
+                      <a:r>
+                        <a:rPr cap="none" sz="1100" i="0" b="0" u="none">
+                          <a:solidFill>
+                            <a:srgbClr val="000000">
+                              <a:alpha val="100000"/>
+                            </a:srgbClr>
+                          </a:solidFill>
+                          <a:latin typeface="Arial"/>
+                          <a:cs typeface="Arial"/>
+                          <a:ea typeface="Arial"/>
+                          <a:sym typeface="Arial"/>
+                        </a:rPr>
+                        <a:t>8</a:t>
+                      </a:r>
+                    </a:p>
+                  </a:txBody>
+                  <a:tcPr anchor="ctr" marB="63500" marT="63500" marR="0" marL="0">
+                    <a:lnL algn="ctr" cmpd="sng" cap="flat" w="0">
+                      <a:noFill/>
+                      <a:prstDash val="solid"/>
+                    </a:lnL>
+                    <a:lnR algn="ctr" cmpd="sng" cap="flat" w="0">
+                      <a:noFill/>
+                      <a:prstDash val="solid"/>
+                    </a:lnR>
+                    <a:lnT algn="ctr" cmpd="sng" cap="flat" w="0">
+                      <a:noFill/>
+                      <a:prstDash val="solid"/>
+                    </a:lnT>
+                    <a:lnB algn="ctr" cmpd="sng" cap="flat" w="0">
+                      <a:noFill/>
+                      <a:prstDash val="solid"/>
+                    </a:lnB>
+                    <a:solidFill>
+                      <a:srgbClr val="FFFFFF">
+                        <a:alpha val="0"/>
+                      </a:srgbClr>
+                    </a:solidFill>
+                  </a:tcPr>
+                </a:tc>
+                <a:tc>
+                  <a:txBody>
+                    <a:bodyPr/>
+                    <a:lstStyle/>
+                    <a:p>
+                      <a:pPr algn="r" marL="63500" marR="63500">
+                        <a:lnSpc>
+                          <a:spcPct val="100000"/>
+                        </a:lnSpc>
+                        <a:spcBef>
+                          <a:spcPts val="500"/>
+                        </a:spcBef>
+                        <a:spcAft>
+                          <a:spcPts val="500"/>
+                        </a:spcAft>
+                        <a:buNone/>
+                      </a:pPr>
+                      <a:r>
+                        <a:rPr cap="none" sz="1100" i="0" b="0" u="none">
+                          <a:solidFill>
+                            <a:srgbClr val="000000">
+                              <a:alpha val="100000"/>
+                            </a:srgbClr>
+                          </a:solidFill>
+                          <a:latin typeface="Arial"/>
+                          <a:cs typeface="Arial"/>
+                          <a:ea typeface="Arial"/>
+                          <a:sym typeface="Arial"/>
+                        </a:rPr>
+                        <a:t>16</a:t>
+                      </a:r>
+                    </a:p>
+                  </a:txBody>
+                  <a:tcPr anchor="ctr" marB="63500" marT="63500" marR="0" marL="0">
+                    <a:lnL algn="ctr" cmpd="sng" cap="flat" w="0">
+                      <a:noFill/>
+                      <a:prstDash val="solid"/>
+                    </a:lnL>
+                    <a:lnR algn="ctr" cmpd="sng" cap="flat" w="0">
+                      <a:noFill/>
+                      <a:prstDash val="solid"/>
+                    </a:lnR>
+                    <a:lnT algn="ctr" cmpd="sng" cap="flat" w="0">
+                      <a:noFill/>
+                      <a:prstDash val="solid"/>
+                    </a:lnT>
+                    <a:lnB algn="ctr" cmpd="sng" cap="flat" w="0">
+                      <a:noFill/>
+                      <a:prstDash val="solid"/>
+                    </a:lnB>
+                    <a:solidFill>
+                      <a:srgbClr val="FFFFFF">
+                        <a:alpha val="0"/>
+                      </a:srgbClr>
+                    </a:solidFill>
+                  </a:tcPr>
+                </a:tc>
+              </a:tr>
+              <a:tr h="228600">
+                <a:tc>
+                  <a:txBody>
+                    <a:bodyPr/>
+                    <a:lstStyle/>
+                    <a:p>
+                      <a:pPr algn="r" marL="63500" marR="63500">
+                        <a:lnSpc>
+                          <a:spcPct val="100000"/>
+                        </a:lnSpc>
+                        <a:spcBef>
+                          <a:spcPts val="500"/>
+                        </a:spcBef>
+                        <a:spcAft>
+                          <a:spcPts val="500"/>
+                        </a:spcAft>
+                        <a:buNone/>
+                      </a:pPr>
+                      <a:r>
+                        <a:rPr cap="none" sz="1100" i="0" b="0" u="none">
+                          <a:solidFill>
+                            <a:srgbClr val="000000">
+                              <a:alpha val="100000"/>
+                            </a:srgbClr>
+                          </a:solidFill>
+                          <a:latin typeface="Arial"/>
+                          <a:cs typeface="Arial"/>
+                          <a:ea typeface="Arial"/>
+                          <a:sym typeface="Arial"/>
+                        </a:rPr>
+                        <a:t>9</a:t>
+                      </a:r>
+                    </a:p>
+                  </a:txBody>
+                  <a:tcPr anchor="ctr" marB="63500" marT="63500" marR="0" marL="0">
+                    <a:lnL algn="ctr" cmpd="sng" cap="flat" w="0">
+                      <a:noFill/>
+                      <a:prstDash val="solid"/>
+                    </a:lnL>
+                    <a:lnR algn="ctr" cmpd="sng" cap="flat" w="0">
+                      <a:noFill/>
+                      <a:prstDash val="solid"/>
+                    </a:lnR>
+                    <a:lnT algn="ctr" cmpd="sng" cap="flat" w="0">
+                      <a:noFill/>
+                      <a:prstDash val="solid"/>
+                    </a:lnT>
+                    <a:lnB algn="ctr" cmpd="sng" cap="flat" w="25400">
+                      <a:solidFill>
+                        <a:srgbClr val="666666">
+                          <a:alpha val="100000"/>
+                        </a:srgbClr>
+                      </a:solidFill>
+                      <a:prstDash val="solid"/>
+                    </a:lnB>
+                    <a:solidFill>
+                      <a:srgbClr val="FFFFFF">
+                        <a:alpha val="0"/>
+                      </a:srgbClr>
+                    </a:solidFill>
+                  </a:tcPr>
+                </a:tc>
+                <a:tc>
+                  <a:txBody>
+                    <a:bodyPr/>
+                    <a:lstStyle/>
+                    <a:p>
+                      <a:pPr algn="r" marL="63500" marR="63500">
+                        <a:lnSpc>
+                          <a:spcPct val="100000"/>
+                        </a:lnSpc>
+                        <a:spcBef>
+                          <a:spcPts val="500"/>
+                        </a:spcBef>
+                        <a:spcAft>
+                          <a:spcPts val="500"/>
+                        </a:spcAft>
+                        <a:buNone/>
+                      </a:pPr>
+                      <a:r>
+                        <a:rPr cap="none" sz="1100" i="0" b="0" u="none">
+                          <a:solidFill>
+                            <a:srgbClr val="000000">
+                              <a:alpha val="100000"/>
+                            </a:srgbClr>
+                          </a:solidFill>
+                          <a:latin typeface="Arial"/>
+                          <a:cs typeface="Arial"/>
+                          <a:ea typeface="Arial"/>
+                          <a:sym typeface="Arial"/>
+                        </a:rPr>
+                        <a:t>10</a:t>
+                      </a:r>
+                    </a:p>
+                  </a:txBody>
+                  <a:tcPr anchor="ctr" marB="63500" marT="63500" marR="0" marL="0">
+                    <a:lnL algn="ctr" cmpd="sng" cap="flat" w="0">
+                      <a:noFill/>
+                      <a:prstDash val="solid"/>
+                    </a:lnL>
+                    <a:lnR algn="ctr" cmpd="sng" cap="flat" w="0">
+                      <a:noFill/>
+                      <a:prstDash val="solid"/>
+                    </a:lnR>
+                    <a:lnT algn="ctr" cmpd="sng" cap="flat" w="0">
+                      <a:noFill/>
+                      <a:prstDash val="solid"/>
+                    </a:lnT>
+                    <a:lnB algn="ctr" cmpd="sng" cap="flat" w="25400">
+                      <a:solidFill>
+                        <a:srgbClr val="666666">
+                          <a:alpha val="100000"/>
+                        </a:srgbClr>
+                      </a:solidFill>
+                      <a:prstDash val="solid"/>
+                    </a:lnB>
+                    <a:solidFill>
+                      <a:srgbClr val="FFFFFF">
+                        <a:alpha val="0"/>
+                      </a:srgbClr>
+                    </a:solidFill>
+                  </a:tcPr>
+                </a:tc>
+              </a:tr>
+            </a:tbl>
+          </a:graphicData>
+        </a:graphic>
+      </p:graphicFrame>
+    </p:spTree>
+  </p:cSld>
+</p:sld>
+</file>
+
+<file path=ppt/slides/slide5.xml><?xml version="1.0" encoding="utf-8"?>
+<p:sld xmlns:a="http://schemas.openxmlformats.org/drawingml/2006/main" xmlns:r="http://schemas.openxmlformats.org/officeDocument/2006/relationships" xmlns:p="http://schemas.openxmlformats.org/presentationml/2006/main">
+  <p:cSld>
+    <p:spTree>
+      <p:nvGrpSpPr>
+        <p:cNvPr id="1" name=""/>
+        <p:cNvGrpSpPr/>
+        <p:nvPr/>
+      </p:nvGrpSpPr>
+      <p:grpSpPr>
+        <a:xfrm>
+          <a:off x="0" y="0"/>
+          <a:ext cx="0" cy="0"/>
+          <a:chOff x="0" y="0"/>
+          <a:chExt cx="0" cy="0"/>
+        </a:xfrm>
+      </p:grpSpPr>
+      <p:sp>
+        <p:nvSpPr>
+          <p:cNvPr id="2" name="Title 1"/>
+          <p:cNvSpPr>
+            <a:spLocks noGrp="1"/>
+          </p:cNvSpPr>
+          <p:nvPr>
+            <p:ph type="title"/>
+          </p:nvPr>
+        </p:nvSpPr>
+        <p:spPr/>
+        <p:txBody>
+          <a:bodyPr/>
+          <a:lstStyle/>
+          <a:p>
+            <a:pPr lvl="0" indent="0" marL="0">
+              <a:buNone/>
+            </a:pPr>
+            <a:r>
+              <a:rPr/>
+              <a:t>Test 4</a:t>
+            </a:r>
+          </a:p>
+        </p:txBody>
+      </p:sp>
+      <p:sp>
+        <p:nvSpPr>
+          <p:cNvPr id="3" name="Content Placeholder 2"/>
+          <p:cNvSpPr>
+            <a:spLocks noGrp="1"/>
+          </p:cNvSpPr>
+          <p:nvPr>
+            <p:ph idx="1"/>
+          </p:nvPr>
+        </p:nvSpPr>
+        <p:spPr/>
+        <p:txBody>
+          <a:bodyPr/>
+          <a:lstStyle/>
+          <a:p>
+            <a:pPr lvl="0" indent="0" marL="0">
+              <a:buNone/>
+            </a:pPr>
+            <a:r>
+              <a:rPr/>
+              <a:t>some text here - some - text</a:t>
+            </a:r>
+          </a:p>
+        </p:txBody>
+      </p:sp>
+      <p:graphicFrame>
+        <p:nvGraphicFramePr>
+          <p:cNvPr id="203787932" name=""/>
+          <p:cNvGraphicFramePr>
+            <a:graphicFrameLocks noGrp="true"/>
+          </p:cNvGraphicFramePr>
+          <p:nvPr/>
+        </p:nvGraphicFramePr>
+        <p:xfrm rot="0">
+          <a:off x="914400" y="1828800"/>
+          <a:ext cx="9144000" cy="5486400"/>
+        </p:xfrm>
+        <a:graphic>
+          <a:graphicData uri="http://schemas.openxmlformats.org/drawingml/2006/table">
+            <a:tbl>
+              <a:tblPr/>
+              <a:tblGrid>
+                <a:gridCol w="685800"/>
+                <a:gridCol w="685800"/>
+                <a:gridCol w="685800"/>
+                <a:gridCol w="685800"/>
+                <a:gridCol w="685800"/>
+                <a:gridCol w="685800"/>
+              </a:tblGrid>
+              <a:tr h="228600">
+                <a:tc>
+                  <a:txBody>
+                    <a:bodyPr/>
+                    <a:lstStyle/>
+                    <a:p>
+                      <a:pPr algn="r" marL="63500" marR="63500">
+                        <a:lnSpc>
+                          <a:spcPct val="100000"/>
+                        </a:lnSpc>
+                        <a:spcBef>
+                          <a:spcPts val="500"/>
+                        </a:spcBef>
+                        <a:spcAft>
+                          <a:spcPts val="500"/>
+                        </a:spcAft>
+                        <a:buNone/>
+                      </a:pPr>
+                      <a:r>
+                        <a:rPr cap="none" sz="1100" i="0" b="0" u="none">
+                          <a:solidFill>
+                            <a:srgbClr val="000000">
+                              <a:alpha val="100000"/>
+                            </a:srgbClr>
+                          </a:solidFill>
+                          <a:latin typeface="Arial"/>
+                          <a:cs typeface="Arial"/>
+                          <a:ea typeface="Arial"/>
+                          <a:sym typeface="Arial"/>
+                        </a:rPr>
+                        <a:t>Ozone</a:t>
+                      </a:r>
+                    </a:p>
+                  </a:txBody>
+                  <a:tcPr anchor="ctr" marB="63500" marT="63500" marR="0" marL="0">
+                    <a:lnL algn="ctr" cmpd="sng" cap="flat" w="0">
+                      <a:noFill/>
+                      <a:prstDash val="solid"/>
+                    </a:lnL>
+                    <a:lnR algn="ctr" cmpd="sng" cap="flat" w="0">
+                      <a:noFill/>
+                      <a:prstDash val="solid"/>
+                    </a:lnR>
+                    <a:lnT algn="ctr" cmpd="sng" cap="flat" w="25400">
+                      <a:solidFill>
+                        <a:srgbClr val="666666">
+                          <a:alpha val="100000"/>
+                        </a:srgbClr>
+                      </a:solidFill>
+                      <a:prstDash val="solid"/>
+                    </a:lnT>
+                    <a:lnB algn="ctr" cmpd="sng" cap="flat" w="25400">
+                      <a:solidFill>
+                        <a:srgbClr val="666666">
+                          <a:alpha val="100000"/>
+                        </a:srgbClr>
+                      </a:solidFill>
+                      <a:prstDash val="solid"/>
+                    </a:lnB>
+                    <a:solidFill>
+                      <a:srgbClr val="FFFFFF">
+                        <a:alpha val="0"/>
+                      </a:srgbClr>
+                    </a:solidFill>
+                  </a:tcPr>
+                </a:tc>
+                <a:tc>
+                  <a:txBody>
+                    <a:bodyPr/>
+                    <a:lstStyle/>
+                    <a:p>
+                      <a:pPr algn="r" marL="63500" marR="63500">
+                        <a:lnSpc>
+                          <a:spcPct val="100000"/>
+                        </a:lnSpc>
+                        <a:spcBef>
+                          <a:spcPts val="500"/>
+                        </a:spcBef>
+                        <a:spcAft>
+                          <a:spcPts val="500"/>
+                        </a:spcAft>
+                        <a:buNone/>
+                      </a:pPr>
+                      <a:r>
+                        <a:rPr cap="none" sz="1100" i="0" b="0" u="none">
+                          <a:solidFill>
+                            <a:srgbClr val="000000">
+                              <a:alpha val="100000"/>
+                            </a:srgbClr>
+                          </a:solidFill>
+                          <a:latin typeface="Arial"/>
+                          <a:cs typeface="Arial"/>
+                          <a:ea typeface="Arial"/>
+                          <a:sym typeface="Arial"/>
+                        </a:rPr>
+                        <a:t>Solar.R</a:t>
+                      </a:r>
+                    </a:p>
+                  </a:txBody>
+                  <a:tcPr anchor="ctr" marB="63500" marT="63500" marR="0" marL="0">
+                    <a:lnL algn="ctr" cmpd="sng" cap="flat" w="0">
+                      <a:noFill/>
+                      <a:prstDash val="solid"/>
+                    </a:lnL>
+                    <a:lnR algn="ctr" cmpd="sng" cap="flat" w="0">
+                      <a:noFill/>
+                      <a:prstDash val="solid"/>
+                    </a:lnR>
+                    <a:lnT algn="ctr" cmpd="sng" cap="flat" w="25400">
+                      <a:solidFill>
+                        <a:srgbClr val="666666">
+                          <a:alpha val="100000"/>
+                        </a:srgbClr>
+                      </a:solidFill>
+                      <a:prstDash val="solid"/>
+                    </a:lnT>
+                    <a:lnB algn="ctr" cmpd="sng" cap="flat" w="25400">
+                      <a:solidFill>
+                        <a:srgbClr val="666666">
+                          <a:alpha val="100000"/>
+                        </a:srgbClr>
+                      </a:solidFill>
+                      <a:prstDash val="solid"/>
+                    </a:lnB>
+                    <a:solidFill>
+                      <a:srgbClr val="FFFFFF">
+                        <a:alpha val="0"/>
+                      </a:srgbClr>
+                    </a:solidFill>
+                  </a:tcPr>
+                </a:tc>
+                <a:tc>
+                  <a:txBody>
+                    <a:bodyPr/>
+                    <a:lstStyle/>
+                    <a:p>
+                      <a:pPr algn="r" marL="63500" marR="63500">
+                        <a:lnSpc>
+                          <a:spcPct val="100000"/>
+                        </a:lnSpc>
+                        <a:spcBef>
+                          <a:spcPts val="500"/>
+                        </a:spcBef>
+                        <a:spcAft>
+                          <a:spcPts val="500"/>
+                        </a:spcAft>
+                        <a:buNone/>
+                      </a:pPr>
+                      <a:r>
+                        <a:rPr cap="none" sz="1100" i="0" b="0" u="none">
+                          <a:solidFill>
+                            <a:srgbClr val="000000">
+                              <a:alpha val="100000"/>
+                            </a:srgbClr>
+                          </a:solidFill>
+                          <a:latin typeface="Arial"/>
+                          <a:cs typeface="Arial"/>
+                          <a:ea typeface="Arial"/>
+                          <a:sym typeface="Arial"/>
+                        </a:rPr>
+                        <a:t>Wind</a:t>
+                      </a:r>
+                    </a:p>
+                  </a:txBody>
+                  <a:tcPr anchor="ctr" marB="63500" marT="63500" marR="0" marL="0">
+                    <a:lnL algn="ctr" cmpd="sng" cap="flat" w="0">
+                      <a:noFill/>
+                      <a:prstDash val="solid"/>
+                    </a:lnL>
+                    <a:lnR algn="ctr" cmpd="sng" cap="flat" w="0">
+                      <a:noFill/>
+                      <a:prstDash val="solid"/>
+                    </a:lnR>
+                    <a:lnT algn="ctr" cmpd="sng" cap="flat" w="25400">
+                      <a:solidFill>
+                        <a:srgbClr val="666666">
+                          <a:alpha val="100000"/>
+                        </a:srgbClr>
+                      </a:solidFill>
+                      <a:prstDash val="solid"/>
+                    </a:lnT>
+                    <a:lnB algn="ctr" cmpd="sng" cap="flat" w="25400">
+                      <a:solidFill>
+                        <a:srgbClr val="666666">
+                          <a:alpha val="100000"/>
+                        </a:srgbClr>
+                      </a:solidFill>
+                      <a:prstDash val="solid"/>
+                    </a:lnB>
+                    <a:solidFill>
+                      <a:srgbClr val="FFFFFF">
+                        <a:alpha val="0"/>
+                      </a:srgbClr>
+                    </a:solidFill>
+                  </a:tcPr>
+                </a:tc>
+                <a:tc>
+                  <a:txBody>
+                    <a:bodyPr/>
+                    <a:lstStyle/>
+                    <a:p>
+                      <a:pPr algn="r" marL="63500" marR="63500">
+                        <a:lnSpc>
+                          <a:spcPct val="100000"/>
+                        </a:lnSpc>
+                        <a:spcBef>
+                          <a:spcPts val="500"/>
+                        </a:spcBef>
+                        <a:spcAft>
+                          <a:spcPts val="500"/>
+                        </a:spcAft>
+                        <a:buNone/>
+                      </a:pPr>
+                      <a:r>
+                        <a:rPr cap="none" sz="1100" i="0" b="0" u="none">
+                          <a:solidFill>
+                            <a:srgbClr val="000000">
+                              <a:alpha val="100000"/>
+                            </a:srgbClr>
+                          </a:solidFill>
+                          <a:latin typeface="Arial"/>
+                          <a:cs typeface="Arial"/>
+                          <a:ea typeface="Arial"/>
+                          <a:sym typeface="Arial"/>
+                        </a:rPr>
+                        <a:t>Temp</a:t>
+                      </a:r>
+                    </a:p>
+                  </a:txBody>
+                  <a:tcPr anchor="ctr" marB="63500" marT="63500" marR="0" marL="0">
+                    <a:lnL algn="ctr" cmpd="sng" cap="flat" w="0">
+                      <a:noFill/>
+                      <a:prstDash val="solid"/>
+                    </a:lnL>
+                    <a:lnR algn="ctr" cmpd="sng" cap="flat" w="0">
+                      <a:noFill/>
+                      <a:prstDash val="solid"/>
+                    </a:lnR>
+                    <a:lnT algn="ctr" cmpd="sng" cap="flat" w="25400">
+                      <a:solidFill>
+                        <a:srgbClr val="666666">
+                          <a:alpha val="100000"/>
+                        </a:srgbClr>
+                      </a:solidFill>
+                      <a:prstDash val="solid"/>
+                    </a:lnT>
+                    <a:lnB algn="ctr" cmpd="sng" cap="flat" w="25400">
+                      <a:solidFill>
+                        <a:srgbClr val="666666">
+                          <a:alpha val="100000"/>
+                        </a:srgbClr>
+                      </a:solidFill>
+                      <a:prstDash val="solid"/>
+                    </a:lnB>
+                    <a:solidFill>
+                      <a:srgbClr val="FFFFFF">
+                        <a:alpha val="0"/>
+                      </a:srgbClr>
+                    </a:solidFill>
+                  </a:tcPr>
+                </a:tc>
+                <a:tc>
+                  <a:txBody>
+                    <a:bodyPr/>
+                    <a:lstStyle/>
+                    <a:p>
+                      <a:pPr algn="r" marL="63500" marR="63500">
+                        <a:lnSpc>
+                          <a:spcPct val="100000"/>
+                        </a:lnSpc>
+                        <a:spcBef>
+                          <a:spcPts val="500"/>
+                        </a:spcBef>
+                        <a:spcAft>
+                          <a:spcPts val="500"/>
+                        </a:spcAft>
+                        <a:buNone/>
+                      </a:pPr>
+                      <a:r>
+                        <a:rPr cap="none" sz="1100" i="0" b="0" u="none">
+                          <a:solidFill>
+                            <a:srgbClr val="000000">
+                              <a:alpha val="100000"/>
+                            </a:srgbClr>
+                          </a:solidFill>
+                          <a:latin typeface="Arial"/>
+                          <a:cs typeface="Arial"/>
+                          <a:ea typeface="Arial"/>
+                          <a:sym typeface="Arial"/>
+                        </a:rPr>
+                        <a:t>Month</a:t>
+                      </a:r>
+                    </a:p>
+                  </a:txBody>
+                  <a:tcPr anchor="ctr" marB="63500" marT="63500" marR="0" marL="0">
+                    <a:lnL algn="ctr" cmpd="sng" cap="flat" w="0">
+                      <a:noFill/>
+                      <a:prstDash val="solid"/>
+                    </a:lnL>
+                    <a:lnR algn="ctr" cmpd="sng" cap="flat" w="0">
+                      <a:noFill/>
+                      <a:prstDash val="solid"/>
+                    </a:lnR>
+                    <a:lnT algn="ctr" cmpd="sng" cap="flat" w="25400">
+                      <a:solidFill>
+                        <a:srgbClr val="666666">
+                          <a:alpha val="100000"/>
+                        </a:srgbClr>
+                      </a:solidFill>
+                      <a:prstDash val="solid"/>
+                    </a:lnT>
+                    <a:lnB algn="ctr" cmpd="sng" cap="flat" w="25400">
+                      <a:solidFill>
+                        <a:srgbClr val="666666">
+                          <a:alpha val="100000"/>
+                        </a:srgbClr>
+                      </a:solidFill>
+                      <a:prstDash val="solid"/>
+                    </a:lnB>
+                    <a:solidFill>
+                      <a:srgbClr val="FFFFFF">
+                        <a:alpha val="0"/>
+                      </a:srgbClr>
+                    </a:solidFill>
+                  </a:tcPr>
+                </a:tc>
+                <a:tc>
+                  <a:txBody>
+                    <a:bodyPr/>
+                    <a:lstStyle/>
+                    <a:p>
+                      <a:pPr algn="r" marL="63500" marR="63500">
+                        <a:lnSpc>
+                          <a:spcPct val="100000"/>
+                        </a:lnSpc>
+                        <a:spcBef>
+                          <a:spcPts val="500"/>
+                        </a:spcBef>
+                        <a:spcAft>
+                          <a:spcPts val="500"/>
+                        </a:spcAft>
+                        <a:buNone/>
+                      </a:pPr>
+                      <a:r>
+                        <a:rPr cap="none" sz="1100" i="0" b="0" u="none">
+                          <a:solidFill>
+                            <a:srgbClr val="000000">
+                              <a:alpha val="100000"/>
+                            </a:srgbClr>
+                          </a:solidFill>
+                          <a:latin typeface="Arial"/>
+                          <a:cs typeface="Arial"/>
+                          <a:ea typeface="Arial"/>
+                          <a:sym typeface="Arial"/>
+                        </a:rPr>
+                        <a:t>Day</a:t>
+                      </a:r>
+                    </a:p>
+                  </a:txBody>
+                  <a:tcPr anchor="ctr" marB="63500" marT="63500" marR="0" marL="0">
+                    <a:lnL algn="ctr" cmpd="sng" cap="flat" w="0">
+                      <a:noFill/>
+                      <a:prstDash val="solid"/>
+                    </a:lnL>
+                    <a:lnR algn="ctr" cmpd="sng" cap="flat" w="0">
+                      <a:noFill/>
+                      <a:prstDash val="solid"/>
+                    </a:lnR>
+                    <a:lnT algn="ctr" cmpd="sng" cap="flat" w="25400">
+                      <a:solidFill>
+                        <a:srgbClr val="666666">
+                          <a:alpha val="100000"/>
+                        </a:srgbClr>
+                      </a:solidFill>
+                      <a:prstDash val="solid"/>
+                    </a:lnT>
+                    <a:lnB algn="ctr" cmpd="sng" cap="flat" w="25400">
+                      <a:solidFill>
+                        <a:srgbClr val="666666">
+                          <a:alpha val="100000"/>
+                        </a:srgbClr>
+                      </a:solidFill>
+                      <a:prstDash val="solid"/>
+                    </a:lnB>
+                    <a:solidFill>
+                      <a:srgbClr val="FFFFFF">
+                        <a:alpha val="0"/>
+                      </a:srgbClr>
+                    </a:solidFill>
+                  </a:tcPr>
+                </a:tc>
+              </a:tr>
+              <a:tr h="228600">
+                <a:tc>
+                  <a:txBody>
+                    <a:bodyPr/>
+                    <a:lstStyle/>
+                    <a:p>
+                      <a:pPr algn="r" marL="63500" marR="63500">
+                        <a:lnSpc>
+                          <a:spcPct val="100000"/>
+                        </a:lnSpc>
+                        <a:spcBef>
+                          <a:spcPts val="500"/>
+                        </a:spcBef>
+                        <a:spcAft>
+                          <a:spcPts val="500"/>
+                        </a:spcAft>
+                        <a:buNone/>
+                      </a:pPr>
+                      <a:r>
+                        <a:rPr cap="none" sz="1100" i="0" b="0" u="none">
+                          <a:solidFill>
+                            <a:srgbClr val="000000">
+                              <a:alpha val="100000"/>
+                            </a:srgbClr>
+                          </a:solidFill>
+                          <a:latin typeface="Arial"/>
+                          <a:cs typeface="Arial"/>
+                          <a:ea typeface="Arial"/>
+                          <a:sym typeface="Arial"/>
+                        </a:rPr>
+                        <a:t>41</a:t>
+                      </a:r>
+                    </a:p>
+                  </a:txBody>
+                  <a:tcPr anchor="ctr" marB="63500" marT="63500" marR="0" marL="0">
+                    <a:lnL algn="ctr" cmpd="sng" cap="flat" w="0">
+                      <a:noFill/>
+                      <a:prstDash val="solid"/>
+                    </a:lnL>
+                    <a:lnR algn="ctr" cmpd="sng" cap="flat" w="0">
+                      <a:noFill/>
+                      <a:prstDash val="solid"/>
+                    </a:lnR>
+                    <a:lnT algn="ctr" cmpd="sng" cap="flat" w="0">
+                      <a:noFill/>
+                      <a:prstDash val="solid"/>
+                    </a:lnT>
+                    <a:lnB algn="ctr" cmpd="sng" cap="flat" w="0">
+                      <a:noFill/>
+                      <a:prstDash val="solid"/>
+                    </a:lnB>
+                    <a:solidFill>
+                      <a:srgbClr val="FFFFFF">
+                        <a:alpha val="0"/>
+                      </a:srgbClr>
+                    </a:solidFill>
+                  </a:tcPr>
+                </a:tc>
+                <a:tc>
+                  <a:txBody>
+                    <a:bodyPr/>
+                    <a:lstStyle/>
+                    <a:p>
+                      <a:pPr algn="r" marL="63500" marR="63500">
+                        <a:lnSpc>
+                          <a:spcPct val="100000"/>
+                        </a:lnSpc>
+                        <a:spcBef>
+                          <a:spcPts val="500"/>
+                        </a:spcBef>
+                        <a:spcAft>
+                          <a:spcPts val="500"/>
+                        </a:spcAft>
+                        <a:buNone/>
+                      </a:pPr>
+                      <a:r>
+                        <a:rPr cap="none" sz="1100" i="0" b="0" u="none">
+                          <a:solidFill>
+                            <a:srgbClr val="000000">
+                              <a:alpha val="100000"/>
+                            </a:srgbClr>
+                          </a:solidFill>
+                          <a:latin typeface="Arial"/>
+                          <a:cs typeface="Arial"/>
+                          <a:ea typeface="Arial"/>
+                          <a:sym typeface="Arial"/>
+                        </a:rPr>
+                        <a:t>190</a:t>
+                      </a:r>
+                    </a:p>
+                  </a:txBody>
+                  <a:tcPr anchor="ctr" marB="63500" marT="63500" marR="0" marL="0">
+                    <a:lnL algn="ctr" cmpd="sng" cap="flat" w="0">
+                      <a:noFill/>
+                      <a:prstDash val="solid"/>
+                    </a:lnL>
+                    <a:lnR algn="ctr" cmpd="sng" cap="flat" w="0">
+                      <a:noFill/>
+                      <a:prstDash val="solid"/>
+                    </a:lnR>
+                    <a:lnT algn="ctr" cmpd="sng" cap="flat" w="0">
+                      <a:noFill/>
+                      <a:prstDash val="solid"/>
+                    </a:lnT>
+                    <a:lnB algn="ctr" cmpd="sng" cap="flat" w="0">
+                      <a:noFill/>
+                      <a:prstDash val="solid"/>
+                    </a:lnB>
+                    <a:solidFill>
+                      <a:srgbClr val="FFFFFF">
+                        <a:alpha val="0"/>
+                      </a:srgbClr>
+                    </a:solidFill>
+                  </a:tcPr>
+                </a:tc>
+                <a:tc>
+                  <a:txBody>
+                    <a:bodyPr/>
+                    <a:lstStyle/>
+                    <a:p>
+                      <a:pPr algn="r" marL="63500" marR="63500">
+                        <a:lnSpc>
+                          <a:spcPct val="100000"/>
+                        </a:lnSpc>
+                        <a:spcBef>
+                          <a:spcPts val="500"/>
+                        </a:spcBef>
+                        <a:spcAft>
+                          <a:spcPts val="500"/>
+                        </a:spcAft>
+                        <a:buNone/>
+                      </a:pPr>
+                      <a:r>
+                        <a:rPr cap="none" sz="1100" i="0" b="0" u="none">
+                          <a:solidFill>
+                            <a:srgbClr val="000000">
+                              <a:alpha val="100000"/>
+                            </a:srgbClr>
+                          </a:solidFill>
+                          <a:latin typeface="Arial"/>
+                          <a:cs typeface="Arial"/>
+                          <a:ea typeface="Arial"/>
+                          <a:sym typeface="Arial"/>
+                        </a:rPr>
+                        <a:t>7.4</a:t>
+                      </a:r>
+                    </a:p>
+                  </a:txBody>
+                  <a:tcPr anchor="ctr" marB="63500" marT="63500" marR="0" marL="0">
+                    <a:lnL algn="ctr" cmpd="sng" cap="flat" w="0">
+                      <a:noFill/>
+                      <a:prstDash val="solid"/>
+                    </a:lnL>
+                    <a:lnR algn="ctr" cmpd="sng" cap="flat" w="0">
+                      <a:noFill/>
+                      <a:prstDash val="solid"/>
+                    </a:lnR>
+                    <a:lnT algn="ctr" cmpd="sng" cap="flat" w="0">
+                      <a:noFill/>
+                      <a:prstDash val="solid"/>
+                    </a:lnT>
+                    <a:lnB algn="ctr" cmpd="sng" cap="flat" w="0">
+                      <a:noFill/>
+                      <a:prstDash val="solid"/>
+                    </a:lnB>
+                    <a:solidFill>
+                      <a:srgbClr val="FFFFFF">
+                        <a:alpha val="0"/>
+                      </a:srgbClr>
+                    </a:solidFill>
+                  </a:tcPr>
+                </a:tc>
+                <a:tc>
+                  <a:txBody>
+                    <a:bodyPr/>
+                    <a:lstStyle/>
+                    <a:p>
+                      <a:pPr algn="r" marL="63500" marR="63500">
+                        <a:lnSpc>
+                          <a:spcPct val="100000"/>
+                        </a:lnSpc>
+                        <a:spcBef>
+                          <a:spcPts val="500"/>
+                        </a:spcBef>
+                        <a:spcAft>
+                          <a:spcPts val="500"/>
+                        </a:spcAft>
+                        <a:buNone/>
+                      </a:pPr>
+                      <a:r>
+                        <a:rPr cap="none" sz="1100" i="0" b="0" u="none">
+                          <a:solidFill>
+                            <a:srgbClr val="000000">
+                              <a:alpha val="100000"/>
+                            </a:srgbClr>
+                          </a:solidFill>
+                          <a:latin typeface="Arial"/>
+                          <a:cs typeface="Arial"/>
+                          <a:ea typeface="Arial"/>
+                          <a:sym typeface="Arial"/>
+                        </a:rPr>
+                        <a:t>67</a:t>
+                      </a:r>
+                    </a:p>
+                  </a:txBody>
+                  <a:tcPr anchor="ctr" marB="63500" marT="63500" marR="0" marL="0">
+                    <a:lnL algn="ctr" cmpd="sng" cap="flat" w="0">
+                      <a:noFill/>
+                      <a:prstDash val="solid"/>
+                    </a:lnL>
+                    <a:lnR algn="ctr" cmpd="sng" cap="flat" w="0">
+                      <a:noFill/>
+                      <a:prstDash val="solid"/>
+                    </a:lnR>
+                    <a:lnT algn="ctr" cmpd="sng" cap="flat" w="0">
+                      <a:noFill/>
+                      <a:prstDash val="solid"/>
+                    </a:lnT>
+                    <a:lnB algn="ctr" cmpd="sng" cap="flat" w="0">
+                      <a:noFill/>
+                      <a:prstDash val="solid"/>
+                    </a:lnB>
+                    <a:solidFill>
+                      <a:srgbClr val="FFFFFF">
+                        <a:alpha val="0"/>
+                      </a:srgbClr>
+                    </a:solidFill>
+                  </a:tcPr>
+                </a:tc>
+                <a:tc>
+                  <a:txBody>
+                    <a:bodyPr/>
+                    <a:lstStyle/>
+                    <a:p>
+                      <a:pPr algn="r" marL="63500" marR="63500">
+                        <a:lnSpc>
+                          <a:spcPct val="100000"/>
+                        </a:lnSpc>
+                        <a:spcBef>
+                          <a:spcPts val="500"/>
+                        </a:spcBef>
+                        <a:spcAft>
+                          <a:spcPts val="500"/>
+                        </a:spcAft>
+                        <a:buNone/>
+                      </a:pPr>
+                      <a:r>
+                        <a:rPr cap="none" sz="1100" i="0" b="0" u="none">
+                          <a:solidFill>
+                            <a:srgbClr val="000000">
+                              <a:alpha val="100000"/>
+                            </a:srgbClr>
+                          </a:solidFill>
+                          <a:latin typeface="Arial"/>
+                          <a:cs typeface="Arial"/>
+                          <a:ea typeface="Arial"/>
+                          <a:sym typeface="Arial"/>
+                        </a:rPr>
+                        <a:t>5</a:t>
+                      </a:r>
+                    </a:p>
+                  </a:txBody>
+                  <a:tcPr anchor="ctr" marB="63500" marT="63500" marR="0" marL="0">
+                    <a:lnL algn="ctr" cmpd="sng" cap="flat" w="0">
+                      <a:noFill/>
+                      <a:prstDash val="solid"/>
+                    </a:lnL>
+                    <a:lnR algn="ctr" cmpd="sng" cap="flat" w="0">
+                      <a:noFill/>
+                      <a:prstDash val="solid"/>
+                    </a:lnR>
+                    <a:lnT algn="ctr" cmpd="sng" cap="flat" w="0">
+                      <a:noFill/>
+                      <a:prstDash val="solid"/>
+                    </a:lnT>
+                    <a:lnB algn="ctr" cmpd="sng" cap="flat" w="0">
+                      <a:noFill/>
+                      <a:prstDash val="solid"/>
+                    </a:lnB>
+                    <a:solidFill>
+                      <a:srgbClr val="FFFFFF">
+                        <a:alpha val="0"/>
+                      </a:srgbClr>
+                    </a:solidFill>
+                  </a:tcPr>
+                </a:tc>
+                <a:tc>
+                  <a:txBody>
+                    <a:bodyPr/>
+                    <a:lstStyle/>
+                    <a:p>
+                      <a:pPr algn="r" marL="63500" marR="63500">
+                        <a:lnSpc>
+                          <a:spcPct val="100000"/>
+                        </a:lnSpc>
+                        <a:spcBef>
+                          <a:spcPts val="500"/>
+                        </a:spcBef>
+                        <a:spcAft>
+                          <a:spcPts val="500"/>
+                        </a:spcAft>
+                        <a:buNone/>
+                      </a:pPr>
+                      <a:r>
+                        <a:rPr cap="none" sz="1100" i="0" b="0" u="none">
+                          <a:solidFill>
+                            <a:srgbClr val="000000">
+                              <a:alpha val="100000"/>
+                            </a:srgbClr>
+                          </a:solidFill>
+                          <a:latin typeface="Arial"/>
+                          <a:cs typeface="Arial"/>
+                          <a:ea typeface="Arial"/>
+                          <a:sym typeface="Arial"/>
+                        </a:rPr>
+                        <a:t>1</a:t>
+                      </a:r>
+                    </a:p>
+                  </a:txBody>
+                  <a:tcPr anchor="ctr" marB="63500" marT="63500" marR="0" marL="0">
+                    <a:lnL algn="ctr" cmpd="sng" cap="flat" w="0">
+                      <a:noFill/>
+                      <a:prstDash val="solid"/>
+                    </a:lnL>
+                    <a:lnR algn="ctr" cmpd="sng" cap="flat" w="0">
+                      <a:noFill/>
+                      <a:prstDash val="solid"/>
+                    </a:lnR>
+                    <a:lnT algn="ctr" cmpd="sng" cap="flat" w="0">
+                      <a:noFill/>
+                      <a:prstDash val="solid"/>
+                    </a:lnT>
+                    <a:lnB algn="ctr" cmpd="sng" cap="flat" w="0">
+                      <a:noFill/>
+                      <a:prstDash val="solid"/>
+                    </a:lnB>
+                    <a:solidFill>
+                      <a:srgbClr val="FFFFFF">
+                        <a:alpha val="0"/>
+                      </a:srgbClr>
+                    </a:solidFill>
+                  </a:tcPr>
+                </a:tc>
+              </a:tr>
+              <a:tr h="228600">
+                <a:tc>
+                  <a:txBody>
+                    <a:bodyPr/>
+                    <a:lstStyle/>
+                    <a:p>
+                      <a:pPr algn="r" marL="63500" marR="63500">
+                        <a:lnSpc>
+                          <a:spcPct val="100000"/>
+                        </a:lnSpc>
+                        <a:spcBef>
+                          <a:spcPts val="500"/>
+                        </a:spcBef>
+                        <a:spcAft>
+                          <a:spcPts val="500"/>
+                        </a:spcAft>
+                        <a:buNone/>
+                      </a:pPr>
+                      <a:r>
+                        <a:rPr cap="none" sz="1100" i="0" b="0" u="none">
+                          <a:solidFill>
+                            <a:srgbClr val="000000">
+                              <a:alpha val="100000"/>
+                            </a:srgbClr>
+                          </a:solidFill>
+                          <a:latin typeface="Arial"/>
+                          <a:cs typeface="Arial"/>
+                          <a:ea typeface="Arial"/>
+                          <a:sym typeface="Arial"/>
+                        </a:rPr>
+                        <a:t>36</a:t>
+                      </a:r>
+                    </a:p>
+                  </a:txBody>
+                  <a:tcPr anchor="ctr" marB="63500" marT="63500" marR="0" marL="0">
+                    <a:lnL algn="ctr" cmpd="sng" cap="flat" w="0">
+                      <a:noFill/>
+                      <a:prstDash val="solid"/>
+                    </a:lnL>
+                    <a:lnR algn="ctr" cmpd="sng" cap="flat" w="0">
+                      <a:noFill/>
+                      <a:prstDash val="solid"/>
+                    </a:lnR>
+                    <a:lnT algn="ctr" cmpd="sng" cap="flat" w="0">
+                      <a:noFill/>
+                      <a:prstDash val="solid"/>
+                    </a:lnT>
+                    <a:lnB algn="ctr" cmpd="sng" cap="flat" w="0">
+                      <a:noFill/>
+                      <a:prstDash val="solid"/>
+                    </a:lnB>
+                    <a:solidFill>
+                      <a:srgbClr val="FFFFFF">
+                        <a:alpha val="0"/>
+                      </a:srgbClr>
+                    </a:solidFill>
+                  </a:tcPr>
+                </a:tc>
+                <a:tc>
+                  <a:txBody>
+                    <a:bodyPr/>
+                    <a:lstStyle/>
+                    <a:p>
+                      <a:pPr algn="r" marL="63500" marR="63500">
+                        <a:lnSpc>
+                          <a:spcPct val="100000"/>
+                        </a:lnSpc>
+                        <a:spcBef>
+                          <a:spcPts val="500"/>
+                        </a:spcBef>
+                        <a:spcAft>
+                          <a:spcPts val="500"/>
+                        </a:spcAft>
+                        <a:buNone/>
+                      </a:pPr>
+                      <a:r>
+                        <a:rPr cap="none" sz="1100" i="0" b="0" u="none">
+                          <a:solidFill>
+                            <a:srgbClr val="000000">
+                              <a:alpha val="100000"/>
+                            </a:srgbClr>
+                          </a:solidFill>
+                          <a:latin typeface="Arial"/>
+                          <a:cs typeface="Arial"/>
+                          <a:ea typeface="Arial"/>
+                          <a:sym typeface="Arial"/>
+                        </a:rPr>
+                        <a:t>118</a:t>
+                      </a:r>
+                    </a:p>
+                  </a:txBody>
+                  <a:tcPr anchor="ctr" marB="63500" marT="63500" marR="0" marL="0">
+                    <a:lnL algn="ctr" cmpd="sng" cap="flat" w="0">
+                      <a:noFill/>
+                      <a:prstDash val="solid"/>
+                    </a:lnL>
+                    <a:lnR algn="ctr" cmpd="sng" cap="flat" w="0">
+                      <a:noFill/>
+                      <a:prstDash val="solid"/>
+                    </a:lnR>
+                    <a:lnT algn="ctr" cmpd="sng" cap="flat" w="0">
+                      <a:noFill/>
+                      <a:prstDash val="solid"/>
+                    </a:lnT>
+                    <a:lnB algn="ctr" cmpd="sng" cap="flat" w="0">
+                      <a:noFill/>
+                      <a:prstDash val="solid"/>
+                    </a:lnB>
+                    <a:solidFill>
+                      <a:srgbClr val="FFFFFF">
+                        <a:alpha val="0"/>
+                      </a:srgbClr>
+                    </a:solidFill>
+                  </a:tcPr>
+                </a:tc>
+                <a:tc>
+                  <a:txBody>
+                    <a:bodyPr/>
+                    <a:lstStyle/>
+                    <a:p>
+                      <a:pPr algn="r" marL="63500" marR="63500">
+                        <a:lnSpc>
+                          <a:spcPct val="100000"/>
+                        </a:lnSpc>
+                        <a:spcBef>
+                          <a:spcPts val="500"/>
+                        </a:spcBef>
+                        <a:spcAft>
+                          <a:spcPts val="500"/>
+                        </a:spcAft>
+                        <a:buNone/>
+                      </a:pPr>
+                      <a:r>
+                        <a:rPr cap="none" sz="1100" i="0" b="0" u="none">
+                          <a:solidFill>
+                            <a:srgbClr val="000000">
+                              <a:alpha val="100000"/>
+                            </a:srgbClr>
+                          </a:solidFill>
+                          <a:latin typeface="Arial"/>
+                          <a:cs typeface="Arial"/>
+                          <a:ea typeface="Arial"/>
+                          <a:sym typeface="Arial"/>
+                        </a:rPr>
+                        <a:t>8.0</a:t>
+                      </a:r>
+                    </a:p>
+                  </a:txBody>
+                  <a:tcPr anchor="ctr" marB="63500" marT="63500" marR="0" marL="0">
+                    <a:lnL algn="ctr" cmpd="sng" cap="flat" w="0">
+                      <a:noFill/>
+                      <a:prstDash val="solid"/>
+                    </a:lnL>
+                    <a:lnR algn="ctr" cmpd="sng" cap="flat" w="0">
+                      <a:noFill/>
+                      <a:prstDash val="solid"/>
+                    </a:lnR>
+                    <a:lnT algn="ctr" cmpd="sng" cap="flat" w="0">
+                      <a:noFill/>
+                      <a:prstDash val="solid"/>
+                    </a:lnT>
+                    <a:lnB algn="ctr" cmpd="sng" cap="flat" w="0">
+                      <a:noFill/>
+                      <a:prstDash val="solid"/>
+                    </a:lnB>
+                    <a:solidFill>
+                      <a:srgbClr val="FFFFFF">
+                        <a:alpha val="0"/>
+                      </a:srgbClr>
+                    </a:solidFill>
+                  </a:tcPr>
+                </a:tc>
+                <a:tc>
+                  <a:txBody>
+                    <a:bodyPr/>
+                    <a:lstStyle/>
+                    <a:p>
+                      <a:pPr algn="r" marL="63500" marR="63500">
+                        <a:lnSpc>
+                          <a:spcPct val="100000"/>
+                        </a:lnSpc>
+                        <a:spcBef>
+                          <a:spcPts val="500"/>
+                        </a:spcBef>
+                        <a:spcAft>
+                          <a:spcPts val="500"/>
+                        </a:spcAft>
+                        <a:buNone/>
+                      </a:pPr>
+                      <a:r>
+                        <a:rPr cap="none" sz="1100" i="0" b="0" u="none">
+                          <a:solidFill>
+                            <a:srgbClr val="000000">
+                              <a:alpha val="100000"/>
+                            </a:srgbClr>
+                          </a:solidFill>
+                          <a:latin typeface="Arial"/>
+                          <a:cs typeface="Arial"/>
+                          <a:ea typeface="Arial"/>
+                          <a:sym typeface="Arial"/>
+                        </a:rPr>
+                        <a:t>72</a:t>
+                      </a:r>
+                    </a:p>
+                  </a:txBody>
+                  <a:tcPr anchor="ctr" marB="63500" marT="63500" marR="0" marL="0">
+                    <a:lnL algn="ctr" cmpd="sng" cap="flat" w="0">
+                      <a:noFill/>
+                      <a:prstDash val="solid"/>
+                    </a:lnL>
+                    <a:lnR algn="ctr" cmpd="sng" cap="flat" w="0">
+                      <a:noFill/>
+                      <a:prstDash val="solid"/>
+                    </a:lnR>
+                    <a:lnT algn="ctr" cmpd="sng" cap="flat" w="0">
+                      <a:noFill/>
+                      <a:prstDash val="solid"/>
+                    </a:lnT>
+                    <a:lnB algn="ctr" cmpd="sng" cap="flat" w="0">
+                      <a:noFill/>
+                      <a:prstDash val="solid"/>
+                    </a:lnB>
+                    <a:solidFill>
+                      <a:srgbClr val="FFFFFF">
+                        <a:alpha val="0"/>
+                      </a:srgbClr>
+                    </a:solidFill>
+                  </a:tcPr>
+                </a:tc>
+                <a:tc>
+                  <a:txBody>
+                    <a:bodyPr/>
+                    <a:lstStyle/>
+                    <a:p>
+                      <a:pPr algn="r" marL="63500" marR="63500">
+                        <a:lnSpc>
+                          <a:spcPct val="100000"/>
+                        </a:lnSpc>
+                        <a:spcBef>
+                          <a:spcPts val="500"/>
+                        </a:spcBef>
+                        <a:spcAft>
+                          <a:spcPts val="500"/>
+                        </a:spcAft>
+                        <a:buNone/>
+                      </a:pPr>
+                      <a:r>
+                        <a:rPr cap="none" sz="1100" i="0" b="0" u="none">
+                          <a:solidFill>
+                            <a:srgbClr val="000000">
+                              <a:alpha val="100000"/>
+                            </a:srgbClr>
+                          </a:solidFill>
+                          <a:latin typeface="Arial"/>
+                          <a:cs typeface="Arial"/>
+                          <a:ea typeface="Arial"/>
+                          <a:sym typeface="Arial"/>
+                        </a:rPr>
+                        <a:t>5</a:t>
+                      </a:r>
+                    </a:p>
+                  </a:txBody>
+                  <a:tcPr anchor="ctr" marB="63500" marT="63500" marR="0" marL="0">
+                    <a:lnL algn="ctr" cmpd="sng" cap="flat" w="0">
+                      <a:noFill/>
+                      <a:prstDash val="solid"/>
+                    </a:lnL>
+                    <a:lnR algn="ctr" cmpd="sng" cap="flat" w="0">
+                      <a:noFill/>
+                      <a:prstDash val="solid"/>
+                    </a:lnR>
+                    <a:lnT algn="ctr" cmpd="sng" cap="flat" w="0">
+                      <a:noFill/>
+                      <a:prstDash val="solid"/>
+                    </a:lnT>
+                    <a:lnB algn="ctr" cmpd="sng" cap="flat" w="0">
+                      <a:noFill/>
+                      <a:prstDash val="solid"/>
+                    </a:lnB>
+                    <a:solidFill>
+                      <a:srgbClr val="FFFFFF">
+                        <a:alpha val="0"/>
+                      </a:srgbClr>
+                    </a:solidFill>
+                  </a:tcPr>
+                </a:tc>
+                <a:tc>
+                  <a:txBody>
+                    <a:bodyPr/>
+                    <a:lstStyle/>
+                    <a:p>
+                      <a:pPr algn="r" marL="63500" marR="63500">
+                        <a:lnSpc>
+                          <a:spcPct val="100000"/>
+                        </a:lnSpc>
+                        <a:spcBef>
+                          <a:spcPts val="500"/>
+                        </a:spcBef>
+                        <a:spcAft>
+                          <a:spcPts val="500"/>
+                        </a:spcAft>
+                        <a:buNone/>
+                      </a:pPr>
+                      <a:r>
+                        <a:rPr cap="none" sz="1100" i="0" b="0" u="none">
+                          <a:solidFill>
+                            <a:srgbClr val="000000">
+                              <a:alpha val="100000"/>
+                            </a:srgbClr>
+                          </a:solidFill>
+                          <a:latin typeface="Arial"/>
+                          <a:cs typeface="Arial"/>
+                          <a:ea typeface="Arial"/>
+                          <a:sym typeface="Arial"/>
+                        </a:rPr>
+                        <a:t>2</a:t>
+                      </a:r>
+                    </a:p>
+                  </a:txBody>
+                  <a:tcPr anchor="ctr" marB="63500" marT="63500" marR="0" marL="0">
+                    <a:lnL algn="ctr" cmpd="sng" cap="flat" w="0">
+                      <a:noFill/>
+                      <a:prstDash val="solid"/>
+                    </a:lnL>
+                    <a:lnR algn="ctr" cmpd="sng" cap="flat" w="0">
+                      <a:noFill/>
+                      <a:prstDash val="solid"/>
+                    </a:lnR>
+                    <a:lnT algn="ctr" cmpd="sng" cap="flat" w="0">
+                      <a:noFill/>
+                      <a:prstDash val="solid"/>
+                    </a:lnT>
+                    <a:lnB algn="ctr" cmpd="sng" cap="flat" w="0">
+                      <a:noFill/>
+                      <a:prstDash val="solid"/>
+                    </a:lnB>
+                    <a:solidFill>
+                      <a:srgbClr val="FFFFFF">
+                        <a:alpha val="0"/>
+                      </a:srgbClr>
+                    </a:solidFill>
+                  </a:tcPr>
+                </a:tc>
+              </a:tr>
+              <a:tr h="228600">
+                <a:tc>
+                  <a:txBody>
+                    <a:bodyPr/>
+                    <a:lstStyle/>
+                    <a:p>
+                      <a:pPr algn="r" marL="63500" marR="63500">
+                        <a:lnSpc>
+                          <a:spcPct val="100000"/>
+                        </a:lnSpc>
+                        <a:spcBef>
+                          <a:spcPts val="500"/>
+                        </a:spcBef>
+                        <a:spcAft>
+                          <a:spcPts val="500"/>
+                        </a:spcAft>
+                        <a:buNone/>
+                      </a:pPr>
+                      <a:r>
+                        <a:rPr cap="none" sz="1100" i="0" b="0" u="none">
+                          <a:solidFill>
+                            <a:srgbClr val="000000">
+                              <a:alpha val="100000"/>
+                            </a:srgbClr>
+                          </a:solidFill>
+                          <a:latin typeface="Arial"/>
+                          <a:cs typeface="Arial"/>
+                          <a:ea typeface="Arial"/>
+                          <a:sym typeface="Arial"/>
+                        </a:rPr>
+                        <a:t>12</a:t>
+                      </a:r>
+                    </a:p>
+                  </a:txBody>
+                  <a:tcPr anchor="ctr" marB="63500" marT="63500" marR="0" marL="0">
+                    <a:lnL algn="ctr" cmpd="sng" cap="flat" w="0">
+                      <a:noFill/>
+                      <a:prstDash val="solid"/>
+                    </a:lnL>
+                    <a:lnR algn="ctr" cmpd="sng" cap="flat" w="0">
+                      <a:noFill/>
+                      <a:prstDash val="solid"/>
+                    </a:lnR>
+                    <a:lnT algn="ctr" cmpd="sng" cap="flat" w="0">
+                      <a:noFill/>
+                      <a:prstDash val="solid"/>
+                    </a:lnT>
+                    <a:lnB algn="ctr" cmpd="sng" cap="flat" w="25400">
+                      <a:solidFill>
+                        <a:srgbClr val="666666">
+                          <a:alpha val="100000"/>
+                        </a:srgbClr>
+                      </a:solidFill>
+                      <a:prstDash val="solid"/>
+                    </a:lnB>
+                    <a:solidFill>
+                      <a:srgbClr val="FFFFFF">
+                        <a:alpha val="0"/>
+                      </a:srgbClr>
+                    </a:solidFill>
+                  </a:tcPr>
+                </a:tc>
+                <a:tc>
+                  <a:txBody>
+                    <a:bodyPr/>
+                    <a:lstStyle/>
+                    <a:p>
+                      <a:pPr algn="r" marL="63500" marR="63500">
+                        <a:lnSpc>
+                          <a:spcPct val="100000"/>
+                        </a:lnSpc>
+                        <a:spcBef>
+                          <a:spcPts val="500"/>
+                        </a:spcBef>
+                        <a:spcAft>
+                          <a:spcPts val="500"/>
+                        </a:spcAft>
+                        <a:buNone/>
+                      </a:pPr>
+                      <a:r>
+                        <a:rPr cap="none" sz="1100" i="0" b="0" u="none">
+                          <a:solidFill>
+                            <a:srgbClr val="000000">
+                              <a:alpha val="100000"/>
+                            </a:srgbClr>
+                          </a:solidFill>
+                          <a:latin typeface="Arial"/>
+                          <a:cs typeface="Arial"/>
+                          <a:ea typeface="Arial"/>
+                          <a:sym typeface="Arial"/>
+                        </a:rPr>
+                        <a:t>149</a:t>
+                      </a:r>
+                    </a:p>
+                  </a:txBody>
+                  <a:tcPr anchor="ctr" marB="63500" marT="63500" marR="0" marL="0">
+                    <a:lnL algn="ctr" cmpd="sng" cap="flat" w="0">
+                      <a:noFill/>
+                      <a:prstDash val="solid"/>
+                    </a:lnL>
+                    <a:lnR algn="ctr" cmpd="sng" cap="flat" w="0">
+                      <a:noFill/>
+                      <a:prstDash val="solid"/>
+                    </a:lnR>
+                    <a:lnT algn="ctr" cmpd="sng" cap="flat" w="0">
+                      <a:noFill/>
+                      <a:prstDash val="solid"/>
+                    </a:lnT>
+                    <a:lnB algn="ctr" cmpd="sng" cap="flat" w="25400">
+                      <a:solidFill>
+                        <a:srgbClr val="666666">
+                          <a:alpha val="100000"/>
+                        </a:srgbClr>
+                      </a:solidFill>
+                      <a:prstDash val="solid"/>
+                    </a:lnB>
+                    <a:solidFill>
+                      <a:srgbClr val="FFFFFF">
+                        <a:alpha val="0"/>
+                      </a:srgbClr>
+                    </a:solidFill>
+                  </a:tcPr>
+                </a:tc>
+                <a:tc>
+                  <a:txBody>
+                    <a:bodyPr/>
+                    <a:lstStyle/>
+                    <a:p>
+                      <a:pPr algn="r" marL="63500" marR="63500">
+                        <a:lnSpc>
+                          <a:spcPct val="100000"/>
+                        </a:lnSpc>
+                        <a:spcBef>
+                          <a:spcPts val="500"/>
+                        </a:spcBef>
+                        <a:spcAft>
+                          <a:spcPts val="500"/>
+                        </a:spcAft>
+                        <a:buNone/>
+                      </a:pPr>
+                      <a:r>
+                        <a:rPr cap="none" sz="1100" i="0" b="0" u="none">
+                          <a:solidFill>
+                            <a:srgbClr val="000000">
+                              <a:alpha val="100000"/>
+                            </a:srgbClr>
+                          </a:solidFill>
+                          <a:latin typeface="Arial"/>
+                          <a:cs typeface="Arial"/>
+                          <a:ea typeface="Arial"/>
+                          <a:sym typeface="Arial"/>
+                        </a:rPr>
+                        <a:t>12.6</a:t>
+                      </a:r>
+                    </a:p>
+                  </a:txBody>
+                  <a:tcPr anchor="ctr" marB="63500" marT="63500" marR="0" marL="0">
+                    <a:lnL algn="ctr" cmpd="sng" cap="flat" w="0">
+                      <a:noFill/>
+                      <a:prstDash val="solid"/>
+                    </a:lnL>
+                    <a:lnR algn="ctr" cmpd="sng" cap="flat" w="0">
+                      <a:noFill/>
+                      <a:prstDash val="solid"/>
+                    </a:lnR>
+                    <a:lnT algn="ctr" cmpd="sng" cap="flat" w="0">
+                      <a:noFill/>
+                      <a:prstDash val="solid"/>
+                    </a:lnT>
+                    <a:lnB algn="ctr" cmpd="sng" cap="flat" w="25400">
+                      <a:solidFill>
+                        <a:srgbClr val="666666">
+                          <a:alpha val="100000"/>
+                        </a:srgbClr>
+                      </a:solidFill>
+                      <a:prstDash val="solid"/>
+                    </a:lnB>
+                    <a:solidFill>
+                      <a:srgbClr val="FFFFFF">
+                        <a:alpha val="0"/>
+                      </a:srgbClr>
+                    </a:solidFill>
+                  </a:tcPr>
+                </a:tc>
+                <a:tc>
+                  <a:txBody>
+                    <a:bodyPr/>
+                    <a:lstStyle/>
+                    <a:p>
+                      <a:pPr algn="r" marL="63500" marR="63500">
+                        <a:lnSpc>
+                          <a:spcPct val="100000"/>
+                        </a:lnSpc>
+                        <a:spcBef>
+                          <a:spcPts val="500"/>
+                        </a:spcBef>
+                        <a:spcAft>
+                          <a:spcPts val="500"/>
+                        </a:spcAft>
+                        <a:buNone/>
+                      </a:pPr>
+                      <a:r>
+                        <a:rPr cap="none" sz="1100" i="0" b="0" u="none">
+                          <a:solidFill>
+                            <a:srgbClr val="000000">
+                              <a:alpha val="100000"/>
+                            </a:srgbClr>
+                          </a:solidFill>
+                          <a:latin typeface="Arial"/>
+                          <a:cs typeface="Arial"/>
+                          <a:ea typeface="Arial"/>
+                          <a:sym typeface="Arial"/>
+                        </a:rPr>
+                        <a:t>74</a:t>
+                      </a:r>
+                    </a:p>
+                  </a:txBody>
+                  <a:tcPr anchor="ctr" marB="63500" marT="63500" marR="0" marL="0">
+                    <a:lnL algn="ctr" cmpd="sng" cap="flat" w="0">
+                      <a:noFill/>
+                      <a:prstDash val="solid"/>
+                    </a:lnL>
+                    <a:lnR algn="ctr" cmpd="sng" cap="flat" w="0">
+                      <a:noFill/>
+                      <a:prstDash val="solid"/>
+                    </a:lnR>
+                    <a:lnT algn="ctr" cmpd="sng" cap="flat" w="0">
+                      <a:noFill/>
+                      <a:prstDash val="solid"/>
+                    </a:lnT>
+                    <a:lnB algn="ctr" cmpd="sng" cap="flat" w="25400">
+                      <a:solidFill>
+                        <a:srgbClr val="666666">
+                          <a:alpha val="100000"/>
+                        </a:srgbClr>
+                      </a:solidFill>
+                      <a:prstDash val="solid"/>
+                    </a:lnB>
+                    <a:solidFill>
+                      <a:srgbClr val="FFFFFF">
+                        <a:alpha val="0"/>
+                      </a:srgbClr>
+                    </a:solidFill>
+                  </a:tcPr>
+                </a:tc>
+                <a:tc>
+                  <a:txBody>
+                    <a:bodyPr/>
+                    <a:lstStyle/>
+                    <a:p>
+                      <a:pPr algn="r" marL="63500" marR="63500">
+                        <a:lnSpc>
+                          <a:spcPct val="100000"/>
+                        </a:lnSpc>
+                        <a:spcBef>
+                          <a:spcPts val="500"/>
+                        </a:spcBef>
+                        <a:spcAft>
+                          <a:spcPts val="500"/>
+                        </a:spcAft>
+                        <a:buNone/>
+                      </a:pPr>
+                      <a:r>
+                        <a:rPr cap="none" sz="1100" i="0" b="0" u="none">
+                          <a:solidFill>
+                            <a:srgbClr val="000000">
+                              <a:alpha val="100000"/>
+                            </a:srgbClr>
+                          </a:solidFill>
+                          <a:latin typeface="Arial"/>
+                          <a:cs typeface="Arial"/>
+                          <a:ea typeface="Arial"/>
+                          <a:sym typeface="Arial"/>
+                        </a:rPr>
+                        <a:t>5</a:t>
+                      </a:r>
+                    </a:p>
+                  </a:txBody>
+                  <a:tcPr anchor="ctr" marB="63500" marT="63500" marR="0" marL="0">
+                    <a:lnL algn="ctr" cmpd="sng" cap="flat" w="0">
+                      <a:noFill/>
+                      <a:prstDash val="solid"/>
+                    </a:lnL>
+                    <a:lnR algn="ctr" cmpd="sng" cap="flat" w="0">
+                      <a:noFill/>
+                      <a:prstDash val="solid"/>
+                    </a:lnR>
+                    <a:lnT algn="ctr" cmpd="sng" cap="flat" w="0">
+                      <a:noFill/>
+                      <a:prstDash val="solid"/>
+                    </a:lnT>
+                    <a:lnB algn="ctr" cmpd="sng" cap="flat" w="25400">
+                      <a:solidFill>
+                        <a:srgbClr val="666666">
+                          <a:alpha val="100000"/>
+                        </a:srgbClr>
+                      </a:solidFill>
+                      <a:prstDash val="solid"/>
+                    </a:lnB>
+                    <a:solidFill>
+                      <a:srgbClr val="FFFFFF">
+                        <a:alpha val="0"/>
+                      </a:srgbClr>
+                    </a:solidFill>
+                  </a:tcPr>
+                </a:tc>
+                <a:tc>
+                  <a:txBody>
+                    <a:bodyPr/>
+                    <a:lstStyle/>
+                    <a:p>
+                      <a:pPr algn="r" marL="63500" marR="63500">
+                        <a:lnSpc>
+                          <a:spcPct val="100000"/>
+                        </a:lnSpc>
+                        <a:spcBef>
+                          <a:spcPts val="500"/>
+                        </a:spcBef>
+                        <a:spcAft>
+                          <a:spcPts val="500"/>
+                        </a:spcAft>
+                        <a:buNone/>
+                      </a:pPr>
+                      <a:r>
+                        <a:rPr cap="none" sz="1100" i="0" b="0" u="none">
+                          <a:solidFill>
+                            <a:srgbClr val="000000">
+                              <a:alpha val="100000"/>
+                            </a:srgbClr>
+                          </a:solidFill>
+                          <a:latin typeface="Arial"/>
+                          <a:cs typeface="Arial"/>
+                          <a:ea typeface="Arial"/>
+                          <a:sym typeface="Arial"/>
+                        </a:rPr>
+                        <a:t>3</a:t>
+                      </a:r>
+                    </a:p>
+                  </a:txBody>
+                  <a:tcPr anchor="ctr" marB="63500" marT="63500" marR="0" marL="0">
+                    <a:lnL algn="ctr" cmpd="sng" cap="flat" w="0">
+                      <a:noFill/>
+                      <a:prstDash val="solid"/>
+                    </a:lnL>
+                    <a:lnR algn="ctr" cmpd="sng" cap="flat" w="0">
+                      <a:noFill/>
+                      <a:prstDash val="solid"/>
+                    </a:lnR>
+                    <a:lnT algn="ctr" cmpd="sng" cap="flat" w="0">
+                      <a:noFill/>
+                      <a:prstDash val="solid"/>
+                    </a:lnT>
+                    <a:lnB algn="ctr" cmpd="sng" cap="flat" w="25400">
+                      <a:solidFill>
+                        <a:srgbClr val="666666">
+                          <a:alpha val="100000"/>
+                        </a:srgbClr>
+                      </a:solidFill>
+                      <a:prstDash val="solid"/>
+                    </a:lnB>
+                    <a:solidFill>
+                      <a:srgbClr val="FFFFFF">
+                        <a:alpha val="0"/>
+                      </a:srgbClr>
+                    </a:solidFill>
+                  </a:tcPr>
+                </a:tc>
+              </a:tr>
+            </a:tbl>
+          </a:graphicData>
+        </a:graphic>
+      </p:graphicFrame>
+    </p:spTree>
+  </p:cSld>
+</p:sld>
+</file>
+
+<file path=ppt/slides/slide6.xml><?xml version="1.0" encoding="utf-8"?>
+<p:sld xmlns:a="http://schemas.openxmlformats.org/drawingml/2006/main" xmlns:r="http://schemas.openxmlformats.org/officeDocument/2006/relationships" xmlns:p="http://schemas.openxmlformats.org/presentationml/2006/main">
+  <p:cSld>
+    <p:spTree>
+      <p:nvGrpSpPr>
+        <p:cNvPr id="1" name=""/>
+        <p:cNvGrpSpPr/>
+        <p:nvPr/>
+      </p:nvGrpSpPr>
+      <p:grpSpPr>
+        <a:xfrm>
+          <a:off x="0" y="0"/>
+          <a:ext cx="0" cy="0"/>
+          <a:chOff x="0" y="0"/>
+          <a:chExt cx="0" cy="0"/>
+        </a:xfrm>
+      </p:grpSpPr>
+      <p:sp>
+        <p:nvSpPr>
+          <p:cNvPr id="2" name="Title 1"/>
+          <p:cNvSpPr>
+            <a:spLocks noGrp="1"/>
+          </p:cNvSpPr>
+          <p:nvPr>
+            <p:ph type="title"/>
+          </p:nvPr>
+        </p:nvSpPr>
+        <p:spPr/>
+        <p:txBody>
+          <a:bodyPr/>
+          <a:lstStyle/>
+          <a:p>
+            <a:pPr lvl="0" indent="0" marL="0">
+              <a:buNone/>
+            </a:pPr>
+            <a:r>
+              <a:rPr/>
+              <a:t>Table</a:t>
+            </a:r>
+          </a:p>
+        </p:txBody>
+      </p:sp>
+      <p:graphicFrame>
+        <p:nvGraphicFramePr>
+          <p:cNvPr id="0" name="Content Placeholder 2"/>
+          <p:cNvGraphicFramePr>
+            <a:graphicFrameLocks noGrp="1"/>
+          </p:cNvGraphicFramePr>
+          <p:nvPr>
+            <p:ph sz="half" idx="1"/>
+          </p:nvPr>
+        </p:nvGraphicFramePr>
+        <p:xfrm rot="-0">
+          <a:off x="457200" y="1200151"/>
+          <a:ext cx="4038600" cy="3394472"/>
+        </p:xfrm>
+        <a:graphic>
+          <a:graphicData uri="http://schemas.openxmlformats.org/drawingml/2006/table">
+            <a:tbl>
+              <a:tblPr firstRow="1" lastRow="0" firstColumn="0" lastColumn="0" bandRow="1" bandCol="0">
+                <a:tableStyleId>{5C22544A-7EE6-4342-B048-85BDC9FD1C3A}</a:tableStyleId>
+              </a:tblPr>
+              <a:tblGrid>
+                <a:gridCol w="2019300"/>
+                <a:gridCol w="2019300"/>
+              </a:tblGrid>
+              <a:tr h="565745">
+                <a:tc>
+                  <a:txBody>
+                    <a:bodyPr/>
+                    <a:lstStyle/>
+                    <a:p>
+                      <a:pPr algn="r"/>
+                      <a:r>
+                        <a:t>speed</a:t>
+                      </a:r>
+                    </a:p>
+                  </a:txBody>
+                </a:tc>
+                <a:tc>
+                  <a:txBody>
+                    <a:bodyPr/>
+                    <a:lstStyle/>
+                    <a:p>
+                      <a:pPr algn="r"/>
+                      <a:r>
+                        <a:t>dist</a:t>
+                      </a:r>
+                    </a:p>
+                  </a:txBody>
+                </a:tc>
+              </a:tr>
+              <a:tr h="565745">
+                <a:tc>
+                  <a:txBody>
+                    <a:bodyPr/>
+                    <a:lstStyle/>
+                    <a:p>
+                      <a:pPr algn="r"/>
+                      <a:r>
+                        <a:t>4</a:t>
+                      </a:r>
+                    </a:p>
+                  </a:txBody>
+                </a:tc>
+                <a:tc>
+                  <a:txBody>
+                    <a:bodyPr/>
+                    <a:lstStyle/>
+                    <a:p>
+                      <a:pPr algn="r"/>
+                      <a:r>
+                        <a:t>2</a:t>
+                      </a:r>
+                    </a:p>
+                  </a:txBody>
+                </a:tc>
+              </a:tr>
+              <a:tr h="565745">
+                <a:tc>
+                  <a:txBody>
+                    <a:bodyPr/>
+                    <a:lstStyle/>
+                    <a:p>
+                      <a:pPr algn="r"/>
+                      <a:r>
+                        <a:t>4</a:t>
+                      </a:r>
+                    </a:p>
+                  </a:txBody>
+                </a:tc>
+                <a:tc>
+                  <a:txBody>
+                    <a:bodyPr/>
+                    <a:lstStyle/>
+                    <a:p>
+                      <a:pPr algn="r"/>
+                      <a:r>
+                        <a:t>10</a:t>
+                      </a:r>
+                    </a:p>
+                  </a:txBody>
+                </a:tc>
+              </a:tr>
+              <a:tr h="565745">
+                <a:tc>
+                  <a:txBody>
+                    <a:bodyPr/>
+                    <a:lstStyle/>
+                    <a:p>
+                      <a:pPr algn="r"/>
+                      <a:r>
+                        <a:t>7</a:t>
+                      </a:r>
+                    </a:p>
+                  </a:txBody>
+                </a:tc>
+                <a:tc>
+                  <a:txBody>
+                    <a:bodyPr/>
+                    <a:lstStyle/>
+                    <a:p>
+                      <a:pPr algn="r"/>
+                      <a:r>
+                        <a:t>4</a:t>
+                      </a:r>
+                    </a:p>
+                  </a:txBody>
+                </a:tc>
+              </a:tr>
+              <a:tr h="565745">
+                <a:tc>
+                  <a:txBody>
+                    <a:bodyPr/>
+                    <a:lstStyle/>
+                    <a:p>
+                      <a:pPr algn="r"/>
+                      <a:r>
+                        <a:t>7</a:t>
+                      </a:r>
+                    </a:p>
+                  </a:txBody>
+                </a:tc>
+                <a:tc>
+                  <a:txBody>
+                    <a:bodyPr/>
+                    <a:lstStyle/>
+                    <a:p>
+                      <a:pPr algn="r"/>
+                      <a:r>
+                        <a:t>22</a:t>
+                      </a:r>
+                    </a:p>
+                  </a:txBody>
+                </a:tc>
+              </a:tr>
+              <a:tr h="565745">
+                <a:tc>
+                  <a:txBody>
+                    <a:bodyPr/>
+                    <a:lstStyle/>
+                    <a:p>
+                      <a:pPr algn="r"/>
+                      <a:r>
+                        <a:t>8</a:t>
+                      </a:r>
+                    </a:p>
+                  </a:txBody>
+                </a:tc>
+                <a:tc>
+                  <a:txBody>
+                    <a:bodyPr/>
+                    <a:lstStyle/>
+                    <a:p>
+                      <a:pPr algn="r"/>
+                      <a:r>
+                        <a:t>16</a:t>
+                      </a:r>
+                    </a:p>
+                  </a:txBody>
+                </a:tc>
+              </a:tr>
+              <a:tr h="565745">
+                <a:tc>
+                  <a:txBody>
+                    <a:bodyPr/>
+                    <a:lstStyle/>
+                    <a:p>
+                      <a:pPr algn="r"/>
+                      <a:r>
+                        <a:t>9</a:t>
+                      </a:r>
+                    </a:p>
+                  </a:txBody>
+                </a:tc>
+                <a:tc>
+                  <a:txBody>
+                    <a:bodyPr/>
+                    <a:lstStyle/>
+                    <a:p>
+                      <a:pPr algn="r"/>
+                      <a:r>
+                        <a:t>10</a:t>
+                      </a:r>
+                    </a:p>
+                  </a:txBody>
+                </a:tc>
+              </a:tr>
+            </a:tbl>
+          </a:graphicData>
+        </a:graphic>
+      </p:graphicFrame>
+      <p:graphicFrame>
+        <p:nvGraphicFramePr>
+          <p:cNvPr id="995500270" name=""/>
+          <p:cNvGraphicFramePr>
+            <a:graphicFrameLocks noGrp="true"/>
+          </p:cNvGraphicFramePr>
+          <p:nvPr/>
+        </p:nvGraphicFramePr>
+        <p:xfrm rot="0">
+          <a:off x="914400" y="1828800"/>
+          <a:ext cx="9144000" cy="5486400"/>
+        </p:xfrm>
+        <a:graphic>
+          <a:graphicData uri="http://schemas.openxmlformats.org/drawingml/2006/table">
+            <a:tbl>
+              <a:tblPr/>
+              <a:tblGrid>
+                <a:gridCol w="685800"/>
+                <a:gridCol w="685800"/>
+                <a:gridCol w="685800"/>
+                <a:gridCol w="685800"/>
+                <a:gridCol w="685800"/>
+              </a:tblGrid>
+              <a:tr h="228600">
+                <a:tc>
+                  <a:txBody>
+                    <a:bodyPr/>
+                    <a:lstStyle/>
+                    <a:p>
+                      <a:pPr algn="r" marL="63500" marR="63500">
+                        <a:lnSpc>
+                          <a:spcPct val="100000"/>
+                        </a:lnSpc>
+                        <a:spcBef>
+                          <a:spcPts val="500"/>
+                        </a:spcBef>
+                        <a:spcAft>
+                          <a:spcPts val="500"/>
+                        </a:spcAft>
+                        <a:buNone/>
+                      </a:pPr>
+                      <a:r>
+                        <a:rPr cap="none" sz="1100" i="0" b="0" u="none">
+                          <a:solidFill>
+                            <a:srgbClr val="000000">
+                              <a:alpha val="100000"/>
+                            </a:srgbClr>
+                          </a:solidFill>
+                          <a:latin typeface="Arial"/>
+                          <a:cs typeface="Arial"/>
+                          <a:ea typeface="Arial"/>
+                          <a:sym typeface="Arial"/>
+                        </a:rPr>
+                        <a:t>Sepal.Length</a:t>
+                      </a:r>
+                    </a:p>
+                  </a:txBody>
+                  <a:tcPr anchor="ctr" marB="63500" marT="63500" marR="0" marL="0">
+                    <a:lnL algn="ctr" cmpd="sng" cap="flat" w="0">
+                      <a:noFill/>
+                      <a:prstDash val="solid"/>
+                    </a:lnL>
+                    <a:lnR algn="ctr" cmpd="sng" cap="flat" w="0">
+                      <a:noFill/>
+                      <a:prstDash val="solid"/>
+                    </a:lnR>
+                    <a:lnT algn="ctr" cmpd="sng" cap="flat" w="25400">
+                      <a:solidFill>
+                        <a:srgbClr val="666666">
+                          <a:alpha val="100000"/>
+                        </a:srgbClr>
+                      </a:solidFill>
+                      <a:prstDash val="solid"/>
+                    </a:lnT>
+                    <a:lnB algn="ctr" cmpd="sng" cap="flat" w="25400">
+                      <a:solidFill>
+                        <a:srgbClr val="666666">
+                          <a:alpha val="100000"/>
+                        </a:srgbClr>
+                      </a:solidFill>
+                      <a:prstDash val="solid"/>
+                    </a:lnB>
+                    <a:solidFill>
+                      <a:srgbClr val="FFFFFF">
+                        <a:alpha val="0"/>
+                      </a:srgbClr>
+                    </a:solidFill>
+                  </a:tcPr>
+                </a:tc>
+                <a:tc>
+                  <a:txBody>
+                    <a:bodyPr/>
+                    <a:lstStyle/>
+                    <a:p>
+                      <a:pPr algn="r" marL="63500" marR="63500">
+                        <a:lnSpc>
+                          <a:spcPct val="100000"/>
+                        </a:lnSpc>
+                        <a:spcBef>
+                          <a:spcPts val="500"/>
+                        </a:spcBef>
+                        <a:spcAft>
+                          <a:spcPts val="500"/>
+                        </a:spcAft>
+                        <a:buNone/>
+                      </a:pPr>
+                      <a:r>
+                        <a:rPr cap="none" sz="1100" i="0" b="0" u="none">
+                          <a:solidFill>
+                            <a:srgbClr val="000000">
+                              <a:alpha val="100000"/>
+                            </a:srgbClr>
+                          </a:solidFill>
+                          <a:latin typeface="Arial"/>
+                          <a:cs typeface="Arial"/>
+                          <a:ea typeface="Arial"/>
+                          <a:sym typeface="Arial"/>
+                        </a:rPr>
+                        <a:t>Sepal.Width</a:t>
+                      </a:r>
+                    </a:p>
+                  </a:txBody>
+                  <a:tcPr anchor="ctr" marB="63500" marT="63500" marR="0" marL="0">
+                    <a:lnL algn="ctr" cmpd="sng" cap="flat" w="0">
+                      <a:noFill/>
+                      <a:prstDash val="solid"/>
+                    </a:lnL>
+                    <a:lnR algn="ctr" cmpd="sng" cap="flat" w="0">
+                      <a:noFill/>
+                      <a:prstDash val="solid"/>
+                    </a:lnR>
+                    <a:lnT algn="ctr" cmpd="sng" cap="flat" w="25400">
+                      <a:solidFill>
+                        <a:srgbClr val="666666">
+                          <a:alpha val="100000"/>
+                        </a:srgbClr>
+                      </a:solidFill>
+                      <a:prstDash val="solid"/>
+                    </a:lnT>
+                    <a:lnB algn="ctr" cmpd="sng" cap="flat" w="25400">
+                      <a:solidFill>
+                        <a:srgbClr val="666666">
+                          <a:alpha val="100000"/>
+                        </a:srgbClr>
+                      </a:solidFill>
+                      <a:prstDash val="solid"/>
+                    </a:lnB>
+                    <a:solidFill>
+                      <a:srgbClr val="FFFFFF">
+                        <a:alpha val="0"/>
+                      </a:srgbClr>
+                    </a:solidFill>
+                  </a:tcPr>
+                </a:tc>
+                <a:tc>
+                  <a:txBody>
+                    <a:bodyPr/>
+                    <a:lstStyle/>
+                    <a:p>
+                      <a:pPr algn="r" marL="63500" marR="63500">
+                        <a:lnSpc>
+                          <a:spcPct val="100000"/>
+                        </a:lnSpc>
+                        <a:spcBef>
+                          <a:spcPts val="500"/>
+                        </a:spcBef>
+                        <a:spcAft>
+                          <a:spcPts val="500"/>
+                        </a:spcAft>
+                        <a:buNone/>
+                      </a:pPr>
+                      <a:r>
+                        <a:rPr cap="none" sz="1100" i="0" b="0" u="none">
+                          <a:solidFill>
+                            <a:srgbClr val="000000">
+                              <a:alpha val="100000"/>
+                            </a:srgbClr>
+                          </a:solidFill>
+                          <a:latin typeface="Arial"/>
+                          <a:cs typeface="Arial"/>
+                          <a:ea typeface="Arial"/>
+                          <a:sym typeface="Arial"/>
+                        </a:rPr>
+                        <a:t>Petal.Length</a:t>
+                      </a:r>
+                    </a:p>
+                  </a:txBody>
+                  <a:tcPr anchor="ctr" marB="63500" marT="63500" marR="0" marL="0">
+                    <a:lnL algn="ctr" cmpd="sng" cap="flat" w="0">
+                      <a:noFill/>
+                      <a:prstDash val="solid"/>
+                    </a:lnL>
+                    <a:lnR algn="ctr" cmpd="sng" cap="flat" w="0">
+                      <a:noFill/>
+                      <a:prstDash val="solid"/>
+                    </a:lnR>
+                    <a:lnT algn="ctr" cmpd="sng" cap="flat" w="25400">
+                      <a:solidFill>
+                        <a:srgbClr val="666666">
+                          <a:alpha val="100000"/>
+                        </a:srgbClr>
+                      </a:solidFill>
+                      <a:prstDash val="solid"/>
+                    </a:lnT>
+                    <a:lnB algn="ctr" cmpd="sng" cap="flat" w="25400">
+                      <a:solidFill>
+                        <a:srgbClr val="666666">
+                          <a:alpha val="100000"/>
+                        </a:srgbClr>
+                      </a:solidFill>
+                      <a:prstDash val="solid"/>
+                    </a:lnB>
+                    <a:solidFill>
+                      <a:srgbClr val="FFFFFF">
+                        <a:alpha val="0"/>
+                      </a:srgbClr>
+                    </a:solidFill>
+                  </a:tcPr>
+                </a:tc>
+                <a:tc>
+                  <a:txBody>
+                    <a:bodyPr/>
+                    <a:lstStyle/>
+                    <a:p>
+                      <a:pPr algn="r" marL="63500" marR="63500">
+                        <a:lnSpc>
+                          <a:spcPct val="100000"/>
+                        </a:lnSpc>
+                        <a:spcBef>
+                          <a:spcPts val="500"/>
+                        </a:spcBef>
+                        <a:spcAft>
+                          <a:spcPts val="500"/>
+                        </a:spcAft>
+                        <a:buNone/>
+                      </a:pPr>
+                      <a:r>
+                        <a:rPr cap="none" sz="1100" i="0" b="0" u="none">
+                          <a:solidFill>
+                            <a:srgbClr val="000000">
+                              <a:alpha val="100000"/>
+                            </a:srgbClr>
+                          </a:solidFill>
+                          <a:latin typeface="Arial"/>
+                          <a:cs typeface="Arial"/>
+                          <a:ea typeface="Arial"/>
+                          <a:sym typeface="Arial"/>
+                        </a:rPr>
+                        <a:t>Petal.Width</a:t>
+                      </a:r>
+                    </a:p>
+                  </a:txBody>
+                  <a:tcPr anchor="ctr" marB="63500" marT="63500" marR="0" marL="0">
+                    <a:lnL algn="ctr" cmpd="sng" cap="flat" w="0">
+                      <a:noFill/>
+                      <a:prstDash val="solid"/>
+                    </a:lnL>
+                    <a:lnR algn="ctr" cmpd="sng" cap="flat" w="0">
+                      <a:noFill/>
+                      <a:prstDash val="solid"/>
+                    </a:lnR>
+                    <a:lnT algn="ctr" cmpd="sng" cap="flat" w="25400">
+                      <a:solidFill>
+                        <a:srgbClr val="666666">
+                          <a:alpha val="100000"/>
+                        </a:srgbClr>
+                      </a:solidFill>
+                      <a:prstDash val="solid"/>
+                    </a:lnT>
+                    <a:lnB algn="ctr" cmpd="sng" cap="flat" w="25400">
+                      <a:solidFill>
+                        <a:srgbClr val="666666">
+                          <a:alpha val="100000"/>
+                        </a:srgbClr>
+                      </a:solidFill>
+                      <a:prstDash val="solid"/>
+                    </a:lnB>
+                    <a:solidFill>
+                      <a:srgbClr val="FFFFFF">
+                        <a:alpha val="0"/>
+                      </a:srgbClr>
+                    </a:solidFill>
+                  </a:tcPr>
+                </a:tc>
+                <a:tc>
+                  <a:txBody>
+                    <a:bodyPr/>
+                    <a:lstStyle/>
+                    <a:p>
+                      <a:pPr algn="l" marL="63500" marR="63500">
+                        <a:lnSpc>
+                          <a:spcPct val="100000"/>
+                        </a:lnSpc>
+                        <a:spcBef>
+                          <a:spcPts val="500"/>
+                        </a:spcBef>
+                        <a:spcAft>
+                          <a:spcPts val="500"/>
+                        </a:spcAft>
+                        <a:buNone/>
+                      </a:pPr>
+                      <a:r>
+                        <a:rPr cap="none" sz="1100" i="0" b="0" u="none">
+                          <a:solidFill>
+                            <a:srgbClr val="000000">
+                              <a:alpha val="100000"/>
+                            </a:srgbClr>
+                          </a:solidFill>
+                          <a:latin typeface="Arial"/>
+                          <a:cs typeface="Arial"/>
+                          <a:ea typeface="Arial"/>
+                          <a:sym typeface="Arial"/>
+                        </a:rPr>
+                        <a:t>Species</a:t>
+                      </a:r>
+                    </a:p>
+                  </a:txBody>
+                  <a:tcPr anchor="ctr" marB="63500" marT="63500" marR="0" marL="0">
+                    <a:lnL algn="ctr" cmpd="sng" cap="flat" w="0">
+                      <a:noFill/>
+                      <a:prstDash val="solid"/>
+                    </a:lnL>
+                    <a:lnR algn="ctr" cmpd="sng" cap="flat" w="0">
+                      <a:noFill/>
+                      <a:prstDash val="solid"/>
+                    </a:lnR>
+                    <a:lnT algn="ctr" cmpd="sng" cap="flat" w="25400">
+                      <a:solidFill>
+                        <a:srgbClr val="666666">
+                          <a:alpha val="100000"/>
+                        </a:srgbClr>
+                      </a:solidFill>
+                      <a:prstDash val="solid"/>
+                    </a:lnT>
+                    <a:lnB algn="ctr" cmpd="sng" cap="flat" w="25400">
+                      <a:solidFill>
+                        <a:srgbClr val="666666">
+                          <a:alpha val="100000"/>
+                        </a:srgbClr>
+                      </a:solidFill>
+                      <a:prstDash val="solid"/>
+                    </a:lnB>
+                    <a:solidFill>
+                      <a:srgbClr val="FFFFFF">
+                        <a:alpha val="0"/>
+                      </a:srgbClr>
+                    </a:solidFill>
+                  </a:tcPr>
+                </a:tc>
+              </a:tr>
+              <a:tr h="228600">
+                <a:tc>
+                  <a:txBody>
+                    <a:bodyPr/>
+                    <a:lstStyle/>
+                    <a:p>
+                      <a:pPr algn="r" marL="63500" marR="63500">
+                        <a:lnSpc>
+                          <a:spcPct val="100000"/>
+                        </a:lnSpc>
+                        <a:spcBef>
+                          <a:spcPts val="500"/>
+                        </a:spcBef>
+                        <a:spcAft>
+                          <a:spcPts val="500"/>
+                        </a:spcAft>
+                        <a:buNone/>
+                      </a:pPr>
+                      <a:r>
+                        <a:rPr cap="none" sz="1100" i="0" b="0" u="none">
+                          <a:solidFill>
+                            <a:srgbClr val="000000">
+                              <a:alpha val="100000"/>
+                            </a:srgbClr>
+                          </a:solidFill>
+                          <a:latin typeface="Arial"/>
+                          <a:cs typeface="Arial"/>
+                          <a:ea typeface="Arial"/>
+                          <a:sym typeface="Arial"/>
+                        </a:rPr>
+                        <a:t>5.1</a:t>
+                      </a:r>
+                    </a:p>
+                  </a:txBody>
+                  <a:tcPr anchor="ctr" marB="63500" marT="63500" marR="0" marL="0">
+                    <a:lnL algn="ctr" cmpd="sng" cap="flat" w="0">
+                      <a:noFill/>
+                      <a:prstDash val="solid"/>
+                    </a:lnL>
+                    <a:lnR algn="ctr" cmpd="sng" cap="flat" w="0">
+                      <a:noFill/>
+                      <a:prstDash val="solid"/>
+                    </a:lnR>
+                    <a:lnT algn="ctr" cmpd="sng" cap="flat" w="0">
+                      <a:noFill/>
+                      <a:prstDash val="solid"/>
+                    </a:lnT>
+                    <a:lnB algn="ctr" cmpd="sng" cap="flat" w="0">
+                      <a:noFill/>
+                      <a:prstDash val="solid"/>
+                    </a:lnB>
+                    <a:solidFill>
+                      <a:srgbClr val="FFFFFF">
+                        <a:alpha val="0"/>
+                      </a:srgbClr>
+                    </a:solidFill>
+                  </a:tcPr>
+                </a:tc>
+                <a:tc>
+                  <a:txBody>
+                    <a:bodyPr/>
+                    <a:lstStyle/>
+                    <a:p>
+                      <a:pPr algn="r" marL="63500" marR="63500">
+                        <a:lnSpc>
+                          <a:spcPct val="100000"/>
+                        </a:lnSpc>
+                        <a:spcBef>
+                          <a:spcPts val="500"/>
+                        </a:spcBef>
+                        <a:spcAft>
+                          <a:spcPts val="500"/>
+                        </a:spcAft>
+                        <a:buNone/>
+                      </a:pPr>
+                      <a:r>
+                        <a:rPr cap="none" sz="1100" i="0" b="0" u="none">
+                          <a:solidFill>
+                            <a:srgbClr val="000000">
+                              <a:alpha val="100000"/>
+                            </a:srgbClr>
+                          </a:solidFill>
+                          <a:latin typeface="Arial"/>
+                          <a:cs typeface="Arial"/>
+                          <a:ea typeface="Arial"/>
+                          <a:sym typeface="Arial"/>
+                        </a:rPr>
+                        <a:t>3.5</a:t>
+                      </a:r>
+                    </a:p>
+                  </a:txBody>
+                  <a:tcPr anchor="ctr" marB="63500" marT="63500" marR="0" marL="0">
+                    <a:lnL algn="ctr" cmpd="sng" cap="flat" w="0">
+                      <a:noFill/>
+                      <a:prstDash val="solid"/>
+                    </a:lnL>
+                    <a:lnR algn="ctr" cmpd="sng" cap="flat" w="0">
+                      <a:noFill/>
+                      <a:prstDash val="solid"/>
+                    </a:lnR>
+                    <a:lnT algn="ctr" cmpd="sng" cap="flat" w="0">
+                      <a:noFill/>
+                      <a:prstDash val="solid"/>
+                    </a:lnT>
+                    <a:lnB algn="ctr" cmpd="sng" cap="flat" w="0">
+                      <a:noFill/>
+                      <a:prstDash val="solid"/>
+                    </a:lnB>
+                    <a:solidFill>
+                      <a:srgbClr val="FFFFFF">
+                        <a:alpha val="0"/>
+                      </a:srgbClr>
+                    </a:solidFill>
+                  </a:tcPr>
+                </a:tc>
+                <a:tc>
+                  <a:txBody>
+                    <a:bodyPr/>
+                    <a:lstStyle/>
+                    <a:p>
+                      <a:pPr algn="r" marL="63500" marR="63500">
+                        <a:lnSpc>
+                          <a:spcPct val="100000"/>
+                        </a:lnSpc>
+                        <a:spcBef>
+                          <a:spcPts val="500"/>
+                        </a:spcBef>
+                        <a:spcAft>
+                          <a:spcPts val="500"/>
+                        </a:spcAft>
+                        <a:buNone/>
+                      </a:pPr>
+                      <a:r>
+                        <a:rPr cap="none" sz="1100" i="0" b="0" u="none">
+                          <a:solidFill>
+                            <a:srgbClr val="000000">
+                              <a:alpha val="100000"/>
+                            </a:srgbClr>
+                          </a:solidFill>
+                          <a:latin typeface="Arial"/>
+                          <a:cs typeface="Arial"/>
+                          <a:ea typeface="Arial"/>
+                          <a:sym typeface="Arial"/>
+                        </a:rPr>
+                        <a:t>1.4</a:t>
+                      </a:r>
+                    </a:p>
+                  </a:txBody>
+                  <a:tcPr anchor="ctr" marB="63500" marT="63500" marR="0" marL="0">
+                    <a:lnL algn="ctr" cmpd="sng" cap="flat" w="0">
+                      <a:noFill/>
+                      <a:prstDash val="solid"/>
+                    </a:lnL>
+                    <a:lnR algn="ctr" cmpd="sng" cap="flat" w="0">
+                      <a:noFill/>
+                      <a:prstDash val="solid"/>
+                    </a:lnR>
+                    <a:lnT algn="ctr" cmpd="sng" cap="flat" w="0">
+                      <a:noFill/>
+                      <a:prstDash val="solid"/>
+                    </a:lnT>
+                    <a:lnB algn="ctr" cmpd="sng" cap="flat" w="0">
+                      <a:noFill/>
+                      <a:prstDash val="solid"/>
+                    </a:lnB>
+                    <a:solidFill>
+                      <a:srgbClr val="FFFFFF">
+                        <a:alpha val="0"/>
+                      </a:srgbClr>
+                    </a:solidFill>
+                  </a:tcPr>
+                </a:tc>
+                <a:tc>
+                  <a:txBody>
+                    <a:bodyPr/>
+                    <a:lstStyle/>
+                    <a:p>
+                      <a:pPr algn="r" marL="63500" marR="63500">
+                        <a:lnSpc>
+                          <a:spcPct val="100000"/>
+                        </a:lnSpc>
+                        <a:spcBef>
+                          <a:spcPts val="500"/>
+                        </a:spcBef>
+                        <a:spcAft>
+                          <a:spcPts val="500"/>
+                        </a:spcAft>
+                        <a:buNone/>
+                      </a:pPr>
+                      <a:r>
+                        <a:rPr cap="none" sz="1100" i="0" b="0" u="none">
+                          <a:solidFill>
+                            <a:srgbClr val="000000">
+                              <a:alpha val="100000"/>
+                            </a:srgbClr>
+                          </a:solidFill>
+                          <a:latin typeface="Arial"/>
+                          <a:cs typeface="Arial"/>
+                          <a:ea typeface="Arial"/>
+                          <a:sym typeface="Arial"/>
+                        </a:rPr>
+                        <a:t>0.2</a:t>
+                      </a:r>
+                    </a:p>
+                  </a:txBody>
+                  <a:tcPr anchor="ctr" marB="63500" marT="63500" marR="0" marL="0">
+                    <a:lnL algn="ctr" cmpd="sng" cap="flat" w="0">
+                      <a:noFill/>
+                      <a:prstDash val="solid"/>
+                    </a:lnL>
+                    <a:lnR algn="ctr" cmpd="sng" cap="flat" w="0">
+                      <a:noFill/>
+                      <a:prstDash val="solid"/>
+                    </a:lnR>
+                    <a:lnT algn="ctr" cmpd="sng" cap="flat" w="0">
+                      <a:noFill/>
+                      <a:prstDash val="solid"/>
+                    </a:lnT>
+                    <a:lnB algn="ctr" cmpd="sng" cap="flat" w="0">
+                      <a:noFill/>
+                      <a:prstDash val="solid"/>
+                    </a:lnB>
+                    <a:solidFill>
+                      <a:srgbClr val="FFFFFF">
+                        <a:alpha val="0"/>
+                      </a:srgbClr>
+                    </a:solidFill>
+                  </a:tcPr>
+                </a:tc>
+                <a:tc>
+                  <a:txBody>
+                    <a:bodyPr/>
+                    <a:lstStyle/>
+                    <a:p>
+                      <a:pPr algn="l" marL="63500" marR="63500">
+                        <a:lnSpc>
+                          <a:spcPct val="100000"/>
+                        </a:lnSpc>
+                        <a:spcBef>
+                          <a:spcPts val="500"/>
+                        </a:spcBef>
+                        <a:spcAft>
+                          <a:spcPts val="500"/>
+                        </a:spcAft>
+                        <a:buNone/>
+                      </a:pPr>
+                      <a:r>
+                        <a:rPr cap="none" sz="1100" i="0" b="0" u="none">
+                          <a:solidFill>
+                            <a:srgbClr val="000000">
+                              <a:alpha val="100000"/>
+                            </a:srgbClr>
+                          </a:solidFill>
+                          <a:latin typeface="Arial"/>
+                          <a:cs typeface="Arial"/>
+                          <a:ea typeface="Arial"/>
+                          <a:sym typeface="Arial"/>
+                        </a:rPr>
+                        <a:t>setosa</a:t>
+                      </a:r>
+                    </a:p>
+                  </a:txBody>
+                  <a:tcPr anchor="ctr" marB="63500" marT="63500" marR="0" marL="0">
+                    <a:lnL algn="ctr" cmpd="sng" cap="flat" w="0">
+                      <a:noFill/>
+                      <a:prstDash val="solid"/>
+                    </a:lnL>
+                    <a:lnR algn="ctr" cmpd="sng" cap="flat" w="0">
+                      <a:noFill/>
+                      <a:prstDash val="solid"/>
+                    </a:lnR>
+                    <a:lnT algn="ctr" cmpd="sng" cap="flat" w="0">
+                      <a:noFill/>
+                      <a:prstDash val="solid"/>
+                    </a:lnT>
+                    <a:lnB algn="ctr" cmpd="sng" cap="flat" w="0">
+                      <a:noFill/>
+                      <a:prstDash val="solid"/>
+                    </a:lnB>
+                    <a:solidFill>
+                      <a:srgbClr val="FFFFFF">
+                        <a:alpha val="0"/>
+                      </a:srgbClr>
+                    </a:solidFill>
+                  </a:tcPr>
+                </a:tc>
+              </a:tr>
+              <a:tr h="228600">
+                <a:tc>
+                  <a:txBody>
+                    <a:bodyPr/>
+                    <a:lstStyle/>
+                    <a:p>
+                      <a:pPr algn="r" marL="63500" marR="63500">
+                        <a:lnSpc>
+                          <a:spcPct val="100000"/>
+                        </a:lnSpc>
+                        <a:spcBef>
+                          <a:spcPts val="500"/>
+                        </a:spcBef>
+                        <a:spcAft>
+                          <a:spcPts val="500"/>
+                        </a:spcAft>
+                        <a:buNone/>
+                      </a:pPr>
+                      <a:r>
+                        <a:rPr cap="none" sz="1100" i="0" b="0" u="none">
+                          <a:solidFill>
+                            <a:srgbClr val="000000">
+                              <a:alpha val="100000"/>
+                            </a:srgbClr>
+                          </a:solidFill>
+                          <a:latin typeface="Arial"/>
+                          <a:cs typeface="Arial"/>
+                          <a:ea typeface="Arial"/>
+                          <a:sym typeface="Arial"/>
+                        </a:rPr>
+                        <a:t>4.9</a:t>
+                      </a:r>
+                    </a:p>
+                  </a:txBody>
+                  <a:tcPr anchor="ctr" marB="63500" marT="63500" marR="0" marL="0">
+                    <a:lnL algn="ctr" cmpd="sng" cap="flat" w="0">
+                      <a:noFill/>
+                      <a:prstDash val="solid"/>
+                    </a:lnL>
+                    <a:lnR algn="ctr" cmpd="sng" cap="flat" w="0">
+                      <a:noFill/>
+                      <a:prstDash val="solid"/>
+                    </a:lnR>
+                    <a:lnT algn="ctr" cmpd="sng" cap="flat" w="0">
+                      <a:noFill/>
+                      <a:prstDash val="solid"/>
+                    </a:lnT>
+                    <a:lnB algn="ctr" cmpd="sng" cap="flat" w="0">
+                      <a:noFill/>
+                      <a:prstDash val="solid"/>
+                    </a:lnB>
+                    <a:solidFill>
+                      <a:srgbClr val="FFFFFF">
+                        <a:alpha val="0"/>
+                      </a:srgbClr>
+                    </a:solidFill>
+                  </a:tcPr>
+                </a:tc>
+                <a:tc>
+                  <a:txBody>
+                    <a:bodyPr/>
+                    <a:lstStyle/>
+                    <a:p>
+                      <a:pPr algn="r" marL="63500" marR="63500">
+                        <a:lnSpc>
+                          <a:spcPct val="100000"/>
+                        </a:lnSpc>
+                        <a:spcBef>
+                          <a:spcPts val="500"/>
+                        </a:spcBef>
+                        <a:spcAft>
+                          <a:spcPts val="500"/>
+                        </a:spcAft>
+                        <a:buNone/>
+                      </a:pPr>
+                      <a:r>
+                        <a:rPr cap="none" sz="1100" i="0" b="0" u="none">
+                          <a:solidFill>
+                            <a:srgbClr val="000000">
+                              <a:alpha val="100000"/>
+                            </a:srgbClr>
+                          </a:solidFill>
+                          <a:latin typeface="Arial"/>
+                          <a:cs typeface="Arial"/>
+                          <a:ea typeface="Arial"/>
+                          <a:sym typeface="Arial"/>
+                        </a:rPr>
+                        <a:t>3.0</a:t>
+                      </a:r>
+                    </a:p>
+                  </a:txBody>
+                  <a:tcPr anchor="ctr" marB="63500" marT="63500" marR="0" marL="0">
+                    <a:lnL algn="ctr" cmpd="sng" cap="flat" w="0">
+                      <a:noFill/>
+                      <a:prstDash val="solid"/>
+                    </a:lnL>
+                    <a:lnR algn="ctr" cmpd="sng" cap="flat" w="0">
+                      <a:noFill/>
+                      <a:prstDash val="solid"/>
+                    </a:lnR>
+                    <a:lnT algn="ctr" cmpd="sng" cap="flat" w="0">
+                      <a:noFill/>
+                      <a:prstDash val="solid"/>
+                    </a:lnT>
+                    <a:lnB algn="ctr" cmpd="sng" cap="flat" w="0">
+                      <a:noFill/>
+                      <a:prstDash val="solid"/>
+                    </a:lnB>
+                    <a:solidFill>
+                      <a:srgbClr val="FFFFFF">
+                        <a:alpha val="0"/>
+                      </a:srgbClr>
+                    </a:solidFill>
+                  </a:tcPr>
+                </a:tc>
+                <a:tc>
+                  <a:txBody>
+                    <a:bodyPr/>
+                    <a:lstStyle/>
+                    <a:p>
+                      <a:pPr algn="r" marL="63500" marR="63500">
+                        <a:lnSpc>
+                          <a:spcPct val="100000"/>
+                        </a:lnSpc>
+                        <a:spcBef>
+                          <a:spcPts val="500"/>
+                        </a:spcBef>
+                        <a:spcAft>
+                          <a:spcPts val="500"/>
+                        </a:spcAft>
+                        <a:buNone/>
+                      </a:pPr>
+                      <a:r>
+                        <a:rPr cap="none" sz="1100" i="0" b="0" u="none">
+                          <a:solidFill>
+                            <a:srgbClr val="000000">
+                              <a:alpha val="100000"/>
+                            </a:srgbClr>
+                          </a:solidFill>
+                          <a:latin typeface="Arial"/>
+                          <a:cs typeface="Arial"/>
+                          <a:ea typeface="Arial"/>
+                          <a:sym typeface="Arial"/>
+                        </a:rPr>
+                        <a:t>1.4</a:t>
+                      </a:r>
+                    </a:p>
+                  </a:txBody>
+                  <a:tcPr anchor="ctr" marB="63500" marT="63500" marR="0" marL="0">
+                    <a:lnL algn="ctr" cmpd="sng" cap="flat" w="0">
+                      <a:noFill/>
+                      <a:prstDash val="solid"/>
+                    </a:lnL>
+                    <a:lnR algn="ctr" cmpd="sng" cap="flat" w="0">
+                      <a:noFill/>
+                      <a:prstDash val="solid"/>
+                    </a:lnR>
+                    <a:lnT algn="ctr" cmpd="sng" cap="flat" w="0">
+                      <a:noFill/>
+                      <a:prstDash val="solid"/>
+                    </a:lnT>
+                    <a:lnB algn="ctr" cmpd="sng" cap="flat" w="0">
+                      <a:noFill/>
+                      <a:prstDash val="solid"/>
+                    </a:lnB>
+                    <a:solidFill>
+                      <a:srgbClr val="FFFFFF">
+                        <a:alpha val="0"/>
+                      </a:srgbClr>
+                    </a:solidFill>
+                  </a:tcPr>
+                </a:tc>
+                <a:tc>
+                  <a:txBody>
+                    <a:bodyPr/>
+                    <a:lstStyle/>
+                    <a:p>
+                      <a:pPr algn="r" marL="63500" marR="63500">
+                        <a:lnSpc>
+                          <a:spcPct val="100000"/>
+                        </a:lnSpc>
+                        <a:spcBef>
+                          <a:spcPts val="500"/>
+                        </a:spcBef>
+                        <a:spcAft>
+                          <a:spcPts val="500"/>
+                        </a:spcAft>
+                        <a:buNone/>
+                      </a:pPr>
+                      <a:r>
+                        <a:rPr cap="none" sz="1100" i="0" b="0" u="none">
+                          <a:solidFill>
+                            <a:srgbClr val="000000">
+                              <a:alpha val="100000"/>
+                            </a:srgbClr>
+                          </a:solidFill>
+                          <a:latin typeface="Arial"/>
+                          <a:cs typeface="Arial"/>
+                          <a:ea typeface="Arial"/>
+                          <a:sym typeface="Arial"/>
+                        </a:rPr>
+                        <a:t>0.2</a:t>
+                      </a:r>
+                    </a:p>
+                  </a:txBody>
+                  <a:tcPr anchor="ctr" marB="63500" marT="63500" marR="0" marL="0">
+                    <a:lnL algn="ctr" cmpd="sng" cap="flat" w="0">
+                      <a:noFill/>
+                      <a:prstDash val="solid"/>
+                    </a:lnL>
+                    <a:lnR algn="ctr" cmpd="sng" cap="flat" w="0">
+                      <a:noFill/>
+                      <a:prstDash val="solid"/>
+                    </a:lnR>
+                    <a:lnT algn="ctr" cmpd="sng" cap="flat" w="0">
+                      <a:noFill/>
+                      <a:prstDash val="solid"/>
+                    </a:lnT>
+                    <a:lnB algn="ctr" cmpd="sng" cap="flat" w="0">
+                      <a:noFill/>
+                      <a:prstDash val="solid"/>
+                    </a:lnB>
+                    <a:solidFill>
+                      <a:srgbClr val="FFFFFF">
+                        <a:alpha val="0"/>
+                      </a:srgbClr>
+                    </a:solidFill>
+                  </a:tcPr>
+                </a:tc>
+                <a:tc>
+                  <a:txBody>
+                    <a:bodyPr/>
+                    <a:lstStyle/>
+                    <a:p>
+                      <a:pPr algn="l" marL="63500" marR="63500">
+                        <a:lnSpc>
+                          <a:spcPct val="100000"/>
+                        </a:lnSpc>
+                        <a:spcBef>
+                          <a:spcPts val="500"/>
+                        </a:spcBef>
+                        <a:spcAft>
+                          <a:spcPts val="500"/>
+                        </a:spcAft>
+                        <a:buNone/>
+                      </a:pPr>
+                      <a:r>
+                        <a:rPr cap="none" sz="1100" i="0" b="0" u="none">
+                          <a:solidFill>
+                            <a:srgbClr val="000000">
+                              <a:alpha val="100000"/>
+                            </a:srgbClr>
+                          </a:solidFill>
+                          <a:latin typeface="Arial"/>
+                          <a:cs typeface="Arial"/>
+                          <a:ea typeface="Arial"/>
+                          <a:sym typeface="Arial"/>
+                        </a:rPr>
+                        <a:t>setosa</a:t>
+                      </a:r>
+                    </a:p>
+                  </a:txBody>
+                  <a:tcPr anchor="ctr" marB="63500" marT="63500" marR="0" marL="0">
+                    <a:lnL algn="ctr" cmpd="sng" cap="flat" w="0">
+                      <a:noFill/>
+                      <a:prstDash val="solid"/>
+                    </a:lnL>
+                    <a:lnR algn="ctr" cmpd="sng" cap="flat" w="0">
+                      <a:noFill/>
+                      <a:prstDash val="solid"/>
+                    </a:lnR>
+                    <a:lnT algn="ctr" cmpd="sng" cap="flat" w="0">
+                      <a:noFill/>
+                      <a:prstDash val="solid"/>
+                    </a:lnT>
+                    <a:lnB algn="ctr" cmpd="sng" cap="flat" w="0">
+                      <a:noFill/>
+                      <a:prstDash val="solid"/>
+                    </a:lnB>
+                    <a:solidFill>
+                      <a:srgbClr val="FFFFFF">
+                        <a:alpha val="0"/>
+                      </a:srgbClr>
+                    </a:solidFill>
+                  </a:tcPr>
+                </a:tc>
+              </a:tr>
+              <a:tr h="228600">
+                <a:tc>
+                  <a:txBody>
+                    <a:bodyPr/>
+                    <a:lstStyle/>
+                    <a:p>
+                      <a:pPr algn="r" marL="63500" marR="63500">
+                        <a:lnSpc>
+                          <a:spcPct val="100000"/>
+                        </a:lnSpc>
+                        <a:spcBef>
+                          <a:spcPts val="500"/>
+                        </a:spcBef>
+                        <a:spcAft>
+                          <a:spcPts val="500"/>
+                        </a:spcAft>
+                        <a:buNone/>
+                      </a:pPr>
+                      <a:r>
+                        <a:rPr cap="none" sz="1100" i="0" b="0" u="none">
+                          <a:solidFill>
+                            <a:srgbClr val="000000">
+                              <a:alpha val="100000"/>
+                            </a:srgbClr>
+                          </a:solidFill>
+                          <a:latin typeface="Arial"/>
+                          <a:cs typeface="Arial"/>
+                          <a:ea typeface="Arial"/>
+                          <a:sym typeface="Arial"/>
+                        </a:rPr>
+                        <a:t>4.7</a:t>
+                      </a:r>
+                    </a:p>
+                  </a:txBody>
+                  <a:tcPr anchor="ctr" marB="63500" marT="63500" marR="0" marL="0">
+                    <a:lnL algn="ctr" cmpd="sng" cap="flat" w="0">
+                      <a:noFill/>
+                      <a:prstDash val="solid"/>
+                    </a:lnL>
+                    <a:lnR algn="ctr" cmpd="sng" cap="flat" w="0">
+                      <a:noFill/>
+                      <a:prstDash val="solid"/>
+                    </a:lnR>
+                    <a:lnT algn="ctr" cmpd="sng" cap="flat" w="0">
+                      <a:noFill/>
+                      <a:prstDash val="solid"/>
+                    </a:lnT>
+                    <a:lnB algn="ctr" cmpd="sng" cap="flat" w="0">
+                      <a:noFill/>
+                      <a:prstDash val="solid"/>
+                    </a:lnB>
+                    <a:solidFill>
+                      <a:srgbClr val="FFFFFF">
+                        <a:alpha val="0"/>
+                      </a:srgbClr>
+                    </a:solidFill>
+                  </a:tcPr>
+                </a:tc>
+                <a:tc>
+                  <a:txBody>
+                    <a:bodyPr/>
+                    <a:lstStyle/>
+                    <a:p>
+                      <a:pPr algn="r" marL="63500" marR="63500">
+                        <a:lnSpc>
+                          <a:spcPct val="100000"/>
+                        </a:lnSpc>
+                        <a:spcBef>
+                          <a:spcPts val="500"/>
+                        </a:spcBef>
+                        <a:spcAft>
+                          <a:spcPts val="500"/>
+                        </a:spcAft>
+                        <a:buNone/>
+                      </a:pPr>
+                      <a:r>
+                        <a:rPr cap="none" sz="1100" i="0" b="0" u="none">
+                          <a:solidFill>
+                            <a:srgbClr val="000000">
+                              <a:alpha val="100000"/>
+                            </a:srgbClr>
+                          </a:solidFill>
+                          <a:latin typeface="Arial"/>
+                          <a:cs typeface="Arial"/>
+                          <a:ea typeface="Arial"/>
+                          <a:sym typeface="Arial"/>
+                        </a:rPr>
+                        <a:t>3.2</a:t>
+                      </a:r>
+                    </a:p>
+                  </a:txBody>
+                  <a:tcPr anchor="ctr" marB="63500" marT="63500" marR="0" marL="0">
+                    <a:lnL algn="ctr" cmpd="sng" cap="flat" w="0">
+                      <a:noFill/>
+                      <a:prstDash val="solid"/>
+                    </a:lnL>
+                    <a:lnR algn="ctr" cmpd="sng" cap="flat" w="0">
+                      <a:noFill/>
+                      <a:prstDash val="solid"/>
+                    </a:lnR>
+                    <a:lnT algn="ctr" cmpd="sng" cap="flat" w="0">
+                      <a:noFill/>
+                      <a:prstDash val="solid"/>
+                    </a:lnT>
+                    <a:lnB algn="ctr" cmpd="sng" cap="flat" w="0">
+                      <a:noFill/>
+                      <a:prstDash val="solid"/>
+                    </a:lnB>
+                    <a:solidFill>
+                      <a:srgbClr val="FFFFFF">
+                        <a:alpha val="0"/>
+                      </a:srgbClr>
+                    </a:solidFill>
+                  </a:tcPr>
+                </a:tc>
+                <a:tc>
+                  <a:txBody>
+                    <a:bodyPr/>
+                    <a:lstStyle/>
+                    <a:p>
+                      <a:pPr algn="r" marL="63500" marR="63500">
+                        <a:lnSpc>
+                          <a:spcPct val="100000"/>
+                        </a:lnSpc>
+                        <a:spcBef>
+                          <a:spcPts val="500"/>
+                        </a:spcBef>
+                        <a:spcAft>
+                          <a:spcPts val="500"/>
+                        </a:spcAft>
+                        <a:buNone/>
+                      </a:pPr>
+                      <a:r>
+                        <a:rPr cap="none" sz="1100" i="0" b="0" u="none">
+                          <a:solidFill>
+                            <a:srgbClr val="000000">
+                              <a:alpha val="100000"/>
+                            </a:srgbClr>
+                          </a:solidFill>
+                          <a:latin typeface="Arial"/>
+                          <a:cs typeface="Arial"/>
+                          <a:ea typeface="Arial"/>
+                          <a:sym typeface="Arial"/>
+                        </a:rPr>
+                        <a:t>1.3</a:t>
+                      </a:r>
+                    </a:p>
+                  </a:txBody>
+                  <a:tcPr anchor="ctr" marB="63500" marT="63500" marR="0" marL="0">
+                    <a:lnL algn="ctr" cmpd="sng" cap="flat" w="0">
+                      <a:noFill/>
+                      <a:prstDash val="solid"/>
+                    </a:lnL>
+                    <a:lnR algn="ctr" cmpd="sng" cap="flat" w="0">
+                      <a:noFill/>
+                      <a:prstDash val="solid"/>
+                    </a:lnR>
+                    <a:lnT algn="ctr" cmpd="sng" cap="flat" w="0">
+                      <a:noFill/>
+                      <a:prstDash val="solid"/>
+                    </a:lnT>
+                    <a:lnB algn="ctr" cmpd="sng" cap="flat" w="0">
+                      <a:noFill/>
+                      <a:prstDash val="solid"/>
+                    </a:lnB>
+                    <a:solidFill>
+                      <a:srgbClr val="FFFFFF">
+                        <a:alpha val="0"/>
+                      </a:srgbClr>
+                    </a:solidFill>
+                  </a:tcPr>
+                </a:tc>
+                <a:tc>
+                  <a:txBody>
+                    <a:bodyPr/>
+                    <a:lstStyle/>
+                    <a:p>
+                      <a:pPr algn="r" marL="63500" marR="63500">
+                        <a:lnSpc>
+                          <a:spcPct val="100000"/>
+                        </a:lnSpc>
+                        <a:spcBef>
+                          <a:spcPts val="500"/>
+                        </a:spcBef>
+                        <a:spcAft>
+                          <a:spcPts val="500"/>
+                        </a:spcAft>
+                        <a:buNone/>
+                      </a:pPr>
+                      <a:r>
+                        <a:rPr cap="none" sz="1100" i="0" b="0" u="none">
+                          <a:solidFill>
+                            <a:srgbClr val="000000">
+                              <a:alpha val="100000"/>
+                            </a:srgbClr>
+                          </a:solidFill>
+                          <a:latin typeface="Arial"/>
+                          <a:cs typeface="Arial"/>
+                          <a:ea typeface="Arial"/>
+                          <a:sym typeface="Arial"/>
+                        </a:rPr>
+                        <a:t>0.2</a:t>
+                      </a:r>
+                    </a:p>
+                  </a:txBody>
+                  <a:tcPr anchor="ctr" marB="63500" marT="63500" marR="0" marL="0">
+                    <a:lnL algn="ctr" cmpd="sng" cap="flat" w="0">
+                      <a:noFill/>
+                      <a:prstDash val="solid"/>
+                    </a:lnL>
+                    <a:lnR algn="ctr" cmpd="sng" cap="flat" w="0">
+                      <a:noFill/>
+                      <a:prstDash val="solid"/>
+                    </a:lnR>
+                    <a:lnT algn="ctr" cmpd="sng" cap="flat" w="0">
+                      <a:noFill/>
+                      <a:prstDash val="solid"/>
+                    </a:lnT>
+                    <a:lnB algn="ctr" cmpd="sng" cap="flat" w="0">
+                      <a:noFill/>
+                      <a:prstDash val="solid"/>
+                    </a:lnB>
+                    <a:solidFill>
+                      <a:srgbClr val="FFFFFF">
+                        <a:alpha val="0"/>
+                      </a:srgbClr>
+                    </a:solidFill>
+                  </a:tcPr>
+                </a:tc>
+                <a:tc>
+                  <a:txBody>
+                    <a:bodyPr/>
+                    <a:lstStyle/>
+                    <a:p>
+                      <a:pPr algn="l" marL="63500" marR="63500">
+                        <a:lnSpc>
+                          <a:spcPct val="100000"/>
+                        </a:lnSpc>
+                        <a:spcBef>
+                          <a:spcPts val="500"/>
+                        </a:spcBef>
+                        <a:spcAft>
+                          <a:spcPts val="500"/>
+                        </a:spcAft>
+                        <a:buNone/>
+                      </a:pPr>
+                      <a:r>
+                        <a:rPr cap="none" sz="1100" i="0" b="0" u="none">
+                          <a:solidFill>
+                            <a:srgbClr val="000000">
+                              <a:alpha val="100000"/>
+                            </a:srgbClr>
+                          </a:solidFill>
+                          <a:latin typeface="Arial"/>
+                          <a:cs typeface="Arial"/>
+                          <a:ea typeface="Arial"/>
+                          <a:sym typeface="Arial"/>
+                        </a:rPr>
+                        <a:t>setosa</a:t>
+                      </a:r>
+                    </a:p>
+                  </a:txBody>
+                  <a:tcPr anchor="ctr" marB="63500" marT="63500" marR="0" marL="0">
+                    <a:lnL algn="ctr" cmpd="sng" cap="flat" w="0">
+                      <a:noFill/>
+                      <a:prstDash val="solid"/>
+                    </a:lnL>
+                    <a:lnR algn="ctr" cmpd="sng" cap="flat" w="0">
+                      <a:noFill/>
+                      <a:prstDash val="solid"/>
+                    </a:lnR>
+                    <a:lnT algn="ctr" cmpd="sng" cap="flat" w="0">
+                      <a:noFill/>
+                      <a:prstDash val="solid"/>
+                    </a:lnT>
+                    <a:lnB algn="ctr" cmpd="sng" cap="flat" w="0">
+                      <a:noFill/>
+                      <a:prstDash val="solid"/>
+                    </a:lnB>
+                    <a:solidFill>
+                      <a:srgbClr val="FFFFFF">
+                        <a:alpha val="0"/>
+                      </a:srgbClr>
+                    </a:solidFill>
+                  </a:tcPr>
+                </a:tc>
+              </a:tr>
+              <a:tr h="228600">
+                <a:tc>
+                  <a:txBody>
+                    <a:bodyPr/>
+                    <a:lstStyle/>
+                    <a:p>
+                      <a:pPr algn="r" marL="63500" marR="63500">
+                        <a:lnSpc>
+                          <a:spcPct val="100000"/>
+                        </a:lnSpc>
+                        <a:spcBef>
+                          <a:spcPts val="500"/>
+                        </a:spcBef>
+                        <a:spcAft>
+                          <a:spcPts val="500"/>
+                        </a:spcAft>
+                        <a:buNone/>
+                      </a:pPr>
+                      <a:r>
+                        <a:rPr cap="none" sz="1100" i="0" b="0" u="none">
+                          <a:solidFill>
+                            <a:srgbClr val="000000">
+                              <a:alpha val="100000"/>
+                            </a:srgbClr>
+                          </a:solidFill>
+                          <a:latin typeface="Arial"/>
+                          <a:cs typeface="Arial"/>
+                          <a:ea typeface="Arial"/>
+                          <a:sym typeface="Arial"/>
+                        </a:rPr>
+                        <a:t>4.6</a:t>
+                      </a:r>
+                    </a:p>
+                  </a:txBody>
+                  <a:tcPr anchor="ctr" marB="63500" marT="63500" marR="0" marL="0">
+                    <a:lnL algn="ctr" cmpd="sng" cap="flat" w="0">
+                      <a:noFill/>
+                      <a:prstDash val="solid"/>
+                    </a:lnL>
+                    <a:lnR algn="ctr" cmpd="sng" cap="flat" w="0">
+                      <a:noFill/>
+                      <a:prstDash val="solid"/>
+                    </a:lnR>
+                    <a:lnT algn="ctr" cmpd="sng" cap="flat" w="0">
+                      <a:noFill/>
+                      <a:prstDash val="solid"/>
+                    </a:lnT>
+                    <a:lnB algn="ctr" cmpd="sng" cap="flat" w="0">
+                      <a:noFill/>
+                      <a:prstDash val="solid"/>
+                    </a:lnB>
+                    <a:solidFill>
+                      <a:srgbClr val="FFFFFF">
+                        <a:alpha val="0"/>
+                      </a:srgbClr>
+                    </a:solidFill>
+                  </a:tcPr>
+                </a:tc>
+                <a:tc>
+                  <a:txBody>
+                    <a:bodyPr/>
+                    <a:lstStyle/>
+                    <a:p>
+                      <a:pPr algn="r" marL="63500" marR="63500">
+                        <a:lnSpc>
+                          <a:spcPct val="100000"/>
+                        </a:lnSpc>
+                        <a:spcBef>
+                          <a:spcPts val="500"/>
+                        </a:spcBef>
+                        <a:spcAft>
+                          <a:spcPts val="500"/>
+                        </a:spcAft>
+                        <a:buNone/>
+                      </a:pPr>
+                      <a:r>
+                        <a:rPr cap="none" sz="1100" i="0" b="0" u="none">
+                          <a:solidFill>
+                            <a:srgbClr val="000000">
+                              <a:alpha val="100000"/>
+                            </a:srgbClr>
+                          </a:solidFill>
+                          <a:latin typeface="Arial"/>
+                          <a:cs typeface="Arial"/>
+                          <a:ea typeface="Arial"/>
+                          <a:sym typeface="Arial"/>
+                        </a:rPr>
+                        <a:t>3.1</a:t>
+                      </a:r>
+                    </a:p>
+                  </a:txBody>
+                  <a:tcPr anchor="ctr" marB="63500" marT="63500" marR="0" marL="0">
+                    <a:lnL algn="ctr" cmpd="sng" cap="flat" w="0">
+                      <a:noFill/>
+                      <a:prstDash val="solid"/>
+                    </a:lnL>
+                    <a:lnR algn="ctr" cmpd="sng" cap="flat" w="0">
+                      <a:noFill/>
+                      <a:prstDash val="solid"/>
+                    </a:lnR>
+                    <a:lnT algn="ctr" cmpd="sng" cap="flat" w="0">
+                      <a:noFill/>
+                      <a:prstDash val="solid"/>
+                    </a:lnT>
+                    <a:lnB algn="ctr" cmpd="sng" cap="flat" w="0">
+                      <a:noFill/>
+                      <a:prstDash val="solid"/>
+                    </a:lnB>
+                    <a:solidFill>
+                      <a:srgbClr val="FFFFFF">
+                        <a:alpha val="0"/>
+                      </a:srgbClr>
+                    </a:solidFill>
+                  </a:tcPr>
+                </a:tc>
+                <a:tc>
+                  <a:txBody>
+                    <a:bodyPr/>
+                    <a:lstStyle/>
+                    <a:p>
+                      <a:pPr algn="r" marL="63500" marR="63500">
+                        <a:lnSpc>
+                          <a:spcPct val="100000"/>
+                        </a:lnSpc>
+                        <a:spcBef>
+                          <a:spcPts val="500"/>
+                        </a:spcBef>
+                        <a:spcAft>
+                          <a:spcPts val="500"/>
+                        </a:spcAft>
+                        <a:buNone/>
+                      </a:pPr>
+                      <a:r>
+                        <a:rPr cap="none" sz="1100" i="0" b="0" u="none">
+                          <a:solidFill>
+                            <a:srgbClr val="000000">
+                              <a:alpha val="100000"/>
+                            </a:srgbClr>
+                          </a:solidFill>
+                          <a:latin typeface="Arial"/>
+                          <a:cs typeface="Arial"/>
+                          <a:ea typeface="Arial"/>
+                          <a:sym typeface="Arial"/>
+                        </a:rPr>
+                        <a:t>1.5</a:t>
+                      </a:r>
+                    </a:p>
+                  </a:txBody>
+                  <a:tcPr anchor="ctr" marB="63500" marT="63500" marR="0" marL="0">
+                    <a:lnL algn="ctr" cmpd="sng" cap="flat" w="0">
+                      <a:noFill/>
+                      <a:prstDash val="solid"/>
+                    </a:lnL>
+                    <a:lnR algn="ctr" cmpd="sng" cap="flat" w="0">
+                      <a:noFill/>
+                      <a:prstDash val="solid"/>
+                    </a:lnR>
+                    <a:lnT algn="ctr" cmpd="sng" cap="flat" w="0">
+                      <a:noFill/>
+                      <a:prstDash val="solid"/>
+                    </a:lnT>
+                    <a:lnB algn="ctr" cmpd="sng" cap="flat" w="0">
+                      <a:noFill/>
+                      <a:prstDash val="solid"/>
+                    </a:lnB>
+                    <a:solidFill>
+                      <a:srgbClr val="FFFFFF">
+                        <a:alpha val="0"/>
+                      </a:srgbClr>
+                    </a:solidFill>
+                  </a:tcPr>
+                </a:tc>
+                <a:tc>
+                  <a:txBody>
+                    <a:bodyPr/>
+                    <a:lstStyle/>
+                    <a:p>
+                      <a:pPr algn="r" marL="63500" marR="63500">
+                        <a:lnSpc>
+                          <a:spcPct val="100000"/>
+                        </a:lnSpc>
+                        <a:spcBef>
+                          <a:spcPts val="500"/>
+                        </a:spcBef>
+                        <a:spcAft>
+                          <a:spcPts val="500"/>
+                        </a:spcAft>
+                        <a:buNone/>
+                      </a:pPr>
+                      <a:r>
+                        <a:rPr cap="none" sz="1100" i="0" b="0" u="none">
+                          <a:solidFill>
+                            <a:srgbClr val="000000">
+                              <a:alpha val="100000"/>
+                            </a:srgbClr>
+                          </a:solidFill>
+                          <a:latin typeface="Arial"/>
+                          <a:cs typeface="Arial"/>
+                          <a:ea typeface="Arial"/>
+                          <a:sym typeface="Arial"/>
+                        </a:rPr>
+                        <a:t>0.2</a:t>
+                      </a:r>
+                    </a:p>
+                  </a:txBody>
+                  <a:tcPr anchor="ctr" marB="63500" marT="63500" marR="0" marL="0">
+                    <a:lnL algn="ctr" cmpd="sng" cap="flat" w="0">
+                      <a:noFill/>
+                      <a:prstDash val="solid"/>
+                    </a:lnL>
+                    <a:lnR algn="ctr" cmpd="sng" cap="flat" w="0">
+                      <a:noFill/>
+                      <a:prstDash val="solid"/>
+                    </a:lnR>
+                    <a:lnT algn="ctr" cmpd="sng" cap="flat" w="0">
+                      <a:noFill/>
+                      <a:prstDash val="solid"/>
+                    </a:lnT>
+                    <a:lnB algn="ctr" cmpd="sng" cap="flat" w="0">
+                      <a:noFill/>
+                      <a:prstDash val="solid"/>
+                    </a:lnB>
+                    <a:solidFill>
+                      <a:srgbClr val="FFFFFF">
+                        <a:alpha val="0"/>
+                      </a:srgbClr>
+                    </a:solidFill>
+                  </a:tcPr>
+                </a:tc>
+                <a:tc>
+                  <a:txBody>
+                    <a:bodyPr/>
+                    <a:lstStyle/>
+                    <a:p>
+                      <a:pPr algn="l" marL="63500" marR="63500">
+                        <a:lnSpc>
+                          <a:spcPct val="100000"/>
+                        </a:lnSpc>
+                        <a:spcBef>
+                          <a:spcPts val="500"/>
+                        </a:spcBef>
+                        <a:spcAft>
+                          <a:spcPts val="500"/>
+                        </a:spcAft>
+                        <a:buNone/>
+                      </a:pPr>
+                      <a:r>
+                        <a:rPr cap="none" sz="1100" i="0" b="0" u="none">
+                          <a:solidFill>
+                            <a:srgbClr val="000000">
+                              <a:alpha val="100000"/>
+                            </a:srgbClr>
+                          </a:solidFill>
+                          <a:latin typeface="Arial"/>
+                          <a:cs typeface="Arial"/>
+                          <a:ea typeface="Arial"/>
+                          <a:sym typeface="Arial"/>
+                        </a:rPr>
+                        <a:t>setosa</a:t>
+                      </a:r>
+                    </a:p>
+                  </a:txBody>
+                  <a:tcPr anchor="ctr" marB="63500" marT="63500" marR="0" marL="0">
+                    <a:lnL algn="ctr" cmpd="sng" cap="flat" w="0">
+                      <a:noFill/>
+                      <a:prstDash val="solid"/>
+                    </a:lnL>
+                    <a:lnR algn="ctr" cmpd="sng" cap="flat" w="0">
+                      <a:noFill/>
+                      <a:prstDash val="solid"/>
+                    </a:lnR>
+                    <a:lnT algn="ctr" cmpd="sng" cap="flat" w="0">
+                      <a:noFill/>
+                      <a:prstDash val="solid"/>
+                    </a:lnT>
+                    <a:lnB algn="ctr" cmpd="sng" cap="flat" w="0">
+                      <a:noFill/>
+                      <a:prstDash val="solid"/>
+                    </a:lnB>
+                    <a:solidFill>
+                      <a:srgbClr val="FFFFFF">
+                        <a:alpha val="0"/>
+                      </a:srgbClr>
+                    </a:solidFill>
+                  </a:tcPr>
+                </a:tc>
+              </a:tr>
+              <a:tr h="228600">
+                <a:tc>
+                  <a:txBody>
+                    <a:bodyPr/>
+                    <a:lstStyle/>
+                    <a:p>
+                      <a:pPr algn="r" marL="63500" marR="63500">
+                        <a:lnSpc>
+                          <a:spcPct val="100000"/>
+                        </a:lnSpc>
+                        <a:spcBef>
+                          <a:spcPts val="500"/>
+                        </a:spcBef>
+                        <a:spcAft>
+                          <a:spcPts val="500"/>
+                        </a:spcAft>
+                        <a:buNone/>
+                      </a:pPr>
+                      <a:r>
+                        <a:rPr cap="none" sz="1100" i="0" b="0" u="none">
+                          <a:solidFill>
+                            <a:srgbClr val="000000">
+                              <a:alpha val="100000"/>
+                            </a:srgbClr>
+                          </a:solidFill>
+                          <a:latin typeface="Arial"/>
+                          <a:cs typeface="Arial"/>
+                          <a:ea typeface="Arial"/>
+                          <a:sym typeface="Arial"/>
+                        </a:rPr>
+                        <a:t>5.0</a:t>
+                      </a:r>
+                    </a:p>
+                  </a:txBody>
+                  <a:tcPr anchor="ctr" marB="63500" marT="63500" marR="0" marL="0">
+                    <a:lnL algn="ctr" cmpd="sng" cap="flat" w="0">
+                      <a:noFill/>
+                      <a:prstDash val="solid"/>
+                    </a:lnL>
+                    <a:lnR algn="ctr" cmpd="sng" cap="flat" w="0">
+                      <a:noFill/>
+                      <a:prstDash val="solid"/>
+                    </a:lnR>
+                    <a:lnT algn="ctr" cmpd="sng" cap="flat" w="0">
+                      <a:noFill/>
+                      <a:prstDash val="solid"/>
+                    </a:lnT>
+                    <a:lnB algn="ctr" cmpd="sng" cap="flat" w="0">
+                      <a:noFill/>
+                      <a:prstDash val="solid"/>
+                    </a:lnB>
+                    <a:solidFill>
+                      <a:srgbClr val="FFFFFF">
+                        <a:alpha val="0"/>
+                      </a:srgbClr>
+                    </a:solidFill>
+                  </a:tcPr>
+                </a:tc>
+                <a:tc>
+                  <a:txBody>
+                    <a:bodyPr/>
+                    <a:lstStyle/>
+                    <a:p>
+                      <a:pPr algn="r" marL="63500" marR="63500">
+                        <a:lnSpc>
+                          <a:spcPct val="100000"/>
+                        </a:lnSpc>
+                        <a:spcBef>
+                          <a:spcPts val="500"/>
+                        </a:spcBef>
+                        <a:spcAft>
+                          <a:spcPts val="500"/>
+                        </a:spcAft>
+                        <a:buNone/>
+                      </a:pPr>
+                      <a:r>
+                        <a:rPr cap="none" sz="1100" i="0" b="0" u="none">
+                          <a:solidFill>
+                            <a:srgbClr val="000000">
+                              <a:alpha val="100000"/>
+                            </a:srgbClr>
+                          </a:solidFill>
+                          <a:latin typeface="Arial"/>
+                          <a:cs typeface="Arial"/>
+                          <a:ea typeface="Arial"/>
+                          <a:sym typeface="Arial"/>
+                        </a:rPr>
+                        <a:t>3.6</a:t>
+                      </a:r>
+                    </a:p>
+                  </a:txBody>
+                  <a:tcPr anchor="ctr" marB="63500" marT="63500" marR="0" marL="0">
+                    <a:lnL algn="ctr" cmpd="sng" cap="flat" w="0">
+                      <a:noFill/>
+                      <a:prstDash val="solid"/>
+                    </a:lnL>
+                    <a:lnR algn="ctr" cmpd="sng" cap="flat" w="0">
+                      <a:noFill/>
+                      <a:prstDash val="solid"/>
+                    </a:lnR>
+                    <a:lnT algn="ctr" cmpd="sng" cap="flat" w="0">
+                      <a:noFill/>
+                      <a:prstDash val="solid"/>
+                    </a:lnT>
+                    <a:lnB algn="ctr" cmpd="sng" cap="flat" w="0">
+                      <a:noFill/>
+                      <a:prstDash val="solid"/>
+                    </a:lnB>
+                    <a:solidFill>
+                      <a:srgbClr val="FFFFFF">
+                        <a:alpha val="0"/>
+                      </a:srgbClr>
+                    </a:solidFill>
+                  </a:tcPr>
+                </a:tc>
+                <a:tc>
+                  <a:txBody>
+                    <a:bodyPr/>
+                    <a:lstStyle/>
+                    <a:p>
+                      <a:pPr algn="r" marL="63500" marR="63500">
+                        <a:lnSpc>
+                          <a:spcPct val="100000"/>
+                        </a:lnSpc>
+                        <a:spcBef>
+                          <a:spcPts val="500"/>
+                        </a:spcBef>
+                        <a:spcAft>
+                          <a:spcPts val="500"/>
+                        </a:spcAft>
+                        <a:buNone/>
+                      </a:pPr>
+                      <a:r>
+                        <a:rPr cap="none" sz="1100" i="0" b="0" u="none">
+                          <a:solidFill>
+                            <a:srgbClr val="000000">
+                              <a:alpha val="100000"/>
+                            </a:srgbClr>
+                          </a:solidFill>
+                          <a:latin typeface="Arial"/>
+                          <a:cs typeface="Arial"/>
+                          <a:ea typeface="Arial"/>
+                          <a:sym typeface="Arial"/>
+                        </a:rPr>
+                        <a:t>1.4</a:t>
+                      </a:r>
+                    </a:p>
+                  </a:txBody>
+                  <a:tcPr anchor="ctr" marB="63500" marT="63500" marR="0" marL="0">
+                    <a:lnL algn="ctr" cmpd="sng" cap="flat" w="0">
+                      <a:noFill/>
+                      <a:prstDash val="solid"/>
+                    </a:lnL>
+                    <a:lnR algn="ctr" cmpd="sng" cap="flat" w="0">
+                      <a:noFill/>
+                      <a:prstDash val="solid"/>
+                    </a:lnR>
+                    <a:lnT algn="ctr" cmpd="sng" cap="flat" w="0">
+                      <a:noFill/>
+                      <a:prstDash val="solid"/>
+                    </a:lnT>
+                    <a:lnB algn="ctr" cmpd="sng" cap="flat" w="0">
+                      <a:noFill/>
+                      <a:prstDash val="solid"/>
+                    </a:lnB>
+                    <a:solidFill>
+                      <a:srgbClr val="FFFFFF">
+                        <a:alpha val="0"/>
+                      </a:srgbClr>
+                    </a:solidFill>
+                  </a:tcPr>
+                </a:tc>
+                <a:tc>
+                  <a:txBody>
+                    <a:bodyPr/>
+                    <a:lstStyle/>
+                    <a:p>
+                      <a:pPr algn="r" marL="63500" marR="63500">
+                        <a:lnSpc>
+                          <a:spcPct val="100000"/>
+                        </a:lnSpc>
+                        <a:spcBef>
+                          <a:spcPts val="500"/>
+                        </a:spcBef>
+                        <a:spcAft>
+                          <a:spcPts val="500"/>
+                        </a:spcAft>
+                        <a:buNone/>
+                      </a:pPr>
+                      <a:r>
+                        <a:rPr cap="none" sz="1100" i="0" b="0" u="none">
+                          <a:solidFill>
+                            <a:srgbClr val="000000">
+                              <a:alpha val="100000"/>
+                            </a:srgbClr>
+                          </a:solidFill>
+                          <a:latin typeface="Arial"/>
+                          <a:cs typeface="Arial"/>
+                          <a:ea typeface="Arial"/>
+                          <a:sym typeface="Arial"/>
+                        </a:rPr>
+                        <a:t>0.2</a:t>
+                      </a:r>
+                    </a:p>
+                  </a:txBody>
+                  <a:tcPr anchor="ctr" marB="63500" marT="63500" marR="0" marL="0">
+                    <a:lnL algn="ctr" cmpd="sng" cap="flat" w="0">
+                      <a:noFill/>
+                      <a:prstDash val="solid"/>
+                    </a:lnL>
+                    <a:lnR algn="ctr" cmpd="sng" cap="flat" w="0">
+                      <a:noFill/>
+                      <a:prstDash val="solid"/>
+                    </a:lnR>
+                    <a:lnT algn="ctr" cmpd="sng" cap="flat" w="0">
+                      <a:noFill/>
+                      <a:prstDash val="solid"/>
+                    </a:lnT>
+                    <a:lnB algn="ctr" cmpd="sng" cap="flat" w="0">
+                      <a:noFill/>
+                      <a:prstDash val="solid"/>
+                    </a:lnB>
+                    <a:solidFill>
+                      <a:srgbClr val="FFFFFF">
+                        <a:alpha val="0"/>
+                      </a:srgbClr>
+                    </a:solidFill>
+                  </a:tcPr>
+                </a:tc>
+                <a:tc>
+                  <a:txBody>
+                    <a:bodyPr/>
+                    <a:lstStyle/>
+                    <a:p>
+                      <a:pPr algn="l" marL="63500" marR="63500">
+                        <a:lnSpc>
+                          <a:spcPct val="100000"/>
+                        </a:lnSpc>
+                        <a:spcBef>
+                          <a:spcPts val="500"/>
+                        </a:spcBef>
+                        <a:spcAft>
+                          <a:spcPts val="500"/>
+                        </a:spcAft>
+                        <a:buNone/>
+                      </a:pPr>
+                      <a:r>
+                        <a:rPr cap="none" sz="1100" i="0" b="0" u="none">
+                          <a:solidFill>
+                            <a:srgbClr val="000000">
+                              <a:alpha val="100000"/>
+                            </a:srgbClr>
+                          </a:solidFill>
+                          <a:latin typeface="Arial"/>
+                          <a:cs typeface="Arial"/>
+                          <a:ea typeface="Arial"/>
+                          <a:sym typeface="Arial"/>
+                        </a:rPr>
+                        <a:t>setosa</a:t>
+                      </a:r>
+                    </a:p>
+                  </a:txBody>
+                  <a:tcPr anchor="ctr" marB="63500" marT="63500" marR="0" marL="0">
+                    <a:lnL algn="ctr" cmpd="sng" cap="flat" w="0">
+                      <a:noFill/>
+                      <a:prstDash val="solid"/>
+                    </a:lnL>
+                    <a:lnR algn="ctr" cmpd="sng" cap="flat" w="0">
+                      <a:noFill/>
+                      <a:prstDash val="solid"/>
+                    </a:lnR>
+                    <a:lnT algn="ctr" cmpd="sng" cap="flat" w="0">
+                      <a:noFill/>
+                      <a:prstDash val="solid"/>
+                    </a:lnT>
+                    <a:lnB algn="ctr" cmpd="sng" cap="flat" w="0">
+                      <a:noFill/>
+                      <a:prstDash val="solid"/>
+                    </a:lnB>
+                    <a:solidFill>
+                      <a:srgbClr val="FFFFFF">
+                        <a:alpha val="0"/>
+                      </a:srgbClr>
+                    </a:solidFill>
+                  </a:tcPr>
+                </a:tc>
+              </a:tr>
+              <a:tr h="228600">
+                <a:tc>
+                  <a:txBody>
+                    <a:bodyPr/>
+                    <a:lstStyle/>
+                    <a:p>
+                      <a:pPr algn="r" marL="63500" marR="63500">
+                        <a:lnSpc>
+                          <a:spcPct val="100000"/>
+                        </a:lnSpc>
+                        <a:spcBef>
+                          <a:spcPts val="500"/>
+                        </a:spcBef>
+                        <a:spcAft>
+                          <a:spcPts val="500"/>
+                        </a:spcAft>
+                        <a:buNone/>
+                      </a:pPr>
+                      <a:r>
+                        <a:rPr cap="none" sz="1100" i="0" b="0" u="none">
+                          <a:solidFill>
+                            <a:srgbClr val="000000">
+                              <a:alpha val="100000"/>
+                            </a:srgbClr>
+                          </a:solidFill>
+                          <a:latin typeface="Arial"/>
+                          <a:cs typeface="Arial"/>
+                          <a:ea typeface="Arial"/>
+                          <a:sym typeface="Arial"/>
+                        </a:rPr>
+                        <a:t>5.4</a:t>
+                      </a:r>
+                    </a:p>
+                  </a:txBody>
+                  <a:tcPr anchor="ctr" marB="63500" marT="63500" marR="0" marL="0">
+                    <a:lnL algn="ctr" cmpd="sng" cap="flat" w="0">
+                      <a:noFill/>
+                      <a:prstDash val="solid"/>
+                    </a:lnL>
+                    <a:lnR algn="ctr" cmpd="sng" cap="flat" w="0">
+                      <a:noFill/>
+                      <a:prstDash val="solid"/>
+                    </a:lnR>
+                    <a:lnT algn="ctr" cmpd="sng" cap="flat" w="0">
+                      <a:noFill/>
+                      <a:prstDash val="solid"/>
+                    </a:lnT>
+                    <a:lnB algn="ctr" cmpd="sng" cap="flat" w="25400">
+                      <a:solidFill>
+                        <a:srgbClr val="666666">
+                          <a:alpha val="100000"/>
+                        </a:srgbClr>
+                      </a:solidFill>
+                      <a:prstDash val="solid"/>
+                    </a:lnB>
+                    <a:solidFill>
+                      <a:srgbClr val="FFFFFF">
+                        <a:alpha val="0"/>
+                      </a:srgbClr>
+                    </a:solidFill>
+                  </a:tcPr>
+                </a:tc>
+                <a:tc>
+                  <a:txBody>
+                    <a:bodyPr/>
+                    <a:lstStyle/>
+                    <a:p>
+                      <a:pPr algn="r" marL="63500" marR="63500">
+                        <a:lnSpc>
+                          <a:spcPct val="100000"/>
+                        </a:lnSpc>
+                        <a:spcBef>
+                          <a:spcPts val="500"/>
+                        </a:spcBef>
+                        <a:spcAft>
+                          <a:spcPts val="500"/>
+                        </a:spcAft>
+                        <a:buNone/>
+                      </a:pPr>
+                      <a:r>
+                        <a:rPr cap="none" sz="1100" i="0" b="0" u="none">
+                          <a:solidFill>
+                            <a:srgbClr val="000000">
+                              <a:alpha val="100000"/>
+                            </a:srgbClr>
+                          </a:solidFill>
+                          <a:latin typeface="Arial"/>
+                          <a:cs typeface="Arial"/>
+                          <a:ea typeface="Arial"/>
+                          <a:sym typeface="Arial"/>
+                        </a:rPr>
+                        <a:t>3.9</a:t>
+                      </a:r>
+                    </a:p>
+                  </a:txBody>
+                  <a:tcPr anchor="ctr" marB="63500" marT="63500" marR="0" marL="0">
+                    <a:lnL algn="ctr" cmpd="sng" cap="flat" w="0">
+                      <a:noFill/>
+                      <a:prstDash val="solid"/>
+                    </a:lnL>
+                    <a:lnR algn="ctr" cmpd="sng" cap="flat" w="0">
+                      <a:noFill/>
+                      <a:prstDash val="solid"/>
+                    </a:lnR>
+                    <a:lnT algn="ctr" cmpd="sng" cap="flat" w="0">
+                      <a:noFill/>
+                      <a:prstDash val="solid"/>
+                    </a:lnT>
+                    <a:lnB algn="ctr" cmpd="sng" cap="flat" w="25400">
+                      <a:solidFill>
+                        <a:srgbClr val="666666">
+                          <a:alpha val="100000"/>
+                        </a:srgbClr>
+                      </a:solidFill>
+                      <a:prstDash val="solid"/>
+                    </a:lnB>
+                    <a:solidFill>
+                      <a:srgbClr val="FFFFFF">
+                        <a:alpha val="0"/>
+                      </a:srgbClr>
+                    </a:solidFill>
+                  </a:tcPr>
+                </a:tc>
+                <a:tc>
+                  <a:txBody>
+                    <a:bodyPr/>
+                    <a:lstStyle/>
+                    <a:p>
+                      <a:pPr algn="r" marL="63500" marR="63500">
+                        <a:lnSpc>
+                          <a:spcPct val="100000"/>
+                        </a:lnSpc>
+                        <a:spcBef>
+                          <a:spcPts val="500"/>
+                        </a:spcBef>
+                        <a:spcAft>
+                          <a:spcPts val="500"/>
+                        </a:spcAft>
+                        <a:buNone/>
+                      </a:pPr>
+                      <a:r>
+                        <a:rPr cap="none" sz="1100" i="0" b="0" u="none">
+                          <a:solidFill>
+                            <a:srgbClr val="000000">
+                              <a:alpha val="100000"/>
+                            </a:srgbClr>
+                          </a:solidFill>
+                          <a:latin typeface="Arial"/>
+                          <a:cs typeface="Arial"/>
+                          <a:ea typeface="Arial"/>
+                          <a:sym typeface="Arial"/>
+                        </a:rPr>
+                        <a:t>1.7</a:t>
+                      </a:r>
+                    </a:p>
+                  </a:txBody>
+                  <a:tcPr anchor="ctr" marB="63500" marT="63500" marR="0" marL="0">
+                    <a:lnL algn="ctr" cmpd="sng" cap="flat" w="0">
+                      <a:noFill/>
+                      <a:prstDash val="solid"/>
+                    </a:lnL>
+                    <a:lnR algn="ctr" cmpd="sng" cap="flat" w="0">
+                      <a:noFill/>
+                      <a:prstDash val="solid"/>
+                    </a:lnR>
+                    <a:lnT algn="ctr" cmpd="sng" cap="flat" w="0">
+                      <a:noFill/>
+                      <a:prstDash val="solid"/>
+                    </a:lnT>
+                    <a:lnB algn="ctr" cmpd="sng" cap="flat" w="25400">
+                      <a:solidFill>
+                        <a:srgbClr val="666666">
+                          <a:alpha val="100000"/>
+                        </a:srgbClr>
+                      </a:solidFill>
+                      <a:prstDash val="solid"/>
+                    </a:lnB>
+                    <a:solidFill>
+                      <a:srgbClr val="FFFFFF">
+                        <a:alpha val="0"/>
+                      </a:srgbClr>
+                    </a:solidFill>
+                  </a:tcPr>
+                </a:tc>
+                <a:tc>
+                  <a:txBody>
+                    <a:bodyPr/>
+                    <a:lstStyle/>
+                    <a:p>
+                      <a:pPr algn="r" marL="63500" marR="63500">
+                        <a:lnSpc>
+                          <a:spcPct val="100000"/>
+                        </a:lnSpc>
+                        <a:spcBef>
+                          <a:spcPts val="500"/>
+                        </a:spcBef>
+                        <a:spcAft>
+                          <a:spcPts val="500"/>
+                        </a:spcAft>
+                        <a:buNone/>
+                      </a:pPr>
+                      <a:r>
+                        <a:rPr cap="none" sz="1100" i="0" b="0" u="none">
+                          <a:solidFill>
+                            <a:srgbClr val="000000">
+                              <a:alpha val="100000"/>
+                            </a:srgbClr>
+                          </a:solidFill>
+                          <a:latin typeface="Arial"/>
+                          <a:cs typeface="Arial"/>
+                          <a:ea typeface="Arial"/>
+                          <a:sym typeface="Arial"/>
+                        </a:rPr>
+                        <a:t>0.4</a:t>
+                      </a:r>
+                    </a:p>
+                  </a:txBody>
+                  <a:tcPr anchor="ctr" marB="63500" marT="63500" marR="0" marL="0">
+                    <a:lnL algn="ctr" cmpd="sng" cap="flat" w="0">
+                      <a:noFill/>
+                      <a:prstDash val="solid"/>
+                    </a:lnL>
+                    <a:lnR algn="ctr" cmpd="sng" cap="flat" w="0">
+                      <a:noFill/>
+                      <a:prstDash val="solid"/>
+                    </a:lnR>
+                    <a:lnT algn="ctr" cmpd="sng" cap="flat" w="0">
+                      <a:noFill/>
+                      <a:prstDash val="solid"/>
+                    </a:lnT>
+                    <a:lnB algn="ctr" cmpd="sng" cap="flat" w="25400">
+                      <a:solidFill>
+                        <a:srgbClr val="666666">
+                          <a:alpha val="100000"/>
+                        </a:srgbClr>
+                      </a:solidFill>
+                      <a:prstDash val="solid"/>
+                    </a:lnB>
+                    <a:solidFill>
+                      <a:srgbClr val="FFFFFF">
+                        <a:alpha val="0"/>
+                      </a:srgbClr>
+                    </a:solidFill>
+                  </a:tcPr>
+                </a:tc>
+                <a:tc>
+                  <a:txBody>
+                    <a:bodyPr/>
+                    <a:lstStyle/>
+                    <a:p>
+                      <a:pPr algn="l" marL="63500" marR="63500">
+                        <a:lnSpc>
+                          <a:spcPct val="100000"/>
+                        </a:lnSpc>
+                        <a:spcBef>
+                          <a:spcPts val="500"/>
+                        </a:spcBef>
+                        <a:spcAft>
+                          <a:spcPts val="500"/>
+                        </a:spcAft>
+                        <a:buNone/>
+                      </a:pPr>
+                      <a:r>
+                        <a:rPr cap="none" sz="1100" i="0" b="0" u="none">
+                          <a:solidFill>
+                            <a:srgbClr val="000000">
+                              <a:alpha val="100000"/>
+                            </a:srgbClr>
+                          </a:solidFill>
+                          <a:latin typeface="Arial"/>
+                          <a:cs typeface="Arial"/>
+                          <a:ea typeface="Arial"/>
+                          <a:sym typeface="Arial"/>
+                        </a:rPr>
+                        <a:t>setosa</a:t>
+                      </a:r>
+                    </a:p>
+                  </a:txBody>
+                  <a:tcPr anchor="ctr" marB="63500" marT="63500" marR="0" marL="0">
+                    <a:lnL algn="ctr" cmpd="sng" cap="flat" w="0">
+                      <a:noFill/>
+                      <a:prstDash val="solid"/>
+                    </a:lnL>
+                    <a:lnR algn="ctr" cmpd="sng" cap="flat" w="0">
+                      <a:noFill/>
+                      <a:prstDash val="solid"/>
+                    </a:lnR>
+                    <a:lnT algn="ctr" cmpd="sng" cap="flat" w="0">
+                      <a:noFill/>
+                      <a:prstDash val="solid"/>
+                    </a:lnT>
+                    <a:lnB algn="ctr" cmpd="sng" cap="flat" w="25400">
+                      <a:solidFill>
+                        <a:srgbClr val="666666">
+                          <a:alpha val="100000"/>
+                        </a:srgbClr>
+                      </a:solidFill>
+                      <a:prstDash val="solid"/>
+                    </a:lnB>
+                    <a:solidFill>
+                      <a:srgbClr val="FFFFFF">
+                        <a:alpha val="0"/>
+                      </a:srgbClr>
+                    </a:solidFill>
+                  </a:tcPr>
+                </a:tc>
+              </a:tr>
+            </a:tbl>
+          </a:graphicData>
+        </a:graphic>
+      </p:graphicFrame>
+    </p:spTree>
+  </p:cSld>
+</p:sld>
+</file>
+
+<file path=ppt/slides/slide7.xml><?xml version="1.0" encoding="utf-8"?>
+<p:sld xmlns:a="http://schemas.openxmlformats.org/drawingml/2006/main" xmlns:r="http://schemas.openxmlformats.org/officeDocument/2006/relationships" xmlns:p="http://schemas.openxmlformats.org/presentationml/2006/main">
+  <p:cSld>
+    <p:spTree>
+      <p:nvGrpSpPr>
+        <p:cNvPr id="1" name=""/>
+        <p:cNvGrpSpPr/>
+        <p:nvPr/>
+      </p:nvGrpSpPr>
+      <p:grpSpPr>
+        <a:xfrm>
+          <a:off x="0" y="0"/>
+          <a:ext cx="0" cy="0"/>
+          <a:chOff x="0" y="0"/>
+          <a:chExt cx="0" cy="0"/>
+        </a:xfrm>
+      </p:grpSpPr>
+      <p:sp>
+        <p:nvSpPr>
+          <p:cNvPr id="2" name="Title 1"/>
+          <p:cNvSpPr>
+            <a:spLocks noGrp="1"/>
+          </p:cNvSpPr>
+          <p:nvPr>
+            <p:ph type="title"/>
+          </p:nvPr>
+        </p:nvSpPr>
+        <p:spPr/>
+        <p:txBody>
+          <a:bodyPr/>
+          <a:lstStyle/>
+          <a:p>
+            <a:pPr lvl="0" indent="0" marL="0">
+              <a:buNone/>
+            </a:pPr>
+            <a:r>
+              <a:rPr/>
+              <a:t>Diagrammer</a:t>
+            </a:r>
+          </a:p>
+        </p:txBody>
+      </p:sp>
+      <p:pic>
+        <p:nvPicPr>
+          <p:cNvPr descr="fig:  product-pricing_files/figure-pptx/unnamed-chunk-7-1.png" id="0" name="Picture 1"/>
+          <p:cNvPicPr>
+            <a:picLocks noGrp="1" noChangeAspect="1"/>
+          </p:cNvPicPr>
+          <p:nvPr/>
+        </p:nvPicPr>
+        <p:blipFill>
+          <a:blip r:embed="rId2"/>
+          <a:stretch>
+            <a:fillRect/>
+          </a:stretch>
+        </p:blipFill>
+        <p:spPr bwMode="auto">
+          <a:xfrm>
+            <a:off x="2082800" y="1193800"/>
+            <a:ext cx="4965700" cy="2882900"/>
+          </a:xfrm>
+          <a:prstGeom prst="rect">
+            <a:avLst/>
+          </a:prstGeom>
+          <a:noFill/>
+          <a:ln w="9525">
+            <a:noFill/>
+            <a:headEnd/>
+            <a:tailEnd/>
+          </a:ln>
+        </p:spPr>
+      </p:pic>
+      <p:sp>
+        <p:nvSpPr>
+          <p:cNvPr id="1" name="TextBox 3"/>
+          <p:cNvSpPr txBox="1"/>
+          <p:nvPr/>
+        </p:nvSpPr>
+        <p:spPr>
+          <a:xfrm>
+            <a:off x="457200" y="4076700"/>
+            <a:ext cx="8229600" cy="508000"/>
+          </a:xfrm>
+          <a:prstGeom prst="rect">
+            <a:avLst/>
+          </a:prstGeom>
+          <a:noFill/>
+        </p:spPr>
+        <p:txBody>
+          <a:bodyPr/>
+          <a:lstStyle/>
+          <a:p>
+            <a:pPr lvl="0" indent="0" marL="0" algn="ctr">
+              <a:buNone/>
+            </a:pPr>
+            <a:r>
+              <a:rPr/>
+              <a:t>TRUE</a:t>
             </a:r>
           </a:p>
         </p:txBody>
@@ -3097,7 +9174,7 @@
         <a:srgbClr val="F79646"/>
       </a:accent6>
       <a:hlink>
-        <a:srgbClr val="FEFEFE"/>
+        <a:srgbClr val="0000FF"/>
       </a:hlink>
       <a:folHlink>
         <a:srgbClr val="800080"/>
@@ -3137,6 +9214,7 @@
         <a:font script="Mong" typeface="Mongolian Baiti"/>
         <a:font script="Viet" typeface="Times New Roman"/>
         <a:font script="Uigh" typeface="Microsoft Uighur"/>
+        <a:font script="Geor" typeface="Sylfaen"/>
       </a:majorFont>
       <a:minorFont>
         <a:latin typeface="Calibri"/>
@@ -3171,6 +9249,7 @@
         <a:font script="Mong" typeface="Mongolian Baiti"/>
         <a:font script="Viet" typeface="Arial"/>
         <a:font script="Uigh" typeface="Microsoft Uighur"/>
+        <a:font script="Geor" typeface="Sylfaen"/>
       </a:minorFont>
     </a:fontScheme>
     <a:fmtScheme name="Office">
@@ -3205,20 +9284,16 @@
           <a:gsLst>
             <a:gs pos="0">
               <a:schemeClr val="phClr">
-                <a:shade val="51000"/>
-                <a:satMod val="130000"/>
-              </a:schemeClr>
-            </a:gs>
-            <a:gs pos="80000">
-              <a:schemeClr val="phClr">
-                <a:shade val="93000"/>
+                <a:tint val="100000"/>
+                <a:shade val="100000"/>
                 <a:satMod val="130000"/>
               </a:schemeClr>
             </a:gs>
             <a:gs pos="100000">
               <a:schemeClr val="phClr">
-                <a:shade val="94000"/>
-                <a:satMod val="135000"/>
+                <a:tint val="50000"/>
+                <a:shade val="100000"/>
+                <a:satMod val="350000"/>
               </a:schemeClr>
             </a:gs>
           </a:gsLst>
@@ -3340,7 +9415,46 @@
       </a:bgFillStyleLst>
     </a:fmtScheme>
   </a:themeElements>
-  <a:objectDefaults/>
+  <a:objectDefaults>
+    <a:spDef>
+      <a:spPr/>
+      <a:bodyPr/>
+      <a:lstStyle/>
+      <a:style>
+        <a:lnRef idx="1">
+          <a:schemeClr val="accent1"/>
+        </a:lnRef>
+        <a:fillRef idx="3">
+          <a:schemeClr val="accent1"/>
+        </a:fillRef>
+        <a:effectRef idx="2">
+          <a:schemeClr val="accent1"/>
+        </a:effectRef>
+        <a:fontRef idx="minor">
+          <a:schemeClr val="lt1"/>
+        </a:fontRef>
+      </a:style>
+    </a:spDef>
+    <a:lnDef>
+      <a:spPr/>
+      <a:bodyPr/>
+      <a:lstStyle/>
+      <a:style>
+        <a:lnRef idx="2">
+          <a:schemeClr val="accent1"/>
+        </a:lnRef>
+        <a:fillRef idx="0">
+          <a:schemeClr val="accent1"/>
+        </a:fillRef>
+        <a:effectRef idx="1">
+          <a:schemeClr val="accent1"/>
+        </a:effectRef>
+        <a:fontRef idx="minor">
+          <a:schemeClr val="tx1"/>
+        </a:fontRef>
+      </a:style>
+    </a:lnDef>
+  </a:objectDefaults>
   <a:extraClrSchemeLst/>
 </a:theme>
 </file>
@@ -3391,9 +9505,9 @@
         <a:latin typeface="Calibri Light" panose="020F0302020204030204"/>
         <a:ea typeface=""/>
         <a:cs typeface=""/>
-        <a:font script="Jpan" typeface="游ゴシック Light"/>
+        <a:font script="Jpan" typeface="ＭＳ Ｐゴシック"/>
         <a:font script="Hang" typeface="맑은 고딕"/>
-        <a:font script="Hans" typeface="等线 Light"/>
+        <a:font script="Hans" typeface="宋体"/>
         <a:font script="Hant" typeface="新細明體"/>
         <a:font script="Arab" typeface="Times New Roman"/>
         <a:font script="Hebr" typeface="Times New Roman"/>
@@ -3426,9 +9540,9 @@
         <a:latin typeface="Calibri" panose="020F0502020204030204"/>
         <a:ea typeface=""/>
         <a:cs typeface=""/>
-        <a:font script="Jpan" typeface="游ゴシック"/>
+        <a:font script="Jpan" typeface="ＭＳ Ｐゴシック"/>
         <a:font script="Hang" typeface="맑은 고딕"/>
-        <a:font script="Hans" typeface="等线"/>
+        <a:font script="Hans" typeface="宋体"/>
         <a:font script="Hant" typeface="新細明體"/>
         <a:font script="Arab" typeface="Arial"/>
         <a:font script="Hebr" typeface="Arial"/>
